--- a/06 statistiek/06 random sampling and sampling bias/06 random sampling and sampling bias.pptx
+++ b/06 statistiek/06 random sampling and sampling bias/06 random sampling and sampling bias.pptx
@@ -6,10 +6,10 @@
     <p:sldMasterId id="2147483664" r:id="rId5"/>
   </p:sldMasterIdLst>
   <p:notesMasterIdLst>
-    <p:notesMasterId r:id="rId37"/>
+    <p:notesMasterId r:id="rId42"/>
   </p:notesMasterIdLst>
   <p:handoutMasterIdLst>
-    <p:handoutMasterId r:id="rId38"/>
+    <p:handoutMasterId r:id="rId43"/>
   </p:handoutMasterIdLst>
   <p:sldIdLst>
     <p:sldId id="256" r:id="rId6"/>
@@ -19,30 +19,35 @@
     <p:sldId id="2908" r:id="rId10"/>
     <p:sldId id="2909" r:id="rId11"/>
     <p:sldId id="2910" r:id="rId12"/>
-    <p:sldId id="2912" r:id="rId13"/>
+    <p:sldId id="2934" r:id="rId13"/>
     <p:sldId id="2844" r:id="rId14"/>
     <p:sldId id="2911" r:id="rId15"/>
     <p:sldId id="2913" r:id="rId16"/>
     <p:sldId id="2914" r:id="rId17"/>
     <p:sldId id="2917" r:id="rId18"/>
-    <p:sldId id="2915" r:id="rId19"/>
-    <p:sldId id="2916" r:id="rId20"/>
-    <p:sldId id="326" r:id="rId21"/>
+    <p:sldId id="2912" r:id="rId19"/>
+    <p:sldId id="2915" r:id="rId20"/>
+    <p:sldId id="2916" r:id="rId21"/>
     <p:sldId id="2918" r:id="rId22"/>
-    <p:sldId id="2919" r:id="rId23"/>
-    <p:sldId id="2920" r:id="rId24"/>
-    <p:sldId id="2921" r:id="rId25"/>
-    <p:sldId id="2923" r:id="rId26"/>
-    <p:sldId id="2922" r:id="rId27"/>
-    <p:sldId id="2925" r:id="rId28"/>
-    <p:sldId id="2924" r:id="rId29"/>
-    <p:sldId id="2926" r:id="rId30"/>
-    <p:sldId id="2927" r:id="rId31"/>
-    <p:sldId id="2929" r:id="rId32"/>
-    <p:sldId id="2930" r:id="rId33"/>
-    <p:sldId id="2931" r:id="rId34"/>
-    <p:sldId id="270" r:id="rId35"/>
-    <p:sldId id="271" r:id="rId36"/>
+    <p:sldId id="326" r:id="rId23"/>
+    <p:sldId id="2935" r:id="rId24"/>
+    <p:sldId id="2936" r:id="rId25"/>
+    <p:sldId id="2932" r:id="rId26"/>
+    <p:sldId id="2933" r:id="rId27"/>
+    <p:sldId id="2919" r:id="rId28"/>
+    <p:sldId id="2920" r:id="rId29"/>
+    <p:sldId id="2921" r:id="rId30"/>
+    <p:sldId id="2923" r:id="rId31"/>
+    <p:sldId id="2922" r:id="rId32"/>
+    <p:sldId id="2925" r:id="rId33"/>
+    <p:sldId id="2924" r:id="rId34"/>
+    <p:sldId id="2926" r:id="rId35"/>
+    <p:sldId id="2927" r:id="rId36"/>
+    <p:sldId id="2929" r:id="rId37"/>
+    <p:sldId id="2930" r:id="rId38"/>
+    <p:sldId id="2931" r:id="rId39"/>
+    <p:sldId id="270" r:id="rId40"/>
+    <p:sldId id="271" r:id="rId41"/>
   </p:sldIdLst>
   <p:sldSz cx="12192000" cy="6858000"/>
   <p:notesSz cx="6858000" cy="9144000"/>
@@ -493,7 +498,7 @@
           <a:p>
             <a:fld id="{A21F7CDD-23CF-5441-8EE8-3A82C7512332}" type="datetimeFigureOut">
               <a:rPr lang="nl-NL" smtClean="0"/>
-              <a:t>25-5-2023</a:t>
+              <a:t>6-6-2023</a:t>
             </a:fld>
             <a:endParaRPr lang="nl-NL"/>
           </a:p>
@@ -826,7 +831,7 @@
           <a:p>
             <a:fld id="{48C176B4-2F3E-4542-A88B-B482618D0CAA}" type="slidenum">
               <a:rPr lang="nl-NL" smtClean="0"/>
-              <a:t>16</a:t>
+              <a:t>18</a:t>
             </a:fld>
             <a:endParaRPr lang="nl-NL"/>
           </a:p>
@@ -910,7 +915,7 @@
           <a:p>
             <a:fld id="{4AF6D0A1-0AEB-9A4F-9A1A-8EF3D1567A45}" type="slidenum">
               <a:rPr lang="nl-NL" smtClean="0"/>
-              <a:t>27</a:t>
+              <a:t>32</a:t>
             </a:fld>
             <a:endParaRPr lang="nl-NL"/>
           </a:p>
@@ -1721,7 +1726,7 @@
           <a:p>
             <a:fld id="{27A546E8-399A-4DE2-8C60-36B2FE674090}" type="datetime2">
               <a:rPr lang="en-GB" noProof="0" smtClean="0"/>
-              <a:t>Thursday, 25 May 2023</a:t>
+              <a:t>Tuesday, 06 June 2023</a:t>
             </a:fld>
             <a:endParaRPr lang="en-GB" noProof="0" dirty="0"/>
           </a:p>
@@ -9126,7 +9131,7 @@
           <a:p>
             <a:fld id="{F5C00587-4368-4D98-88C9-D75DCD2961D4}" type="datetime2">
               <a:rPr lang="en-GB" noProof="0" smtClean="0"/>
-              <a:t>Thursday, 25 May 2023</a:t>
+              <a:t>Tuesday, 06 June 2023</a:t>
             </a:fld>
             <a:endParaRPr lang="en-GB" noProof="0" dirty="0"/>
           </a:p>
@@ -13416,6 +13421,97 @@
   <p:transition spd="slow">
     <p:push dir="u"/>
   </p:transition>
+  <p:timing>
+    <p:tnLst>
+      <p:par>
+        <p:cTn id="1" dur="indefinite" restart="never" nodeType="tmRoot">
+          <p:childTnLst>
+            <p:seq concurrent="1" nextAc="seek">
+              <p:cTn id="2" dur="indefinite" nodeType="mainSeq">
+                <p:childTnLst>
+                  <p:par>
+                    <p:cTn id="3" fill="hold">
+                      <p:stCondLst>
+                        <p:cond delay="indefinite"/>
+                      </p:stCondLst>
+                      <p:childTnLst>
+                        <p:par>
+                          <p:cTn id="4" fill="hold">
+                            <p:stCondLst>
+                              <p:cond delay="0"/>
+                            </p:stCondLst>
+                            <p:childTnLst>
+                              <p:par>
+                                <p:cTn id="5" presetID="10" presetClass="entr" presetSubtype="0" fill="hold" nodeType="clickEffect">
+                                  <p:stCondLst>
+                                    <p:cond delay="0"/>
+                                  </p:stCondLst>
+                                  <p:childTnLst>
+                                    <p:set>
+                                      <p:cBhvr>
+                                        <p:cTn id="6" dur="1" fill="hold">
+                                          <p:stCondLst>
+                                            <p:cond delay="0"/>
+                                          </p:stCondLst>
+                                        </p:cTn>
+                                        <p:tgtEl>
+                                          <p:spTgt spid="8">
+                                            <p:txEl>
+                                              <p:pRg st="0" end="0"/>
+                                            </p:txEl>
+                                          </p:spTgt>
+                                        </p:tgtEl>
+                                        <p:attrNameLst>
+                                          <p:attrName>style.visibility</p:attrName>
+                                        </p:attrNameLst>
+                                      </p:cBhvr>
+                                      <p:to>
+                                        <p:strVal val="visible"/>
+                                      </p:to>
+                                    </p:set>
+                                    <p:animEffect transition="in" filter="fade">
+                                      <p:cBhvr>
+                                        <p:cTn id="7" dur="500"/>
+                                        <p:tgtEl>
+                                          <p:spTgt spid="8">
+                                            <p:txEl>
+                                              <p:pRg st="0" end="0"/>
+                                            </p:txEl>
+                                          </p:spTgt>
+                                        </p:tgtEl>
+                                      </p:cBhvr>
+                                    </p:animEffect>
+                                  </p:childTnLst>
+                                </p:cTn>
+                              </p:par>
+                            </p:childTnLst>
+                          </p:cTn>
+                        </p:par>
+                      </p:childTnLst>
+                    </p:cTn>
+                  </p:par>
+                </p:childTnLst>
+              </p:cTn>
+              <p:prevCondLst>
+                <p:cond evt="onPrev" delay="0">
+                  <p:tgtEl>
+                    <p:sldTgt/>
+                  </p:tgtEl>
+                </p:cond>
+              </p:prevCondLst>
+              <p:nextCondLst>
+                <p:cond evt="onNext" delay="0">
+                  <p:tgtEl>
+                    <p:sldTgt/>
+                  </p:tgtEl>
+                </p:cond>
+              </p:nextCondLst>
+            </p:seq>
+          </p:childTnLst>
+        </p:cTn>
+      </p:par>
+    </p:tnLst>
+  </p:timing>
 </p:sld>
 </file>
 
@@ -13827,7 +13923,10 @@
               <a:rPr lang="en-GB" dirty="0" err="1"/>
               <a:t>limietstelling</a:t>
             </a:r>
-            <a:endParaRPr lang="en-GB" dirty="0"/>
+            <a:r>
+              <a:rPr lang="en-GB" dirty="0"/>
+              <a:t> &amp; Law of Large Numbers</a:t>
+            </a:r>
           </a:p>
         </p:txBody>
       </p:sp>
@@ -13848,6 +13947,645 @@
 </file>
 
 <file path=ppt/slides/slide14.xml><?xml version="1.0" encoding="utf-8"?>
+<p:sld xmlns:a="http://schemas.openxmlformats.org/drawingml/2006/main" xmlns:r="http://schemas.openxmlformats.org/officeDocument/2006/relationships" xmlns:p="http://schemas.openxmlformats.org/presentationml/2006/main">
+  <p:cSld>
+    <p:spTree>
+      <p:nvGrpSpPr>
+        <p:cNvPr id="1" name=""/>
+        <p:cNvGrpSpPr/>
+        <p:nvPr/>
+      </p:nvGrpSpPr>
+      <p:grpSpPr>
+        <a:xfrm>
+          <a:off x="0" y="0"/>
+          <a:ext cx="0" cy="0"/>
+          <a:chOff x="0" y="0"/>
+          <a:chExt cx="0" cy="0"/>
+        </a:xfrm>
+      </p:grpSpPr>
+      <p:sp>
+        <p:nvSpPr>
+          <p:cNvPr id="2" name="Title 1">
+            <a:extLst>
+              <a:ext uri="{FF2B5EF4-FFF2-40B4-BE49-F238E27FC236}">
+                <a16:creationId xmlns:a16="http://schemas.microsoft.com/office/drawing/2014/main" id="{3B8766C9-5374-70D8-7301-0ABDE9E8747B}"/>
+              </a:ext>
+            </a:extLst>
+          </p:cNvPr>
+          <p:cNvSpPr>
+            <a:spLocks noGrp="1"/>
+          </p:cNvSpPr>
+          <p:nvPr>
+            <p:ph type="title"/>
+          </p:nvPr>
+        </p:nvSpPr>
+        <p:spPr/>
+        <p:txBody>
+          <a:bodyPr/>
+          <a:lstStyle/>
+          <a:p>
+            <a:r>
+              <a:rPr lang="en-GB" dirty="0"/>
+              <a:t>Sample mean vs population mean</a:t>
+            </a:r>
+          </a:p>
+        </p:txBody>
+      </p:sp>
+      <p:pic>
+        <p:nvPicPr>
+          <p:cNvPr id="4" name="Content Placeholder 3">
+            <a:extLst>
+              <a:ext uri="{FF2B5EF4-FFF2-40B4-BE49-F238E27FC236}">
+                <a16:creationId xmlns:a16="http://schemas.microsoft.com/office/drawing/2014/main" id="{326F7E33-8382-B5E9-E857-3912A6B04464}"/>
+              </a:ext>
+            </a:extLst>
+          </p:cNvPr>
+          <p:cNvPicPr>
+            <a:picLocks noGrp="1" noChangeAspect="1"/>
+          </p:cNvPicPr>
+          <p:nvPr>
+            <p:ph idx="1"/>
+          </p:nvPr>
+        </p:nvPicPr>
+        <p:blipFill>
+          <a:blip r:embed="rId2"/>
+          <a:stretch>
+            <a:fillRect/>
+          </a:stretch>
+        </p:blipFill>
+        <p:spPr>
+          <a:xfrm>
+            <a:off x="3540555" y="1685925"/>
+            <a:ext cx="4896578" cy="3852863"/>
+          </a:xfrm>
+          <a:prstGeom prst="rect">
+            <a:avLst/>
+          </a:prstGeom>
+        </p:spPr>
+      </p:pic>
+      <mc:AlternateContent xmlns:mc="http://schemas.openxmlformats.org/markup-compatibility/2006" xmlns:a14="http://schemas.microsoft.com/office/drawing/2010/main">
+        <mc:Choice Requires="a14">
+          <p:sp>
+            <p:nvSpPr>
+              <p:cNvPr id="5" name="TextBox 4">
+                <a:extLst>
+                  <a:ext uri="{FF2B5EF4-FFF2-40B4-BE49-F238E27FC236}">
+                    <a16:creationId xmlns:a16="http://schemas.microsoft.com/office/drawing/2014/main" id="{2EF328FD-4153-542A-6727-BF86F3427A1E}"/>
+                  </a:ext>
+                </a:extLst>
+              </p:cNvPr>
+              <p:cNvSpPr txBox="1"/>
+              <p:nvPr/>
+            </p:nvSpPr>
+            <p:spPr>
+              <a:xfrm>
+                <a:off x="3899042" y="4053154"/>
+                <a:ext cx="2361287" cy="276999"/>
+              </a:xfrm>
+              <a:prstGeom prst="rect">
+                <a:avLst/>
+              </a:prstGeom>
+              <a:noFill/>
+            </p:spPr>
+            <p:txBody>
+              <a:bodyPr wrap="none" lIns="0" tIns="0" rIns="0" bIns="0" rtlCol="0">
+                <a:spAutoFit/>
+              </a:bodyPr>
+              <a:lstStyle/>
+              <a:p>
+                <a14:m>
+                  <m:oMath xmlns:m="http://schemas.openxmlformats.org/officeDocument/2006/math">
+                    <m:r>
+                      <a:rPr lang="en-US" b="0" i="1" smtClean="0">
+                        <a:latin typeface="Cambria Math" panose="02040503050406030204" pitchFamily="18" charset="0"/>
+                      </a:rPr>
+                      <m:t>𝜇</m:t>
+                    </m:r>
+                    <m:r>
+                      <a:rPr lang="en-US" b="0" i="0" smtClean="0">
+                        <a:latin typeface="Cambria Math" panose="02040503050406030204" pitchFamily="18" charset="0"/>
+                      </a:rPr>
+                      <m:t>, </m:t>
+                    </m:r>
+                    <m:r>
+                      <m:rPr>
+                        <m:sty m:val="p"/>
+                      </m:rPr>
+                      <a:rPr lang="en-US" b="0" i="0" smtClean="0">
+                        <a:latin typeface="Cambria Math" panose="02040503050406030204" pitchFamily="18" charset="0"/>
+                      </a:rPr>
+                      <m:t>h</m:t>
+                    </m:r>
+                  </m:oMath>
+                </a14:m>
+                <a:r>
+                  <a:rPr lang="en-GB" dirty="0"/>
+                  <a:t>et </a:t>
+                </a:r>
+                <a:r>
+                  <a:rPr lang="en-GB" dirty="0" err="1"/>
+                  <a:t>echte</a:t>
+                </a:r>
+                <a:r>
+                  <a:rPr lang="en-GB" dirty="0"/>
+                  <a:t> </a:t>
+                </a:r>
+                <a:r>
+                  <a:rPr lang="en-GB" dirty="0" err="1"/>
+                  <a:t>gemiddelde</a:t>
+                </a:r>
+                <a:endParaRPr lang="en-GB" dirty="0"/>
+              </a:p>
+            </p:txBody>
+          </p:sp>
+        </mc:Choice>
+        <mc:Fallback xmlns="">
+          <p:sp>
+            <p:nvSpPr>
+              <p:cNvPr id="5" name="TextBox 4">
+                <a:extLst>
+                  <a:ext uri="{FF2B5EF4-FFF2-40B4-BE49-F238E27FC236}">
+                    <a16:creationId xmlns:a16="http://schemas.microsoft.com/office/drawing/2014/main" id="{2EF328FD-4153-542A-6727-BF86F3427A1E}"/>
+                  </a:ext>
+                </a:extLst>
+              </p:cNvPr>
+              <p:cNvSpPr txBox="1">
+                <a:spLocks noRot="1" noChangeAspect="1" noMove="1" noResize="1" noEditPoints="1" noAdjustHandles="1" noChangeArrowheads="1" noChangeShapeType="1" noTextEdit="1"/>
+              </p:cNvSpPr>
+              <p:nvPr/>
+            </p:nvSpPr>
+            <p:spPr>
+              <a:xfrm>
+                <a:off x="3899042" y="4053154"/>
+                <a:ext cx="2361287" cy="276999"/>
+              </a:xfrm>
+              <a:prstGeom prst="rect">
+                <a:avLst/>
+              </a:prstGeom>
+              <a:blipFill>
+                <a:blip r:embed="rId3"/>
+                <a:stretch>
+                  <a:fillRect l="-3618" t="-28889" r="-2067" b="-51111"/>
+                </a:stretch>
+              </a:blipFill>
+            </p:spPr>
+            <p:txBody>
+              <a:bodyPr/>
+              <a:lstStyle/>
+              <a:p>
+                <a:r>
+                  <a:rPr lang="en-GB">
+                    <a:noFill/>
+                  </a:rPr>
+                  <a:t> </a:t>
+                </a:r>
+              </a:p>
+            </p:txBody>
+          </p:sp>
+        </mc:Fallback>
+      </mc:AlternateContent>
+      <mc:AlternateContent xmlns:mc="http://schemas.openxmlformats.org/markup-compatibility/2006" xmlns:a14="http://schemas.microsoft.com/office/drawing/2010/main">
+        <mc:Choice Requires="a14">
+          <p:sp>
+            <p:nvSpPr>
+              <p:cNvPr id="6" name="TextBox 5">
+                <a:extLst>
+                  <a:ext uri="{FF2B5EF4-FFF2-40B4-BE49-F238E27FC236}">
+                    <a16:creationId xmlns:a16="http://schemas.microsoft.com/office/drawing/2014/main" id="{3279D816-F3B0-EB92-0C96-DB134BD2EDE1}"/>
+                  </a:ext>
+                </a:extLst>
+              </p:cNvPr>
+              <p:cNvSpPr txBox="1"/>
+              <p:nvPr/>
+            </p:nvSpPr>
+            <p:spPr>
+              <a:xfrm>
+                <a:off x="6917932" y="3637655"/>
+                <a:ext cx="4423262" cy="553998"/>
+              </a:xfrm>
+              <a:prstGeom prst="rect">
+                <a:avLst/>
+              </a:prstGeom>
+              <a:noFill/>
+            </p:spPr>
+            <p:txBody>
+              <a:bodyPr wrap="none" lIns="0" tIns="0" rIns="0" bIns="0" rtlCol="0">
+                <a:spAutoFit/>
+              </a:bodyPr>
+              <a:lstStyle/>
+              <a:p>
+                <a14:m>
+                  <m:oMath xmlns:m="http://schemas.openxmlformats.org/officeDocument/2006/math">
+                    <m:acc>
+                      <m:accPr>
+                        <m:chr m:val="̅"/>
+                        <m:ctrlPr>
+                          <a:rPr lang="en-US" b="0" i="1" smtClean="0">
+                            <a:latin typeface="Cambria Math" panose="02040503050406030204" pitchFamily="18" charset="0"/>
+                          </a:rPr>
+                        </m:ctrlPr>
+                      </m:accPr>
+                      <m:e>
+                        <m:r>
+                          <a:rPr lang="en-US" b="0" i="1" smtClean="0">
+                            <a:latin typeface="Cambria Math" panose="02040503050406030204" pitchFamily="18" charset="0"/>
+                          </a:rPr>
+                          <m:t>𝑥</m:t>
+                        </m:r>
+                      </m:e>
+                    </m:acc>
+                    <m:r>
+                      <a:rPr lang="en-US" b="0" i="0" smtClean="0">
+                        <a:latin typeface="Cambria Math" panose="02040503050406030204" pitchFamily="18" charset="0"/>
+                      </a:rPr>
+                      <m:t>, </m:t>
+                    </m:r>
+                    <m:r>
+                      <m:rPr>
+                        <m:sty m:val="p"/>
+                      </m:rPr>
+                      <a:rPr lang="en-US" b="0" i="0" smtClean="0">
+                        <a:latin typeface="Cambria Math" panose="02040503050406030204" pitchFamily="18" charset="0"/>
+                      </a:rPr>
+                      <m:t>h</m:t>
+                    </m:r>
+                  </m:oMath>
+                </a14:m>
+                <a:r>
+                  <a:rPr lang="en-GB" dirty="0"/>
+                  <a:t>et </a:t>
+                </a:r>
+                <a:r>
+                  <a:rPr lang="en-GB" dirty="0" err="1"/>
+                  <a:t>gemiddelde</a:t>
+                </a:r>
+                <a:r>
+                  <a:rPr lang="en-GB" dirty="0"/>
+                  <a:t> van de sample </a:t>
+                </a:r>
+                <a:r>
+                  <a:rPr lang="en-GB" dirty="0" err="1"/>
+                  <a:t>gebruikt</a:t>
+                </a:r>
+                <a:r>
+                  <a:rPr lang="en-GB" dirty="0"/>
+                  <a:t> </a:t>
+                </a:r>
+                <a:r>
+                  <a:rPr lang="en-GB" dirty="0" err="1"/>
+                  <a:t>voor</a:t>
+                </a:r>
+                <a:br>
+                  <a:rPr lang="en-GB" dirty="0"/>
+                </a:br>
+                <a:r>
+                  <a:rPr lang="en-GB" dirty="0"/>
+                  <a:t>het </a:t>
+                </a:r>
+                <a:r>
+                  <a:rPr lang="en-GB" dirty="0" err="1"/>
+                  <a:t>echte</a:t>
+                </a:r>
+                <a:r>
+                  <a:rPr lang="en-GB" dirty="0"/>
+                  <a:t> </a:t>
+                </a:r>
+                <a:r>
+                  <a:rPr lang="en-GB" dirty="0" err="1"/>
+                  <a:t>gemiddelde</a:t>
+                </a:r>
+                <a:r>
+                  <a:rPr lang="en-GB" dirty="0"/>
+                  <a:t> </a:t>
+                </a:r>
+                <a:r>
+                  <a:rPr lang="en-GB" dirty="0" err="1"/>
+                  <a:t>te</a:t>
+                </a:r>
+                <a:r>
+                  <a:rPr lang="en-GB" dirty="0"/>
+                  <a:t> </a:t>
+                </a:r>
+                <a:r>
+                  <a:rPr lang="en-GB" dirty="0" err="1"/>
+                  <a:t>schatten</a:t>
+                </a:r>
+                <a:r>
+                  <a:rPr lang="en-GB" dirty="0"/>
+                  <a:t>.</a:t>
+                </a:r>
+              </a:p>
+            </p:txBody>
+          </p:sp>
+        </mc:Choice>
+        <mc:Fallback xmlns="">
+          <p:sp>
+            <p:nvSpPr>
+              <p:cNvPr id="6" name="TextBox 5">
+                <a:extLst>
+                  <a:ext uri="{FF2B5EF4-FFF2-40B4-BE49-F238E27FC236}">
+                    <a16:creationId xmlns:a16="http://schemas.microsoft.com/office/drawing/2014/main" id="{3279D816-F3B0-EB92-0C96-DB134BD2EDE1}"/>
+                  </a:ext>
+                </a:extLst>
+              </p:cNvPr>
+              <p:cNvSpPr txBox="1">
+                <a:spLocks noRot="1" noChangeAspect="1" noMove="1" noResize="1" noEditPoints="1" noAdjustHandles="1" noChangeArrowheads="1" noChangeShapeType="1" noTextEdit="1"/>
+              </p:cNvSpPr>
+              <p:nvPr/>
+            </p:nvSpPr>
+            <p:spPr>
+              <a:xfrm>
+                <a:off x="6917932" y="3637655"/>
+                <a:ext cx="4423262" cy="553998"/>
+              </a:xfrm>
+              <a:prstGeom prst="rect">
+                <a:avLst/>
+              </a:prstGeom>
+              <a:blipFill>
+                <a:blip r:embed="rId4"/>
+                <a:stretch>
+                  <a:fillRect l="-3310" t="-14286" r="-2207" b="-24176"/>
+                </a:stretch>
+              </a:blipFill>
+            </p:spPr>
+            <p:txBody>
+              <a:bodyPr/>
+              <a:lstStyle/>
+              <a:p>
+                <a:r>
+                  <a:rPr lang="en-GB">
+                    <a:noFill/>
+                  </a:rPr>
+                  <a:t> </a:t>
+                </a:r>
+              </a:p>
+            </p:txBody>
+          </p:sp>
+        </mc:Fallback>
+      </mc:AlternateContent>
+      <p:sp>
+        <p:nvSpPr>
+          <p:cNvPr id="7" name="TextBox 6">
+            <a:extLst>
+              <a:ext uri="{FF2B5EF4-FFF2-40B4-BE49-F238E27FC236}">
+                <a16:creationId xmlns:a16="http://schemas.microsoft.com/office/drawing/2014/main" id="{63335CEE-75DB-E355-BC10-5987A89E2E29}"/>
+              </a:ext>
+            </a:extLst>
+          </p:cNvPr>
+          <p:cNvSpPr txBox="1"/>
+          <p:nvPr/>
+        </p:nvSpPr>
+        <p:spPr>
+          <a:xfrm>
+            <a:off x="226031" y="1613043"/>
+            <a:ext cx="3314524" cy="2031325"/>
+          </a:xfrm>
+          <a:prstGeom prst="rect">
+            <a:avLst/>
+          </a:prstGeom>
+          <a:noFill/>
+        </p:spPr>
+        <p:txBody>
+          <a:bodyPr wrap="square" rtlCol="0">
+            <a:spAutoFit/>
+          </a:bodyPr>
+          <a:lstStyle/>
+          <a:p>
+            <a:r>
+              <a:rPr lang="en-GB" dirty="0"/>
+              <a:t>Population mean is nooit </a:t>
+            </a:r>
+            <a:r>
+              <a:rPr lang="en-GB" dirty="0" err="1"/>
+              <a:t>gekend</a:t>
+            </a:r>
+            <a:r>
+              <a:rPr lang="en-GB" dirty="0"/>
+              <a:t> </a:t>
+            </a:r>
+            <a:r>
+              <a:rPr lang="en-GB" dirty="0" err="1"/>
+              <a:t>voor</a:t>
+            </a:r>
+            <a:r>
+              <a:rPr lang="en-GB" dirty="0"/>
+              <a:t> </a:t>
+            </a:r>
+            <a:r>
+              <a:rPr lang="en-GB" i="1" dirty="0" err="1"/>
+              <a:t>echte</a:t>
+            </a:r>
+            <a:r>
+              <a:rPr lang="en-GB" dirty="0"/>
+              <a:t> </a:t>
+            </a:r>
+            <a:r>
+              <a:rPr lang="en-GB" dirty="0" err="1"/>
+              <a:t>problemen</a:t>
+            </a:r>
+            <a:r>
+              <a:rPr lang="en-GB" dirty="0"/>
+              <a:t>. We </a:t>
+            </a:r>
+            <a:r>
+              <a:rPr lang="en-GB" dirty="0" err="1"/>
+              <a:t>gebruiken</a:t>
+            </a:r>
+            <a:r>
+              <a:rPr lang="en-GB" dirty="0"/>
+              <a:t> </a:t>
+            </a:r>
+            <a:r>
+              <a:rPr lang="en-GB" dirty="0" err="1"/>
+              <a:t>daarom</a:t>
+            </a:r>
+            <a:r>
+              <a:rPr lang="en-GB" dirty="0"/>
+              <a:t> </a:t>
+            </a:r>
+            <a:r>
+              <a:rPr lang="en-GB" dirty="0" err="1"/>
+              <a:t>altijd</a:t>
+            </a:r>
+            <a:r>
+              <a:rPr lang="en-GB" dirty="0"/>
+              <a:t> </a:t>
+            </a:r>
+            <a:r>
+              <a:rPr lang="en-GB" dirty="0" err="1"/>
+              <a:t>een</a:t>
+            </a:r>
+            <a:r>
+              <a:rPr lang="en-GB" dirty="0"/>
+              <a:t> </a:t>
+            </a:r>
+            <a:r>
+              <a:rPr lang="en-GB" dirty="0" err="1"/>
+              <a:t>schatting</a:t>
+            </a:r>
+            <a:r>
+              <a:rPr lang="en-GB" dirty="0"/>
+              <a:t>.</a:t>
+            </a:r>
+          </a:p>
+          <a:p>
+            <a:endParaRPr lang="en-GB" dirty="0"/>
+          </a:p>
+          <a:p>
+            <a:r>
+              <a:rPr lang="en-GB" dirty="0" err="1"/>
+              <a:t>Dit</a:t>
+            </a:r>
+            <a:r>
+              <a:rPr lang="en-GB" dirty="0"/>
+              <a:t> </a:t>
+            </a:r>
+            <a:r>
+              <a:rPr lang="en-GB" dirty="0" err="1"/>
+              <a:t>geldt</a:t>
+            </a:r>
+            <a:r>
+              <a:rPr lang="en-GB" dirty="0"/>
+              <a:t> </a:t>
+            </a:r>
+            <a:r>
+              <a:rPr lang="en-GB" dirty="0" err="1"/>
+              <a:t>natuurlijk</a:t>
+            </a:r>
+            <a:r>
+              <a:rPr lang="en-GB" dirty="0"/>
+              <a:t> </a:t>
+            </a:r>
+            <a:r>
+              <a:rPr lang="en-GB" dirty="0" err="1"/>
+              <a:t>voor</a:t>
+            </a:r>
+            <a:r>
+              <a:rPr lang="en-GB" dirty="0"/>
+              <a:t> alle centrum-</a:t>
+            </a:r>
+            <a:r>
+              <a:rPr lang="en-GB" dirty="0" err="1"/>
+              <a:t>en</a:t>
+            </a:r>
+            <a:r>
+              <a:rPr lang="en-GB" dirty="0"/>
+              <a:t> </a:t>
+            </a:r>
+            <a:r>
+              <a:rPr lang="en-GB" dirty="0" err="1"/>
+              <a:t>spreidingsmaten</a:t>
+            </a:r>
+            <a:r>
+              <a:rPr lang="en-GB" dirty="0"/>
+              <a:t>!</a:t>
+            </a:r>
+          </a:p>
+        </p:txBody>
+      </p:sp>
+    </p:spTree>
+    <p:extLst>
+      <p:ext uri="{BB962C8B-B14F-4D97-AF65-F5344CB8AC3E}">
+        <p14:creationId xmlns:p14="http://schemas.microsoft.com/office/powerpoint/2010/main" val="1845125683"/>
+      </p:ext>
+    </p:extLst>
+  </p:cSld>
+  <p:clrMapOvr>
+    <a:masterClrMapping/>
+  </p:clrMapOvr>
+  <p:transition spd="slow">
+    <p:push dir="u"/>
+  </p:transition>
+  <p:timing>
+    <p:tnLst>
+      <p:par>
+        <p:cTn id="1" dur="indefinite" restart="never" nodeType="tmRoot">
+          <p:childTnLst>
+            <p:seq concurrent="1" nextAc="seek">
+              <p:cTn id="2" dur="indefinite" nodeType="mainSeq">
+                <p:childTnLst>
+                  <p:par>
+                    <p:cTn id="3" fill="hold">
+                      <p:stCondLst>
+                        <p:cond delay="indefinite"/>
+                      </p:stCondLst>
+                      <p:childTnLst>
+                        <p:par>
+                          <p:cTn id="4" fill="hold">
+                            <p:stCondLst>
+                              <p:cond delay="0"/>
+                            </p:stCondLst>
+                            <p:childTnLst>
+                              <p:par>
+                                <p:cTn id="5" presetID="10" presetClass="entr" presetSubtype="0" fill="hold" grpId="0" nodeType="clickEffect">
+                                  <p:stCondLst>
+                                    <p:cond delay="0"/>
+                                  </p:stCondLst>
+                                  <p:childTnLst>
+                                    <p:set>
+                                      <p:cBhvr>
+                                        <p:cTn id="6" dur="1" fill="hold">
+                                          <p:stCondLst>
+                                            <p:cond delay="0"/>
+                                          </p:stCondLst>
+                                        </p:cTn>
+                                        <p:tgtEl>
+                                          <p:spTgt spid="7"/>
+                                        </p:tgtEl>
+                                        <p:attrNameLst>
+                                          <p:attrName>style.visibility</p:attrName>
+                                        </p:attrNameLst>
+                                      </p:cBhvr>
+                                      <p:to>
+                                        <p:strVal val="visible"/>
+                                      </p:to>
+                                    </p:set>
+                                    <p:animEffect transition="in" filter="fade">
+                                      <p:cBhvr>
+                                        <p:cTn id="7" dur="500"/>
+                                        <p:tgtEl>
+                                          <p:spTgt spid="7"/>
+                                        </p:tgtEl>
+                                      </p:cBhvr>
+                                    </p:animEffect>
+                                  </p:childTnLst>
+                                </p:cTn>
+                              </p:par>
+                            </p:childTnLst>
+                          </p:cTn>
+                        </p:par>
+                      </p:childTnLst>
+                    </p:cTn>
+                  </p:par>
+                </p:childTnLst>
+              </p:cTn>
+              <p:prevCondLst>
+                <p:cond evt="onPrev" delay="0">
+                  <p:tgtEl>
+                    <p:sldTgt/>
+                  </p:tgtEl>
+                </p:cond>
+              </p:prevCondLst>
+              <p:nextCondLst>
+                <p:cond evt="onNext" delay="0">
+                  <p:tgtEl>
+                    <p:sldTgt/>
+                  </p:tgtEl>
+                </p:cond>
+              </p:nextCondLst>
+            </p:seq>
+          </p:childTnLst>
+        </p:cTn>
+      </p:par>
+    </p:tnLst>
+    <p:bldLst>
+      <p:bldP spid="7" grpId="0"/>
+    </p:bldLst>
+  </p:timing>
+</p:sld>
+</file>
+
+<file path=ppt/slides/slide15.xml><?xml version="1.0" encoding="utf-8"?>
 <p:sld xmlns:a="http://schemas.openxmlformats.org/drawingml/2006/main" xmlns:r="http://schemas.openxmlformats.org/officeDocument/2006/relationships" xmlns:p="http://schemas.openxmlformats.org/presentationml/2006/main">
   <p:cSld>
     <p:spTree>
@@ -14179,7 +14917,13 @@
                       <a:rPr lang="en-US" b="0" i="1" smtClean="0">
                         <a:latin typeface="Cambria Math" panose="02040503050406030204" pitchFamily="18" charset="0"/>
                       </a:rPr>
-                      <m:t>&lt;∞</m:t>
+                      <m:t>&lt;</m:t>
+                    </m:r>
+                    <m:r>
+                      <a:rPr lang="en-US" b="0" i="1" smtClean="0">
+                        <a:latin typeface="Cambria Math" panose="02040503050406030204" pitchFamily="18" charset="0"/>
+                      </a:rPr>
+                      <m:t>∞</m:t>
                     </m:r>
                   </m:oMath>
                 </a14:m>
@@ -14283,7 +15027,13 @@
                             <a:rPr lang="en-US" b="0" i="1" smtClean="0">
                               <a:latin typeface="Cambria Math" panose="02040503050406030204" pitchFamily="18" charset="0"/>
                             </a:rPr>
-                            <m:t>=1</m:t>
+                            <m:t>=</m:t>
+                          </m:r>
+                          <m:r>
+                            <a:rPr lang="en-US" b="0" i="1" smtClean="0">
+                              <a:latin typeface="Cambria Math" panose="02040503050406030204" pitchFamily="18" charset="0"/>
+                            </a:rPr>
+                            <m:t>1</m:t>
                           </m:r>
                         </m:sub>
                         <m:sup>
@@ -14787,6 +15537,117 @@
           </a:p>
         </p:txBody>
       </p:sp>
+      <p:sp>
+        <p:nvSpPr>
+          <p:cNvPr id="5" name="TextBox 4">
+            <a:extLst>
+              <a:ext uri="{FF2B5EF4-FFF2-40B4-BE49-F238E27FC236}">
+                <a16:creationId xmlns:a16="http://schemas.microsoft.com/office/drawing/2014/main" id="{EECEAE8C-499C-D4AF-749B-1661F9C4B72D}"/>
+              </a:ext>
+            </a:extLst>
+          </p:cNvPr>
+          <p:cNvSpPr txBox="1"/>
+          <p:nvPr/>
+        </p:nvSpPr>
+        <p:spPr>
+          <a:xfrm>
+            <a:off x="452063" y="5723409"/>
+            <a:ext cx="10572108" cy="369332"/>
+          </a:xfrm>
+          <a:prstGeom prst="rect">
+            <a:avLst/>
+          </a:prstGeom>
+          <a:noFill/>
+        </p:spPr>
+        <p:txBody>
+          <a:bodyPr wrap="square" rtlCol="0">
+            <a:spAutoFit/>
+          </a:bodyPr>
+          <a:lstStyle/>
+          <a:p>
+            <a:r>
+              <a:rPr lang="en-GB" b="1" dirty="0" err="1"/>
+              <a:t>Opmerking</a:t>
+            </a:r>
+            <a:r>
+              <a:rPr lang="en-GB" dirty="0"/>
+              <a:t>: Als je </a:t>
+            </a:r>
+            <a:r>
+              <a:rPr lang="en-GB" dirty="0" err="1"/>
+              <a:t>echt</a:t>
+            </a:r>
+            <a:r>
+              <a:rPr lang="en-GB" dirty="0"/>
+              <a:t> math-heavy </a:t>
+            </a:r>
+            <a:r>
+              <a:rPr lang="en-GB" dirty="0" err="1"/>
+              <a:t>wil</a:t>
+            </a:r>
+            <a:r>
+              <a:rPr lang="en-GB" dirty="0"/>
+              <a:t> </a:t>
+            </a:r>
+            <a:r>
+              <a:rPr lang="en-GB" dirty="0" err="1"/>
+              <a:t>gaan</a:t>
+            </a:r>
+            <a:r>
+              <a:rPr lang="en-GB" dirty="0"/>
+              <a:t> </a:t>
+            </a:r>
+            <a:r>
+              <a:rPr lang="en-GB" dirty="0" err="1"/>
+              <a:t>kan</a:t>
+            </a:r>
+            <a:r>
+              <a:rPr lang="en-GB" dirty="0"/>
+              <a:t> je </a:t>
+            </a:r>
+            <a:r>
+              <a:rPr lang="en-GB" dirty="0" err="1"/>
+              <a:t>je</a:t>
+            </a:r>
+            <a:r>
+              <a:rPr lang="en-GB" dirty="0"/>
+              <a:t> </a:t>
+            </a:r>
+            <a:r>
+              <a:rPr lang="en-GB" dirty="0" err="1"/>
+              <a:t>afvragen</a:t>
+            </a:r>
+            <a:r>
+              <a:rPr lang="en-GB" dirty="0"/>
+              <a:t> wat </a:t>
+            </a:r>
+            <a:r>
+              <a:rPr lang="en-GB" dirty="0" err="1"/>
+              <a:t>deze</a:t>
+            </a:r>
+            <a:r>
+              <a:rPr lang="en-GB" dirty="0"/>
+              <a:t> </a:t>
+            </a:r>
+            <a:r>
+              <a:rPr lang="en-GB" dirty="0" err="1"/>
+              <a:t>convergentie</a:t>
+            </a:r>
+            <a:r>
+              <a:rPr lang="en-GB" dirty="0"/>
+              <a:t> </a:t>
+            </a:r>
+            <a:r>
+              <a:rPr lang="en-GB" dirty="0" err="1"/>
+              <a:t>betekent</a:t>
+            </a:r>
+            <a:r>
+              <a:rPr lang="en-GB" dirty="0"/>
+              <a:t>.</a:t>
+            </a:r>
+          </a:p>
+        </p:txBody>
+      </p:sp>
     </p:spTree>
     <p:extLst>
       <p:ext uri="{BB962C8B-B14F-4D97-AF65-F5344CB8AC3E}">
@@ -14803,7 +15664,7 @@
 </p:sld>
 </file>
 
-<file path=ppt/slides/slide15.xml><?xml version="1.0" encoding="utf-8"?>
+<file path=ppt/slides/slide16.xml><?xml version="1.0" encoding="utf-8"?>
 <p:sld xmlns:a="http://schemas.openxmlformats.org/drawingml/2006/main" xmlns:r="http://schemas.openxmlformats.org/officeDocument/2006/relationships" xmlns:p="http://schemas.openxmlformats.org/presentationml/2006/main">
   <p:cSld>
     <p:spTree>
@@ -14858,8 +15719,8 @@
           </a:p>
         </p:txBody>
       </p:sp>
-      <mc:AlternateContent xmlns:mc="http://schemas.openxmlformats.org/markup-compatibility/2006" xmlns:a14="http://schemas.microsoft.com/office/drawing/2010/main">
-        <mc:Choice Requires="a14">
+      <mc:AlternateContent xmlns:mc="http://schemas.openxmlformats.org/markup-compatibility/2006">
+        <mc:Choice xmlns:a14="http://schemas.microsoft.com/office/drawing/2010/main" Requires="a14">
           <p:sp>
             <p:nvSpPr>
               <p:cNvPr id="3" name="Content Placeholder 2">
@@ -15374,7 +16235,7 @@
             </p:txBody>
           </p:sp>
         </mc:Choice>
-        <mc:Fallback xmlns="">
+        <mc:Fallback>
           <p:sp>
             <p:nvSpPr>
               <p:cNvPr id="3" name="Content Placeholder 2">
@@ -15399,7 +16260,7 @@
               <a:blipFill>
                 <a:blip r:embed="rId2"/>
                 <a:stretch>
-                  <a:fillRect l="-1083" t="-3477" b="-1391"/>
+                  <a:fillRect l="-1083" t="-3477" r="-920"/>
                 </a:stretch>
               </a:blipFill>
             </p:spPr>
@@ -15431,10 +16292,516 @@
   <p:transition spd="slow">
     <p:push dir="u"/>
   </p:transition>
+  <p:timing>
+    <p:tnLst>
+      <p:par>
+        <p:cTn id="1" dur="indefinite" restart="never" nodeType="tmRoot">
+          <p:childTnLst>
+            <p:seq concurrent="1" nextAc="seek">
+              <p:cTn id="2" dur="indefinite" nodeType="mainSeq">
+                <p:childTnLst>
+                  <p:par>
+                    <p:cTn id="3" fill="hold">
+                      <p:stCondLst>
+                        <p:cond delay="indefinite"/>
+                      </p:stCondLst>
+                      <p:childTnLst>
+                        <p:par>
+                          <p:cTn id="4" fill="hold">
+                            <p:stCondLst>
+                              <p:cond delay="0"/>
+                            </p:stCondLst>
+                            <p:childTnLst>
+                              <p:par>
+                                <p:cTn id="5" presetID="10" presetClass="entr" presetSubtype="0" fill="hold" nodeType="clickEffect">
+                                  <p:stCondLst>
+                                    <p:cond delay="0"/>
+                                  </p:stCondLst>
+                                  <p:childTnLst>
+                                    <p:set>
+                                      <p:cBhvr>
+                                        <p:cTn id="6" dur="1" fill="hold">
+                                          <p:stCondLst>
+                                            <p:cond delay="0"/>
+                                          </p:stCondLst>
+                                        </p:cTn>
+                                        <p:tgtEl>
+                                          <p:spTgt spid="3">
+                                            <p:txEl>
+                                              <p:pRg st="1" end="1"/>
+                                            </p:txEl>
+                                          </p:spTgt>
+                                        </p:tgtEl>
+                                        <p:attrNameLst>
+                                          <p:attrName>style.visibility</p:attrName>
+                                        </p:attrNameLst>
+                                      </p:cBhvr>
+                                      <p:to>
+                                        <p:strVal val="visible"/>
+                                      </p:to>
+                                    </p:set>
+                                    <p:animEffect transition="in" filter="fade">
+                                      <p:cBhvr>
+                                        <p:cTn id="7" dur="500"/>
+                                        <p:tgtEl>
+                                          <p:spTgt spid="3">
+                                            <p:txEl>
+                                              <p:pRg st="1" end="1"/>
+                                            </p:txEl>
+                                          </p:spTgt>
+                                        </p:tgtEl>
+                                      </p:cBhvr>
+                                    </p:animEffect>
+                                  </p:childTnLst>
+                                </p:cTn>
+                              </p:par>
+                              <p:par>
+                                <p:cTn id="8" presetID="10" presetClass="entr" presetSubtype="0" fill="hold" nodeType="withEffect">
+                                  <p:stCondLst>
+                                    <p:cond delay="0"/>
+                                  </p:stCondLst>
+                                  <p:childTnLst>
+                                    <p:set>
+                                      <p:cBhvr>
+                                        <p:cTn id="9" dur="1" fill="hold">
+                                          <p:stCondLst>
+                                            <p:cond delay="0"/>
+                                          </p:stCondLst>
+                                        </p:cTn>
+                                        <p:tgtEl>
+                                          <p:spTgt spid="3">
+                                            <p:txEl>
+                                              <p:pRg st="2" end="2"/>
+                                            </p:txEl>
+                                          </p:spTgt>
+                                        </p:tgtEl>
+                                        <p:attrNameLst>
+                                          <p:attrName>style.visibility</p:attrName>
+                                        </p:attrNameLst>
+                                      </p:cBhvr>
+                                      <p:to>
+                                        <p:strVal val="visible"/>
+                                      </p:to>
+                                    </p:set>
+                                    <p:animEffect transition="in" filter="fade">
+                                      <p:cBhvr>
+                                        <p:cTn id="10" dur="500"/>
+                                        <p:tgtEl>
+                                          <p:spTgt spid="3">
+                                            <p:txEl>
+                                              <p:pRg st="2" end="2"/>
+                                            </p:txEl>
+                                          </p:spTgt>
+                                        </p:tgtEl>
+                                      </p:cBhvr>
+                                    </p:animEffect>
+                                  </p:childTnLst>
+                                </p:cTn>
+                              </p:par>
+                            </p:childTnLst>
+                          </p:cTn>
+                        </p:par>
+                      </p:childTnLst>
+                    </p:cTn>
+                  </p:par>
+                  <p:par>
+                    <p:cTn id="11" fill="hold">
+                      <p:stCondLst>
+                        <p:cond delay="indefinite"/>
+                      </p:stCondLst>
+                      <p:childTnLst>
+                        <p:par>
+                          <p:cTn id="12" fill="hold">
+                            <p:stCondLst>
+                              <p:cond delay="0"/>
+                            </p:stCondLst>
+                            <p:childTnLst>
+                              <p:par>
+                                <p:cTn id="13" presetID="10" presetClass="entr" presetSubtype="0" fill="hold" nodeType="clickEffect">
+                                  <p:stCondLst>
+                                    <p:cond delay="0"/>
+                                  </p:stCondLst>
+                                  <p:childTnLst>
+                                    <p:set>
+                                      <p:cBhvr>
+                                        <p:cTn id="14" dur="1" fill="hold">
+                                          <p:stCondLst>
+                                            <p:cond delay="0"/>
+                                          </p:stCondLst>
+                                        </p:cTn>
+                                        <p:tgtEl>
+                                          <p:spTgt spid="3">
+                                            <p:txEl>
+                                              <p:pRg st="3" end="3"/>
+                                            </p:txEl>
+                                          </p:spTgt>
+                                        </p:tgtEl>
+                                        <p:attrNameLst>
+                                          <p:attrName>style.visibility</p:attrName>
+                                        </p:attrNameLst>
+                                      </p:cBhvr>
+                                      <p:to>
+                                        <p:strVal val="visible"/>
+                                      </p:to>
+                                    </p:set>
+                                    <p:animEffect transition="in" filter="fade">
+                                      <p:cBhvr>
+                                        <p:cTn id="15" dur="500"/>
+                                        <p:tgtEl>
+                                          <p:spTgt spid="3">
+                                            <p:txEl>
+                                              <p:pRg st="3" end="3"/>
+                                            </p:txEl>
+                                          </p:spTgt>
+                                        </p:tgtEl>
+                                      </p:cBhvr>
+                                    </p:animEffect>
+                                  </p:childTnLst>
+                                </p:cTn>
+                              </p:par>
+                            </p:childTnLst>
+                          </p:cTn>
+                        </p:par>
+                      </p:childTnLst>
+                    </p:cTn>
+                  </p:par>
+                </p:childTnLst>
+              </p:cTn>
+              <p:prevCondLst>
+                <p:cond evt="onPrev" delay="0">
+                  <p:tgtEl>
+                    <p:sldTgt/>
+                  </p:tgtEl>
+                </p:cond>
+              </p:prevCondLst>
+              <p:nextCondLst>
+                <p:cond evt="onNext" delay="0">
+                  <p:tgtEl>
+                    <p:sldTgt/>
+                  </p:tgtEl>
+                </p:cond>
+              </p:nextCondLst>
+            </p:seq>
+          </p:childTnLst>
+        </p:cTn>
+      </p:par>
+    </p:tnLst>
+  </p:timing>
 </p:sld>
 </file>
 
-<file path=ppt/slides/slide16.xml><?xml version="1.0" encoding="utf-8"?>
+<file path=ppt/slides/slide17.xml><?xml version="1.0" encoding="utf-8"?>
+<p:sld xmlns:a="http://schemas.openxmlformats.org/drawingml/2006/main" xmlns:r="http://schemas.openxmlformats.org/officeDocument/2006/relationships" xmlns:p="http://schemas.openxmlformats.org/presentationml/2006/main">
+  <p:cSld>
+    <p:spTree>
+      <p:nvGrpSpPr>
+        <p:cNvPr id="1" name=""/>
+        <p:cNvGrpSpPr/>
+        <p:nvPr/>
+      </p:nvGrpSpPr>
+      <p:grpSpPr>
+        <a:xfrm>
+          <a:off x="0" y="0"/>
+          <a:ext cx="0" cy="0"/>
+          <a:chOff x="0" y="0"/>
+          <a:chExt cx="0" cy="0"/>
+        </a:xfrm>
+      </p:grpSpPr>
+      <p:sp>
+        <p:nvSpPr>
+          <p:cNvPr id="2" name="Title 1">
+            <a:extLst>
+              <a:ext uri="{FF2B5EF4-FFF2-40B4-BE49-F238E27FC236}">
+                <a16:creationId xmlns:a16="http://schemas.microsoft.com/office/drawing/2014/main" id="{9E150B12-C4EA-D436-110A-CC6F38B3A8E4}"/>
+              </a:ext>
+            </a:extLst>
+          </p:cNvPr>
+          <p:cNvSpPr>
+            <a:spLocks noGrp="1"/>
+          </p:cNvSpPr>
+          <p:nvPr>
+            <p:ph type="title"/>
+          </p:nvPr>
+        </p:nvSpPr>
+        <p:spPr/>
+        <p:txBody>
+          <a:bodyPr/>
+          <a:lstStyle/>
+          <a:p>
+            <a:r>
+              <a:rPr lang="en-GB" dirty="0" err="1"/>
+              <a:t>Werk</a:t>
+            </a:r>
+            <a:r>
+              <a:rPr lang="en-GB" dirty="0"/>
+              <a:t> het </a:t>
+            </a:r>
+            <a:r>
+              <a:rPr lang="en-GB" dirty="0" err="1"/>
+              <a:t>voorbeeld</a:t>
+            </a:r>
+            <a:r>
+              <a:rPr lang="en-GB" dirty="0"/>
+              <a:t> </a:t>
+            </a:r>
+            <a:r>
+              <a:rPr lang="en-GB" dirty="0" err="1"/>
+              <a:t>uit</a:t>
+            </a:r>
+            <a:r>
+              <a:rPr lang="en-GB" dirty="0"/>
+              <a:t> de video van 3b1b </a:t>
+            </a:r>
+          </a:p>
+        </p:txBody>
+      </p:sp>
+      <p:sp>
+        <p:nvSpPr>
+          <p:cNvPr id="3" name="Content Placeholder 2">
+            <a:extLst>
+              <a:ext uri="{FF2B5EF4-FFF2-40B4-BE49-F238E27FC236}">
+                <a16:creationId xmlns:a16="http://schemas.microsoft.com/office/drawing/2014/main" id="{D3C2DCCC-BBD5-4FCF-6DD8-7E8D97582F2F}"/>
+              </a:ext>
+            </a:extLst>
+          </p:cNvPr>
+          <p:cNvSpPr>
+            <a:spLocks noGrp="1"/>
+          </p:cNvSpPr>
+          <p:nvPr>
+            <p:ph idx="1"/>
+          </p:nvPr>
+        </p:nvSpPr>
+        <p:spPr/>
+        <p:txBody>
+          <a:bodyPr/>
+          <a:lstStyle/>
+          <a:p>
+            <a:r>
+              <a:rPr lang="en-GB" dirty="0" err="1"/>
+              <a:t>Implementeer</a:t>
+            </a:r>
+            <a:r>
+              <a:rPr lang="en-GB" dirty="0"/>
+              <a:t> </a:t>
+            </a:r>
+            <a:r>
+              <a:rPr lang="en-GB" dirty="0" err="1"/>
+              <a:t>een</a:t>
+            </a:r>
+            <a:r>
+              <a:rPr lang="en-GB" dirty="0"/>
+              <a:t> </a:t>
+            </a:r>
+            <a:r>
+              <a:rPr lang="en-GB" dirty="0" err="1"/>
+              <a:t>methode</a:t>
+            </a:r>
+            <a:r>
+              <a:rPr lang="en-GB" dirty="0"/>
+              <a:t> om </a:t>
+            </a:r>
+            <a:r>
+              <a:rPr lang="en-GB" i="1" dirty="0"/>
+              <a:t>n</a:t>
+            </a:r>
+            <a:r>
+              <a:rPr lang="en-GB" dirty="0"/>
+              <a:t> </a:t>
+            </a:r>
+            <a:r>
+              <a:rPr lang="en-GB" dirty="0" err="1"/>
+              <a:t>dobbelsteenworpen</a:t>
+            </a:r>
+            <a:r>
+              <a:rPr lang="en-GB" dirty="0"/>
+              <a:t> </a:t>
+            </a:r>
+            <a:r>
+              <a:rPr lang="en-GB" dirty="0" err="1"/>
+              <a:t>te</a:t>
+            </a:r>
+            <a:r>
+              <a:rPr lang="en-GB" dirty="0"/>
+              <a:t> </a:t>
+            </a:r>
+            <a:r>
+              <a:rPr lang="en-GB" dirty="0" err="1"/>
+              <a:t>simuleren</a:t>
+            </a:r>
+            <a:r>
+              <a:rPr lang="en-GB" dirty="0"/>
+              <a:t>.</a:t>
+            </a:r>
+          </a:p>
+          <a:p>
+            <a:r>
+              <a:rPr lang="en-GB" dirty="0" err="1"/>
+              <a:t>Bereken</a:t>
+            </a:r>
+            <a:r>
+              <a:rPr lang="en-GB" dirty="0"/>
+              <a:t> de </a:t>
+            </a:r>
+            <a:r>
+              <a:rPr lang="en-GB" dirty="0" err="1"/>
+              <a:t>totale</a:t>
+            </a:r>
+            <a:r>
+              <a:rPr lang="en-GB" dirty="0"/>
+              <a:t> </a:t>
+            </a:r>
+            <a:r>
+              <a:rPr lang="en-GB" dirty="0" err="1"/>
+              <a:t>som</a:t>
+            </a:r>
+            <a:r>
+              <a:rPr lang="en-GB" dirty="0"/>
+              <a:t> van het </a:t>
+            </a:r>
+            <a:r>
+              <a:rPr lang="en-GB" dirty="0" err="1"/>
+              <a:t>aantal</a:t>
+            </a:r>
+            <a:r>
+              <a:rPr lang="en-GB" dirty="0"/>
+              <a:t> </a:t>
+            </a:r>
+            <a:r>
+              <a:rPr lang="en-GB" dirty="0" err="1"/>
+              <a:t>geworpen</a:t>
+            </a:r>
+            <a:r>
+              <a:rPr lang="en-GB" dirty="0"/>
+              <a:t> </a:t>
+            </a:r>
+            <a:r>
+              <a:rPr lang="en-GB" dirty="0" err="1"/>
+              <a:t>ogen</a:t>
+            </a:r>
+            <a:r>
+              <a:rPr lang="en-GB" dirty="0"/>
+              <a:t>.</a:t>
+            </a:r>
+          </a:p>
+          <a:p>
+            <a:r>
+              <a:rPr lang="en-GB" dirty="0" err="1"/>
+              <a:t>Bekijk</a:t>
+            </a:r>
+            <a:r>
+              <a:rPr lang="en-GB" dirty="0"/>
+              <a:t> hoe de </a:t>
+            </a:r>
+            <a:r>
+              <a:rPr lang="en-GB" dirty="0" err="1"/>
+              <a:t>verdeling</a:t>
+            </a:r>
+            <a:r>
+              <a:rPr lang="en-GB" dirty="0"/>
+              <a:t> van </a:t>
+            </a:r>
+            <a:r>
+              <a:rPr lang="en-GB" dirty="0" err="1"/>
+              <a:t>dit</a:t>
+            </a:r>
+            <a:r>
+              <a:rPr lang="en-GB" dirty="0"/>
+              <a:t> </a:t>
+            </a:r>
+            <a:r>
+              <a:rPr lang="en-GB" dirty="0" err="1"/>
+              <a:t>totaal</a:t>
+            </a:r>
+            <a:r>
+              <a:rPr lang="en-GB" dirty="0"/>
+              <a:t> </a:t>
+            </a:r>
+            <a:r>
+              <a:rPr lang="en-GB" dirty="0" err="1"/>
+              <a:t>aantal</a:t>
+            </a:r>
+            <a:r>
+              <a:rPr lang="en-GB" dirty="0"/>
+              <a:t> </a:t>
+            </a:r>
+            <a:r>
+              <a:rPr lang="en-GB" dirty="0" err="1"/>
+              <a:t>geworpen</a:t>
+            </a:r>
+            <a:r>
+              <a:rPr lang="en-GB" dirty="0"/>
+              <a:t> </a:t>
+            </a:r>
+            <a:r>
+              <a:rPr lang="en-GB" dirty="0" err="1"/>
+              <a:t>ogen</a:t>
+            </a:r>
+            <a:r>
+              <a:rPr lang="en-GB" dirty="0"/>
+              <a:t> </a:t>
+            </a:r>
+            <a:r>
+              <a:rPr lang="en-GB" dirty="0" err="1"/>
+              <a:t>evolueert</a:t>
+            </a:r>
+            <a:r>
+              <a:rPr lang="en-GB" dirty="0"/>
+              <a:t>.</a:t>
+            </a:r>
+          </a:p>
+          <a:p>
+            <a:r>
+              <a:rPr lang="en-GB" dirty="0" err="1"/>
+              <a:t>Bekijk</a:t>
+            </a:r>
+            <a:r>
+              <a:rPr lang="en-GB" dirty="0"/>
+              <a:t> nu hoe de CLS </a:t>
+            </a:r>
+            <a:r>
+              <a:rPr lang="en-GB" dirty="0" err="1"/>
+              <a:t>ook</a:t>
+            </a:r>
+            <a:r>
+              <a:rPr lang="en-GB" dirty="0"/>
+              <a:t> </a:t>
+            </a:r>
+            <a:r>
+              <a:rPr lang="en-GB" dirty="0" err="1"/>
+              <a:t>hier</a:t>
+            </a:r>
+            <a:r>
+              <a:rPr lang="en-GB" dirty="0"/>
+              <a:t> van </a:t>
+            </a:r>
+            <a:r>
+              <a:rPr lang="en-GB" dirty="0" err="1"/>
+              <a:t>toepassing</a:t>
+            </a:r>
+            <a:r>
+              <a:rPr lang="en-GB" dirty="0"/>
+              <a:t> is.</a:t>
+            </a:r>
+          </a:p>
+        </p:txBody>
+      </p:sp>
+    </p:spTree>
+    <p:extLst>
+      <p:ext uri="{BB962C8B-B14F-4D97-AF65-F5344CB8AC3E}">
+        <p14:creationId xmlns:p14="http://schemas.microsoft.com/office/powerpoint/2010/main" val="4288119596"/>
+      </p:ext>
+    </p:extLst>
+  </p:cSld>
+  <p:clrMapOvr>
+    <a:masterClrMapping/>
+  </p:clrMapOvr>
+  <p:transition spd="slow">
+    <p:push dir="u"/>
+  </p:transition>
+</p:sld>
+</file>
+
+<file path=ppt/slides/slide18.xml><?xml version="1.0" encoding="utf-8"?>
 <p:sld xmlns:a="http://schemas.openxmlformats.org/drawingml/2006/main" xmlns:r="http://schemas.openxmlformats.org/officeDocument/2006/relationships" xmlns:p="http://schemas.openxmlformats.org/presentationml/2006/main">
   <p:cSld>
     <p:spTree>
@@ -15504,7 +16871,7 @@
           <a:p>
             <a:fld id="{D7B5DC5B-6873-43DB-ADC7-B15ACCE0DFDB}" type="slidenum">
               <a:rPr lang="en-GB" noProof="0" smtClean="0"/>
-              <a:t>16</a:t>
+              <a:t>18</a:t>
             </a:fld>
             <a:endParaRPr lang="en-GB" noProof="0" dirty="0"/>
           </a:p>
@@ -16578,7 +17945,7 @@
 </p:sld>
 </file>
 
-<file path=ppt/slides/slide17.xml><?xml version="1.0" encoding="utf-8"?>
+<file path=ppt/slides/slide19.xml><?xml version="1.0" encoding="utf-8"?>
 <p:sld xmlns:a="http://schemas.openxmlformats.org/drawingml/2006/main" xmlns:r="http://schemas.openxmlformats.org/officeDocument/2006/relationships" xmlns:p="http://schemas.openxmlformats.org/presentationml/2006/main">
   <p:cSld>
     <p:spTree>
@@ -16600,7 +17967,7 @@
           <p:cNvPr id="2" name="Title 1">
             <a:extLst>
               <a:ext uri="{FF2B5EF4-FFF2-40B4-BE49-F238E27FC236}">
-                <a16:creationId xmlns:a16="http://schemas.microsoft.com/office/drawing/2014/main" id="{9E150B12-C4EA-D436-110A-CC6F38B3A8E4}"/>
+                <a16:creationId xmlns:a16="http://schemas.microsoft.com/office/drawing/2014/main" id="{2050A93B-6352-706B-DD2F-6A3C5237A7B3}"/>
               </a:ext>
             </a:extLst>
           </p:cNvPr>
@@ -16617,29 +17984,2038 @@
           <a:lstStyle/>
           <a:p>
             <a:r>
-              <a:rPr lang="en-GB" dirty="0" err="1"/>
-              <a:t>Werk</a:t>
-            </a:r>
-            <a:r>
-              <a:rPr lang="en-GB" dirty="0"/>
-              <a:t> het </a:t>
-            </a:r>
-            <a:r>
-              <a:rPr lang="en-GB" dirty="0" err="1"/>
-              <a:t>voorbeeld</a:t>
-            </a:r>
-            <a:r>
-              <a:rPr lang="en-GB" dirty="0"/>
+              <a:rPr kumimoji="0" lang="en-GB" sz="2800" b="1" i="0" u="none" strike="noStrike" kern="1200" cap="none" spc="0" normalizeH="0" baseline="0" noProof="0" dirty="0">
+                <a:ln>
+                  <a:noFill/>
+                </a:ln>
+                <a:solidFill>
+                  <a:srgbClr val="000000"/>
+                </a:solidFill>
+                <a:effectLst/>
+                <a:uLnTx/>
+                <a:uFillTx/>
+                <a:latin typeface="Lato" panose="020F0502020204030203" pitchFamily="34" charset="0"/>
+                <a:ea typeface="Lato" panose="020F0502020204030203" pitchFamily="34" charset="0"/>
+                <a:cs typeface="Lato" panose="020F0502020204030203" pitchFamily="34" charset="0"/>
+              </a:rPr>
+              <a:t>Hoe </a:t>
+            </a:r>
+            <a:r>
+              <a:rPr kumimoji="0" lang="en-GB" sz="2800" b="1" i="0" u="none" strike="noStrike" kern="1200" cap="none" spc="0" normalizeH="0" baseline="0" noProof="0" dirty="0" err="1">
+                <a:ln>
+                  <a:noFill/>
+                </a:ln>
+                <a:solidFill>
+                  <a:srgbClr val="000000"/>
+                </a:solidFill>
+                <a:effectLst/>
+                <a:uLnTx/>
+                <a:uFillTx/>
+                <a:latin typeface="Lato" panose="020F0502020204030203" pitchFamily="34" charset="0"/>
+                <a:ea typeface="Lato" panose="020F0502020204030203" pitchFamily="34" charset="0"/>
+                <a:cs typeface="Lato" panose="020F0502020204030203" pitchFamily="34" charset="0"/>
+              </a:rPr>
+              <a:t>berekenen</a:t>
+            </a:r>
+            <a:r>
+              <a:rPr kumimoji="0" lang="en-GB" sz="2800" b="1" i="0" u="none" strike="noStrike" kern="1200" cap="none" spc="0" normalizeH="0" baseline="0" noProof="0" dirty="0">
+                <a:ln>
+                  <a:noFill/>
+                </a:ln>
+                <a:solidFill>
+                  <a:srgbClr val="000000"/>
+                </a:solidFill>
+                <a:effectLst/>
+                <a:uLnTx/>
+                <a:uFillTx/>
+                <a:latin typeface="Lato" panose="020F0502020204030203" pitchFamily="34" charset="0"/>
+                <a:ea typeface="Lato" panose="020F0502020204030203" pitchFamily="34" charset="0"/>
+                <a:cs typeface="Lato" panose="020F0502020204030203" pitchFamily="34" charset="0"/>
+              </a:rPr>
+              <a:t> we de </a:t>
+            </a:r>
+            <a:r>
+              <a:rPr kumimoji="0" lang="en-GB" sz="2800" b="1" i="0" u="none" strike="noStrike" kern="1200" cap="none" spc="0" normalizeH="0" baseline="0" noProof="0" dirty="0" err="1">
+                <a:ln>
+                  <a:noFill/>
+                </a:ln>
+                <a:solidFill>
+                  <a:srgbClr val="000000"/>
+                </a:solidFill>
+                <a:effectLst/>
+                <a:uLnTx/>
+                <a:uFillTx/>
+                <a:latin typeface="Lato" panose="020F0502020204030203" pitchFamily="34" charset="0"/>
+                <a:ea typeface="Lato" panose="020F0502020204030203" pitchFamily="34" charset="0"/>
+                <a:cs typeface="Lato" panose="020F0502020204030203" pitchFamily="34" charset="0"/>
+              </a:rPr>
+              <a:t>productieverdeling</a:t>
+            </a:r>
+            <a:r>
+              <a:rPr kumimoji="0" lang="en-GB" sz="2800" b="1" i="0" u="none" strike="noStrike" kern="1200" cap="none" spc="0" normalizeH="0" baseline="0" noProof="0" dirty="0">
+                <a:ln>
+                  <a:noFill/>
+                </a:ln>
+                <a:solidFill>
+                  <a:srgbClr val="000000"/>
+                </a:solidFill>
+                <a:effectLst/>
+                <a:uLnTx/>
+                <a:uFillTx/>
+                <a:latin typeface="Lato" panose="020F0502020204030203" pitchFamily="34" charset="0"/>
+                <a:ea typeface="Lato" panose="020F0502020204030203" pitchFamily="34" charset="0"/>
+                <a:cs typeface="Lato" panose="020F0502020204030203" pitchFamily="34" charset="0"/>
+              </a:rPr>
+              <a:t> over </a:t>
+            </a:r>
+            <a:r>
+              <a:rPr kumimoji="0" lang="en-GB" sz="2800" b="1" i="0" u="none" strike="noStrike" kern="1200" cap="none" spc="0" normalizeH="0" baseline="0" noProof="0" dirty="0" err="1">
+                <a:ln>
+                  <a:noFill/>
+                </a:ln>
+                <a:solidFill>
+                  <a:srgbClr val="000000"/>
+                </a:solidFill>
+                <a:effectLst/>
+                <a:uLnTx/>
+                <a:uFillTx/>
+                <a:latin typeface="Lato" panose="020F0502020204030203" pitchFamily="34" charset="0"/>
+                <a:ea typeface="Lato" panose="020F0502020204030203" pitchFamily="34" charset="0"/>
+                <a:cs typeface="Lato" panose="020F0502020204030203" pitchFamily="34" charset="0"/>
+              </a:rPr>
+              <a:t>een</a:t>
+            </a:r>
+            <a:r>
+              <a:rPr kumimoji="0" lang="en-GB" sz="2800" b="1" i="0" u="none" strike="noStrike" kern="1200" cap="none" spc="0" normalizeH="0" baseline="0" noProof="0" dirty="0">
+                <a:ln>
+                  <a:noFill/>
+                </a:ln>
+                <a:solidFill>
+                  <a:srgbClr val="000000"/>
+                </a:solidFill>
+                <a:effectLst/>
+                <a:uLnTx/>
+                <a:uFillTx/>
+                <a:latin typeface="Lato" panose="020F0502020204030203" pitchFamily="34" charset="0"/>
+                <a:ea typeface="Lato" panose="020F0502020204030203" pitchFamily="34" charset="0"/>
+                <a:cs typeface="Lato" panose="020F0502020204030203" pitchFamily="34" charset="0"/>
+              </a:rPr>
               <a:t> </a:t>
             </a:r>
             <a:r>
-              <a:rPr lang="en-GB" dirty="0" err="1"/>
-              <a:t>uit</a:t>
-            </a:r>
-            <a:r>
-              <a:rPr lang="en-GB" dirty="0"/>
-              <a:t> de video van 3b1b </a:t>
-            </a:r>
+              <a:rPr kumimoji="0" lang="en-GB" sz="2800" b="1" i="0" u="none" strike="noStrike" kern="1200" cap="none" spc="0" normalizeH="0" baseline="0" noProof="0" dirty="0" err="1">
+                <a:ln>
+                  <a:noFill/>
+                </a:ln>
+                <a:solidFill>
+                  <a:srgbClr val="000000"/>
+                </a:solidFill>
+                <a:effectLst/>
+                <a:uLnTx/>
+                <a:uFillTx/>
+                <a:latin typeface="Lato" panose="020F0502020204030203" pitchFamily="34" charset="0"/>
+                <a:ea typeface="Lato" panose="020F0502020204030203" pitchFamily="34" charset="0"/>
+                <a:cs typeface="Lato" panose="020F0502020204030203" pitchFamily="34" charset="0"/>
+              </a:rPr>
+              <a:t>lange</a:t>
+            </a:r>
+            <a:r>
+              <a:rPr kumimoji="0" lang="en-GB" sz="2800" b="1" i="0" u="none" strike="noStrike" kern="1200" cap="none" spc="0" normalizeH="0" baseline="0" noProof="0" dirty="0">
+                <a:ln>
+                  <a:noFill/>
+                </a:ln>
+                <a:solidFill>
+                  <a:srgbClr val="000000"/>
+                </a:solidFill>
+                <a:effectLst/>
+                <a:uLnTx/>
+                <a:uFillTx/>
+                <a:latin typeface="Lato" panose="020F0502020204030203" pitchFamily="34" charset="0"/>
+                <a:ea typeface="Lato" panose="020F0502020204030203" pitchFamily="34" charset="0"/>
+                <a:cs typeface="Lato" panose="020F0502020204030203" pitchFamily="34" charset="0"/>
+              </a:rPr>
+              <a:t> </a:t>
+            </a:r>
+            <a:r>
+              <a:rPr kumimoji="0" lang="en-GB" sz="2800" b="1" i="0" u="none" strike="noStrike" kern="1200" cap="none" spc="0" normalizeH="0" baseline="0" noProof="0" dirty="0" err="1">
+                <a:ln>
+                  <a:noFill/>
+                </a:ln>
+                <a:solidFill>
+                  <a:srgbClr val="000000"/>
+                </a:solidFill>
+                <a:effectLst/>
+                <a:uLnTx/>
+                <a:uFillTx/>
+                <a:latin typeface="Lato" panose="020F0502020204030203" pitchFamily="34" charset="0"/>
+                <a:ea typeface="Lato" panose="020F0502020204030203" pitchFamily="34" charset="0"/>
+                <a:cs typeface="Lato" panose="020F0502020204030203" pitchFamily="34" charset="0"/>
+              </a:rPr>
+              <a:t>tijdsrange</a:t>
+            </a:r>
+            <a:r>
+              <a:rPr kumimoji="0" lang="en-GB" sz="2800" b="1" i="0" u="none" strike="noStrike" kern="1200" cap="none" spc="0" normalizeH="0" baseline="0" noProof="0" dirty="0">
+                <a:ln>
+                  <a:noFill/>
+                </a:ln>
+                <a:solidFill>
+                  <a:srgbClr val="000000"/>
+                </a:solidFill>
+                <a:effectLst/>
+                <a:uLnTx/>
+                <a:uFillTx/>
+                <a:latin typeface="Lato" panose="020F0502020204030203" pitchFamily="34" charset="0"/>
+                <a:ea typeface="Lato" panose="020F0502020204030203" pitchFamily="34" charset="0"/>
+                <a:cs typeface="Lato" panose="020F0502020204030203" pitchFamily="34" charset="0"/>
+              </a:rPr>
+              <a:t>?</a:t>
+            </a:r>
+            <a:endParaRPr lang="en-GB" dirty="0"/>
+          </a:p>
+        </p:txBody>
+      </p:sp>
+      <mc:AlternateContent xmlns:mc="http://schemas.openxmlformats.org/markup-compatibility/2006">
+        <mc:Choice xmlns:a14="http://schemas.microsoft.com/office/drawing/2010/main" Requires="a14">
+          <p:sp>
+            <p:nvSpPr>
+              <p:cNvPr id="3" name="Content Placeholder 2">
+                <a:extLst>
+                  <a:ext uri="{FF2B5EF4-FFF2-40B4-BE49-F238E27FC236}">
+                    <a16:creationId xmlns:a16="http://schemas.microsoft.com/office/drawing/2014/main" id="{E91651CC-BBF3-537C-3640-74075468117D}"/>
+                  </a:ext>
+                </a:extLst>
+              </p:cNvPr>
+              <p:cNvSpPr>
+                <a:spLocks noGrp="1"/>
+              </p:cNvSpPr>
+              <p:nvPr>
+                <p:ph idx="1"/>
+              </p:nvPr>
+            </p:nvSpPr>
+            <p:spPr/>
+            <p:txBody>
+              <a:bodyPr/>
+              <a:lstStyle/>
+              <a:p>
+                <a:r>
+                  <a:rPr lang="en-GB" dirty="0"/>
+                  <a:t>Splits het </a:t>
+                </a:r>
+                <a:r>
+                  <a:rPr lang="en-GB" dirty="0" err="1"/>
+                  <a:t>voorspelbare</a:t>
+                </a:r>
+                <a:r>
+                  <a:rPr lang="en-GB" dirty="0"/>
+                  <a:t> </a:t>
+                </a:r>
+                <a:r>
+                  <a:rPr lang="en-GB" dirty="0" err="1"/>
+                  <a:t>gedeelte</a:t>
+                </a:r>
+                <a:r>
+                  <a:rPr lang="en-GB" dirty="0"/>
+                  <a:t>, </a:t>
+                </a:r>
+                <a:r>
+                  <a:rPr lang="en-GB" dirty="0" err="1"/>
+                  <a:t>dit</a:t>
+                </a:r>
+                <a:r>
+                  <a:rPr lang="en-GB" dirty="0"/>
+                  <a:t> is </a:t>
+                </a:r>
+                <a:r>
+                  <a:rPr lang="en-GB" dirty="0" err="1"/>
+                  <a:t>gekend</a:t>
+                </a:r>
+                <a:r>
+                  <a:rPr lang="en-GB" dirty="0"/>
+                  <a:t> </a:t>
+                </a:r>
+                <a:r>
+                  <a:rPr lang="en-GB" dirty="0" err="1"/>
+                  <a:t>en</a:t>
+                </a:r>
+                <a:r>
+                  <a:rPr lang="en-GB" dirty="0"/>
+                  <a:t> </a:t>
+                </a:r>
+                <a:r>
+                  <a:rPr lang="en-GB" dirty="0" err="1"/>
+                  <a:t>moet</a:t>
+                </a:r>
+                <a:r>
+                  <a:rPr lang="en-GB" dirty="0"/>
+                  <a:t> je </a:t>
+                </a:r>
+                <a:r>
+                  <a:rPr lang="en-GB" dirty="0" err="1"/>
+                  <a:t>dus</a:t>
+                </a:r>
+                <a:r>
+                  <a:rPr lang="en-GB" dirty="0"/>
+                  <a:t> </a:t>
+                </a:r>
+                <a:r>
+                  <a:rPr lang="en-GB" dirty="0" err="1"/>
+                  <a:t>niet</a:t>
+                </a:r>
+                <a:r>
+                  <a:rPr lang="en-GB" dirty="0"/>
+                  <a:t> </a:t>
+                </a:r>
+                <a:r>
+                  <a:rPr lang="en-GB" dirty="0" err="1"/>
+                  <a:t>modelleren</a:t>
+                </a:r>
+                <a:r>
+                  <a:rPr lang="en-GB" dirty="0"/>
+                  <a:t>.</a:t>
+                </a:r>
+              </a:p>
+              <a:p>
+                <a:r>
+                  <a:rPr lang="en-GB" dirty="0" err="1"/>
+                  <a:t>Bereken</a:t>
+                </a:r>
+                <a:r>
+                  <a:rPr lang="en-GB" dirty="0"/>
+                  <a:t> het </a:t>
+                </a:r>
+                <a:r>
+                  <a:rPr lang="en-GB" dirty="0" err="1"/>
+                  <a:t>gemiddelde</a:t>
+                </a:r>
+                <a:r>
+                  <a:rPr lang="en-GB" dirty="0"/>
+                  <a:t> </a:t>
+                </a:r>
+                <a:r>
+                  <a:rPr lang="en-GB" dirty="0" err="1"/>
+                  <a:t>en</a:t>
+                </a:r>
+                <a:r>
+                  <a:rPr lang="en-GB" dirty="0"/>
+                  <a:t> de standard </a:t>
+                </a:r>
+                <a:r>
+                  <a:rPr lang="en-GB" dirty="0" err="1"/>
+                  <a:t>deviatie</a:t>
+                </a:r>
+                <a:r>
+                  <a:rPr lang="en-GB" dirty="0"/>
+                  <a:t> </a:t>
+                </a:r>
+                <a:r>
+                  <a:rPr lang="en-GB" dirty="0" err="1"/>
+                  <a:t>voor</a:t>
+                </a:r>
+                <a:r>
+                  <a:rPr lang="en-GB" dirty="0"/>
+                  <a:t> de </a:t>
+                </a:r>
+                <a:r>
+                  <a:rPr lang="en-GB" dirty="0" err="1"/>
+                  <a:t>andere</a:t>
+                </a:r>
+                <a:r>
+                  <a:rPr lang="en-GB" dirty="0"/>
+                  <a:t> </a:t>
+                </a:r>
+                <a:r>
+                  <a:rPr lang="en-GB" dirty="0" err="1"/>
+                  <a:t>maten</a:t>
+                </a:r>
+                <a:r>
+                  <a:rPr lang="en-GB" dirty="0"/>
+                  <a:t>.</a:t>
+                </a:r>
+              </a:p>
+              <a:p>
+                <a:r>
+                  <a:rPr lang="en-GB" dirty="0"/>
+                  <a:t>De </a:t>
+                </a:r>
+                <a:r>
+                  <a:rPr lang="en-GB" dirty="0" err="1"/>
+                  <a:t>productie</a:t>
+                </a:r>
+                <a:r>
+                  <a:rPr lang="en-GB" dirty="0"/>
+                  <a:t> over </a:t>
+                </a:r>
+                <a:r>
+                  <a:rPr lang="en-GB" dirty="0" err="1"/>
+                  <a:t>een</a:t>
+                </a:r>
+                <a:r>
+                  <a:rPr lang="en-GB" dirty="0"/>
+                  <a:t> </a:t>
+                </a:r>
+                <a:r>
+                  <a:rPr lang="en-GB" dirty="0" err="1"/>
+                  <a:t>lange</a:t>
+                </a:r>
+                <a:r>
+                  <a:rPr lang="en-GB" dirty="0"/>
+                  <a:t> </a:t>
+                </a:r>
+                <a:r>
+                  <a:rPr lang="en-GB" dirty="0" err="1"/>
+                  <a:t>periode</a:t>
+                </a:r>
+                <a:r>
+                  <a:rPr lang="en-GB" dirty="0"/>
+                  <a:t> (</a:t>
+                </a:r>
+                <a:r>
+                  <a:rPr lang="en-GB" dirty="0" err="1"/>
+                  <a:t>stel</a:t>
+                </a:r>
+                <a:r>
+                  <a:rPr lang="en-GB" dirty="0"/>
+                  <a:t> </a:t>
+                </a:r>
+                <a14:m>
+                  <m:oMath xmlns:m="http://schemas.openxmlformats.org/officeDocument/2006/math">
+                    <m:r>
+                      <a:rPr lang="en-US" b="0" i="1" smtClean="0">
+                        <a:latin typeface="Cambria Math" panose="02040503050406030204" pitchFamily="18" charset="0"/>
+                      </a:rPr>
+                      <m:t>𝑛</m:t>
+                    </m:r>
+                  </m:oMath>
+                </a14:m>
+                <a:r>
+                  <a:rPr lang="en-GB" dirty="0"/>
+                  <a:t> </a:t>
+                </a:r>
+                <a:r>
+                  <a:rPr lang="en-GB" dirty="0" err="1"/>
+                  <a:t>dagen</a:t>
+                </a:r>
+                <a:r>
+                  <a:rPr lang="en-GB" dirty="0"/>
+                  <a:t>) </a:t>
+                </a:r>
+                <a:r>
+                  <a:rPr lang="en-GB" dirty="0" err="1"/>
+                  <a:t>heeft</a:t>
+                </a:r>
+                <a:r>
+                  <a:rPr lang="en-GB" dirty="0"/>
+                  <a:t> </a:t>
+                </a:r>
+                <a:r>
+                  <a:rPr lang="en-GB" dirty="0" err="1"/>
+                  <a:t>een</a:t>
+                </a:r>
+                <a:r>
+                  <a:rPr lang="en-GB" dirty="0"/>
+                  <a:t> </a:t>
+                </a:r>
+                <a:r>
+                  <a:rPr lang="en-GB" dirty="0" err="1"/>
+                  <a:t>normale</a:t>
+                </a:r>
+                <a:r>
+                  <a:rPr lang="en-GB" dirty="0"/>
+                  <a:t> </a:t>
+                </a:r>
+                <a:r>
+                  <a:rPr lang="en-GB" dirty="0" err="1"/>
+                  <a:t>verdeling</a:t>
+                </a:r>
+                <a:r>
+                  <a:rPr lang="en-GB" dirty="0"/>
+                  <a:t> met </a:t>
+                </a:r>
+                <a:r>
+                  <a:rPr lang="en-GB" dirty="0" err="1"/>
+                  <a:t>gemiddelde</a:t>
+                </a:r>
+                <a:r>
+                  <a:rPr lang="en-GB" dirty="0"/>
+                  <a:t> </a:t>
+                </a:r>
+                <a14:m>
+                  <m:oMath xmlns:m="http://schemas.openxmlformats.org/officeDocument/2006/math">
+                    <m:r>
+                      <a:rPr lang="en-US" b="0" i="1" smtClean="0">
+                        <a:latin typeface="Cambria Math" panose="02040503050406030204" pitchFamily="18" charset="0"/>
+                      </a:rPr>
+                      <m:t>𝑛</m:t>
+                    </m:r>
+                    <m:r>
+                      <a:rPr lang="en-US" b="0" i="1" smtClean="0">
+                        <a:latin typeface="Cambria Math" panose="02040503050406030204" pitchFamily="18" charset="0"/>
+                      </a:rPr>
+                      <m:t> </m:t>
+                    </m:r>
+                    <m:acc>
+                      <m:accPr>
+                        <m:chr m:val="̅"/>
+                        <m:ctrlPr>
+                          <a:rPr lang="en-US" b="0" i="1" smtClean="0">
+                            <a:latin typeface="Cambria Math" panose="02040503050406030204" pitchFamily="18" charset="0"/>
+                          </a:rPr>
+                        </m:ctrlPr>
+                      </m:accPr>
+                      <m:e>
+                        <m:r>
+                          <a:rPr lang="en-US" b="0" i="1" smtClean="0">
+                            <a:latin typeface="Cambria Math" panose="02040503050406030204" pitchFamily="18" charset="0"/>
+                          </a:rPr>
+                          <m:t>𝑥</m:t>
+                        </m:r>
+                      </m:e>
+                    </m:acc>
+                  </m:oMath>
+                </a14:m>
+                <a:r>
+                  <a:rPr lang="en-GB" dirty="0"/>
+                  <a:t> </a:t>
+                </a:r>
+                <a:r>
+                  <a:rPr lang="en-GB" dirty="0" err="1"/>
+                  <a:t>en</a:t>
+                </a:r>
+                <a:r>
+                  <a:rPr lang="en-GB" dirty="0"/>
+                  <a:t> </a:t>
+                </a:r>
+                <a:r>
+                  <a:rPr lang="en-GB" dirty="0" err="1"/>
+                  <a:t>variantie</a:t>
+                </a:r>
+                <a:r>
+                  <a:rPr lang="en-GB" dirty="0"/>
+                  <a:t> </a:t>
+                </a:r>
+                <a14:m>
+                  <m:oMath xmlns:m="http://schemas.openxmlformats.org/officeDocument/2006/math">
+                    <m:r>
+                      <a:rPr lang="en-US" b="0" i="1" smtClean="0">
+                        <a:latin typeface="Cambria Math" panose="02040503050406030204" pitchFamily="18" charset="0"/>
+                      </a:rPr>
+                      <m:t>𝑛</m:t>
+                    </m:r>
+                    <m:r>
+                      <a:rPr lang="en-US" b="0" i="1" smtClean="0">
+                        <a:latin typeface="Cambria Math" panose="02040503050406030204" pitchFamily="18" charset="0"/>
+                      </a:rPr>
+                      <m:t> </m:t>
+                    </m:r>
+                    <m:sSup>
+                      <m:sSupPr>
+                        <m:ctrlPr>
+                          <a:rPr lang="en-US" b="0" i="1" smtClean="0">
+                            <a:latin typeface="Cambria Math" panose="02040503050406030204" pitchFamily="18" charset="0"/>
+                          </a:rPr>
+                        </m:ctrlPr>
+                      </m:sSupPr>
+                      <m:e>
+                        <m:r>
+                          <a:rPr lang="en-US" b="0" i="1" smtClean="0">
+                            <a:latin typeface="Cambria Math" panose="02040503050406030204" pitchFamily="18" charset="0"/>
+                          </a:rPr>
+                          <m:t>𝜎</m:t>
+                        </m:r>
+                      </m:e>
+                      <m:sup>
+                        <m:r>
+                          <a:rPr lang="en-US" b="0" i="1" smtClean="0">
+                            <a:latin typeface="Cambria Math" panose="02040503050406030204" pitchFamily="18" charset="0"/>
+                          </a:rPr>
+                          <m:t>2</m:t>
+                        </m:r>
+                      </m:sup>
+                    </m:sSup>
+                  </m:oMath>
+                </a14:m>
+                <a:r>
+                  <a:rPr lang="en-GB" dirty="0"/>
+                  <a:t>.</a:t>
+                </a:r>
+              </a:p>
+              <a:p>
+                <a:endParaRPr lang="en-GB" dirty="0"/>
+              </a:p>
+            </p:txBody>
+          </p:sp>
+        </mc:Choice>
+        <mc:Fallback>
+          <p:sp>
+            <p:nvSpPr>
+              <p:cNvPr id="3" name="Content Placeholder 2">
+                <a:extLst>
+                  <a:ext uri="{FF2B5EF4-FFF2-40B4-BE49-F238E27FC236}">
+                    <a16:creationId xmlns:a16="http://schemas.microsoft.com/office/drawing/2014/main" id="{E91651CC-BBF3-537C-3640-74075468117D}"/>
+                  </a:ext>
+                </a:extLst>
+              </p:cNvPr>
+              <p:cNvSpPr>
+                <a:spLocks noGrp="1" noRot="1" noChangeAspect="1" noMove="1" noResize="1" noEditPoints="1" noAdjustHandles="1" noChangeArrowheads="1" noChangeShapeType="1" noTextEdit="1"/>
+              </p:cNvSpPr>
+              <p:nvPr>
+                <p:ph idx="1"/>
+              </p:nvPr>
+            </p:nvSpPr>
+            <p:spPr>
+              <a:blipFill>
+                <a:blip r:embed="rId2"/>
+                <a:stretch>
+                  <a:fillRect l="-920" t="-2848" r="-866"/>
+                </a:stretch>
+              </a:blipFill>
+            </p:spPr>
+            <p:txBody>
+              <a:bodyPr/>
+              <a:lstStyle/>
+              <a:p>
+                <a:r>
+                  <a:rPr lang="en-GB">
+                    <a:noFill/>
+                  </a:rPr>
+                  <a:t> </a:t>
+                </a:r>
+              </a:p>
+            </p:txBody>
+          </p:sp>
+        </mc:Fallback>
+      </mc:AlternateContent>
+    </p:spTree>
+    <p:extLst>
+      <p:ext uri="{BB962C8B-B14F-4D97-AF65-F5344CB8AC3E}">
+        <p14:creationId xmlns:p14="http://schemas.microsoft.com/office/powerpoint/2010/main" val="2057953382"/>
+      </p:ext>
+    </p:extLst>
+  </p:cSld>
+  <p:clrMapOvr>
+    <a:masterClrMapping/>
+  </p:clrMapOvr>
+  <p:transition spd="slow">
+    <p:push dir="u"/>
+  </p:transition>
+</p:sld>
+</file>
+
+<file path=ppt/slides/slide2.xml><?xml version="1.0" encoding="utf-8"?>
+<p:sld xmlns:a="http://schemas.openxmlformats.org/drawingml/2006/main" xmlns:r="http://schemas.openxmlformats.org/officeDocument/2006/relationships" xmlns:p="http://schemas.openxmlformats.org/presentationml/2006/main">
+  <p:cSld>
+    <p:spTree>
+      <p:nvGrpSpPr>
+        <p:cNvPr id="1" name=""/>
+        <p:cNvGrpSpPr/>
+        <p:nvPr/>
+      </p:nvGrpSpPr>
+      <p:grpSpPr>
+        <a:xfrm>
+          <a:off x="0" y="0"/>
+          <a:ext cx="0" cy="0"/>
+          <a:chOff x="0" y="0"/>
+          <a:chExt cx="0" cy="0"/>
+        </a:xfrm>
+      </p:grpSpPr>
+      <p:sp>
+        <p:nvSpPr>
+          <p:cNvPr id="5" name="Title 2">
+            <a:extLst>
+              <a:ext uri="{FF2B5EF4-FFF2-40B4-BE49-F238E27FC236}">
+                <a16:creationId xmlns:a16="http://schemas.microsoft.com/office/drawing/2014/main" id="{064A51AF-D729-194D-8079-0110ED3A4EA6}"/>
+              </a:ext>
+            </a:extLst>
+          </p:cNvPr>
+          <p:cNvSpPr>
+            <a:spLocks noGrp="1"/>
+          </p:cNvSpPr>
+          <p:nvPr>
+            <p:ph type="title"/>
+          </p:nvPr>
+        </p:nvSpPr>
+        <p:spPr>
+          <a:xfrm>
+            <a:off x="360000" y="360000"/>
+            <a:ext cx="11225885" cy="598970"/>
+          </a:xfrm>
+        </p:spPr>
+        <p:txBody>
+          <a:bodyPr>
+            <a:noAutofit/>
+          </a:bodyPr>
+          <a:lstStyle/>
+          <a:p>
+            <a:r>
+              <a:rPr lang="en-US" dirty="0"/>
+              <a:t>Sampling choices</a:t>
+            </a:r>
+          </a:p>
+        </p:txBody>
+      </p:sp>
+    </p:spTree>
+    <p:extLst>
+      <p:ext uri="{BB962C8B-B14F-4D97-AF65-F5344CB8AC3E}">
+        <p14:creationId xmlns:p14="http://schemas.microsoft.com/office/powerpoint/2010/main" val="1466952878"/>
+      </p:ext>
+    </p:extLst>
+  </p:cSld>
+  <p:clrMapOvr>
+    <a:masterClrMapping/>
+  </p:clrMapOvr>
+  <p:transition spd="slow">
+    <p:push dir="u"/>
+  </p:transition>
+</p:sld>
+</file>
+
+<file path=ppt/slides/slide20.xml><?xml version="1.0" encoding="utf-8"?>
+<p:sld xmlns:a="http://schemas.openxmlformats.org/drawingml/2006/main" xmlns:r="http://schemas.openxmlformats.org/officeDocument/2006/relationships" xmlns:p="http://schemas.openxmlformats.org/presentationml/2006/main">
+  <p:cSld>
+    <p:spTree>
+      <p:nvGrpSpPr>
+        <p:cNvPr id="1" name=""/>
+        <p:cNvGrpSpPr/>
+        <p:nvPr/>
+      </p:nvGrpSpPr>
+      <p:grpSpPr>
+        <a:xfrm>
+          <a:off x="0" y="0"/>
+          <a:ext cx="0" cy="0"/>
+          <a:chOff x="0" y="0"/>
+          <a:chExt cx="0" cy="0"/>
+        </a:xfrm>
+      </p:grpSpPr>
+      <p:sp>
+        <p:nvSpPr>
+          <p:cNvPr id="2" name="Title 1">
+            <a:extLst>
+              <a:ext uri="{FF2B5EF4-FFF2-40B4-BE49-F238E27FC236}">
+                <a16:creationId xmlns:a16="http://schemas.microsoft.com/office/drawing/2014/main" id="{A6F0C0EB-68F0-7878-0DA2-E21F1D9D63D4}"/>
+              </a:ext>
+            </a:extLst>
+          </p:cNvPr>
+          <p:cNvSpPr>
+            <a:spLocks noGrp="1"/>
+          </p:cNvSpPr>
+          <p:nvPr>
+            <p:ph type="title"/>
+          </p:nvPr>
+        </p:nvSpPr>
+        <p:spPr/>
+        <p:txBody>
+          <a:bodyPr/>
+          <a:lstStyle/>
+          <a:p>
+            <a:r>
+              <a:rPr lang="en-GB" dirty="0"/>
+              <a:t>Wat </a:t>
+            </a:r>
+            <a:r>
+              <a:rPr lang="en-GB" dirty="0" err="1"/>
+              <a:t>als</a:t>
+            </a:r>
+            <a:r>
+              <a:rPr lang="en-GB" dirty="0"/>
+              <a:t> we </a:t>
+            </a:r>
+            <a:r>
+              <a:rPr lang="en-GB" dirty="0" err="1"/>
+              <a:t>weinig</a:t>
+            </a:r>
+            <a:r>
+              <a:rPr lang="en-GB" dirty="0"/>
+              <a:t> </a:t>
+            </a:r>
+            <a:r>
+              <a:rPr lang="en-GB" dirty="0" err="1"/>
+              <a:t>dagen</a:t>
+            </a:r>
+            <a:r>
+              <a:rPr lang="en-GB" dirty="0"/>
+              <a:t> </a:t>
+            </a:r>
+            <a:r>
+              <a:rPr lang="en-GB" dirty="0" err="1"/>
+              <a:t>willen</a:t>
+            </a:r>
+            <a:r>
+              <a:rPr lang="en-GB" dirty="0"/>
+              <a:t> </a:t>
+            </a:r>
+            <a:r>
+              <a:rPr lang="en-GB" dirty="0" err="1"/>
+              <a:t>aggregeren</a:t>
+            </a:r>
+            <a:r>
+              <a:rPr lang="en-GB" dirty="0"/>
+              <a:t>?</a:t>
+            </a:r>
+          </a:p>
+        </p:txBody>
+      </p:sp>
+      <mc:AlternateContent xmlns:mc="http://schemas.openxmlformats.org/markup-compatibility/2006">
+        <mc:Choice xmlns:a14="http://schemas.microsoft.com/office/drawing/2010/main" Requires="a14">
+          <p:sp>
+            <p:nvSpPr>
+              <p:cNvPr id="3" name="Content Placeholder 2">
+                <a:extLst>
+                  <a:ext uri="{FF2B5EF4-FFF2-40B4-BE49-F238E27FC236}">
+                    <a16:creationId xmlns:a16="http://schemas.microsoft.com/office/drawing/2014/main" id="{0F61854A-DBDC-BD81-5193-4AC2C9A2E897}"/>
+                  </a:ext>
+                </a:extLst>
+              </p:cNvPr>
+              <p:cNvSpPr>
+                <a:spLocks noGrp="1"/>
+              </p:cNvSpPr>
+              <p:nvPr>
+                <p:ph idx="1"/>
+              </p:nvPr>
+            </p:nvSpPr>
+            <p:spPr>
+              <a:xfrm>
+                <a:off x="360000" y="1685563"/>
+                <a:ext cx="11258084" cy="4242626"/>
+              </a:xfrm>
+            </p:spPr>
+            <p:txBody>
+              <a:bodyPr>
+                <a:normAutofit fontScale="92500" lnSpcReduction="20000"/>
+              </a:bodyPr>
+              <a:lstStyle/>
+              <a:p>
+                <a:r>
+                  <a:rPr lang="en-GB" dirty="0"/>
+                  <a:t>Gebruik </a:t>
+                </a:r>
+                <a:r>
+                  <a:rPr lang="en-GB" dirty="0" err="1"/>
+                  <a:t>maken</a:t>
+                </a:r>
+                <a:r>
+                  <a:rPr lang="en-GB" dirty="0"/>
+                  <a:t> van </a:t>
+                </a:r>
+                <a:r>
+                  <a:rPr lang="en-GB" dirty="0" err="1"/>
+                  <a:t>convoluties</a:t>
+                </a:r>
+                <a:r>
+                  <a:rPr lang="en-GB" dirty="0"/>
+                  <a:t>!</a:t>
+                </a:r>
+                <a:br>
+                  <a:rPr lang="en-GB" dirty="0"/>
+                </a:br>
+                <a:br>
+                  <a:rPr lang="en-GB" dirty="0"/>
+                </a:br>
+                <a:r>
+                  <a:rPr lang="en-GB" dirty="0"/>
+                  <a:t>Als je </a:t>
+                </a:r>
+                <a:r>
+                  <a:rPr lang="en-GB" dirty="0" err="1"/>
+                  <a:t>een</a:t>
+                </a:r>
+                <a:r>
+                  <a:rPr lang="en-GB" dirty="0"/>
+                  <a:t> </a:t>
+                </a:r>
+                <a:r>
+                  <a:rPr lang="en-GB" dirty="0" err="1"/>
+                  <a:t>klein</a:t>
+                </a:r>
+                <a:r>
+                  <a:rPr lang="en-GB" dirty="0"/>
+                  <a:t> </a:t>
+                </a:r>
+                <a:r>
+                  <a:rPr lang="en-GB" dirty="0" err="1"/>
+                  <a:t>aantal</a:t>
+                </a:r>
+                <a:r>
+                  <a:rPr lang="en-GB" dirty="0"/>
+                  <a:t> </a:t>
+                </a:r>
+                <a:r>
+                  <a:rPr lang="en-GB" dirty="0" err="1"/>
+                  <a:t>variabelen</a:t>
+                </a:r>
+                <a:r>
+                  <a:rPr lang="en-GB" dirty="0"/>
+                  <a:t> </a:t>
+                </a:r>
+                <a:r>
+                  <a:rPr lang="en-GB" dirty="0" err="1"/>
+                  <a:t>wil</a:t>
+                </a:r>
+                <a:r>
+                  <a:rPr lang="en-GB" dirty="0"/>
+                  <a:t> </a:t>
+                </a:r>
+                <a:r>
+                  <a:rPr lang="en-GB" dirty="0" err="1"/>
+                  <a:t>optellen</a:t>
+                </a:r>
+                <a:r>
+                  <a:rPr lang="en-GB" dirty="0"/>
+                  <a:t> dan </a:t>
+                </a:r>
+                <a:r>
+                  <a:rPr lang="en-GB" dirty="0" err="1"/>
+                  <a:t>kan</a:t>
+                </a:r>
+                <a:r>
+                  <a:rPr lang="en-GB" dirty="0"/>
+                  <a:t> je </a:t>
+                </a:r>
+                <a:r>
+                  <a:rPr lang="en-GB" dirty="0" err="1"/>
+                  <a:t>dat</a:t>
+                </a:r>
+                <a:r>
+                  <a:rPr lang="en-GB" dirty="0"/>
+                  <a:t> </a:t>
+                </a:r>
+                <a:r>
+                  <a:rPr lang="en-GB" dirty="0" err="1"/>
+                  <a:t>doen</a:t>
+                </a:r>
+                <a:r>
+                  <a:rPr lang="en-GB" dirty="0"/>
+                  <a:t> met </a:t>
+                </a:r>
+                <a:r>
+                  <a:rPr lang="en-GB" dirty="0" err="1"/>
+                  <a:t>convoluties</a:t>
+                </a:r>
+                <a:r>
+                  <a:rPr lang="en-GB" dirty="0"/>
+                  <a:t>.</a:t>
+                </a:r>
+                <a:br>
+                  <a:rPr lang="en-GB" dirty="0"/>
+                </a:br>
+                <a:br>
+                  <a:rPr lang="en-GB" dirty="0"/>
+                </a:br>
+                <a:br>
+                  <a:rPr lang="en-GB" dirty="0"/>
+                </a:br>
+                <a:r>
+                  <a:rPr lang="en-GB" dirty="0"/>
+                  <a:t>Stel </a:t>
+                </a:r>
+                <a14:m>
+                  <m:oMath xmlns:m="http://schemas.openxmlformats.org/officeDocument/2006/math">
+                    <m:r>
+                      <a:rPr lang="en-US" b="0" i="1" smtClean="0">
+                        <a:latin typeface="Cambria Math" panose="02040503050406030204" pitchFamily="18" charset="0"/>
+                      </a:rPr>
+                      <m:t>𝑋</m:t>
+                    </m:r>
+                  </m:oMath>
+                </a14:m>
+                <a:r>
+                  <a:rPr lang="en-GB" dirty="0"/>
+                  <a:t> </a:t>
+                </a:r>
+                <a:r>
+                  <a:rPr lang="en-GB" dirty="0" err="1"/>
+                  <a:t>en</a:t>
+                </a:r>
+                <a:r>
+                  <a:rPr lang="en-GB" dirty="0"/>
+                  <a:t> </a:t>
+                </a:r>
+                <a14:m>
+                  <m:oMath xmlns:m="http://schemas.openxmlformats.org/officeDocument/2006/math">
+                    <m:r>
+                      <a:rPr lang="en-US" b="0" i="1" smtClean="0">
+                        <a:latin typeface="Cambria Math" panose="02040503050406030204" pitchFamily="18" charset="0"/>
+                      </a:rPr>
+                      <m:t>𝑌</m:t>
+                    </m:r>
+                  </m:oMath>
+                </a14:m>
+                <a:r>
+                  <a:rPr lang="en-GB" dirty="0"/>
+                  <a:t> twee </a:t>
+                </a:r>
+                <a:r>
+                  <a:rPr lang="en-GB" b="1" dirty="0" err="1"/>
+                  <a:t>positieve</a:t>
+                </a:r>
+                <a:r>
+                  <a:rPr lang="en-GB" dirty="0"/>
+                  <a:t> </a:t>
+                </a:r>
+                <a:r>
+                  <a:rPr lang="en-GB" b="1" dirty="0"/>
+                  <a:t>discrete</a:t>
+                </a:r>
+                <a:r>
+                  <a:rPr lang="en-GB" dirty="0"/>
+                  <a:t> </a:t>
+                </a:r>
+                <a:r>
+                  <a:rPr lang="en-GB" dirty="0" err="1"/>
+                  <a:t>variabelen</a:t>
+                </a:r>
+                <a:r>
+                  <a:rPr lang="en-GB" dirty="0"/>
+                  <a:t> dan </a:t>
+                </a:r>
+                <a:r>
+                  <a:rPr lang="en-GB" dirty="0" err="1"/>
+                  <a:t>vinden</a:t>
+                </a:r>
+                <a:r>
+                  <a:rPr lang="en-GB" dirty="0"/>
+                  <a:t> we </a:t>
+                </a:r>
+                <a:r>
+                  <a:rPr lang="en-GB" dirty="0" err="1"/>
+                  <a:t>dat</a:t>
+                </a:r>
+                <a:r>
+                  <a:rPr lang="en-GB" dirty="0"/>
+                  <a:t>:</a:t>
+                </a:r>
+              </a:p>
+              <a:p>
+                <a:pPr marL="0" indent="0">
+                  <a:buNone/>
+                </a:pPr>
+                <a:endParaRPr lang="en-GB" dirty="0"/>
+              </a:p>
+              <a:p>
+                <a:pPr marL="0" indent="0">
+                  <a:buNone/>
+                </a:pPr>
+                <a14:m>
+                  <m:oMathPara xmlns:m="http://schemas.openxmlformats.org/officeDocument/2006/math">
+                    <m:oMathParaPr>
+                      <m:jc m:val="centerGroup"/>
+                    </m:oMathParaPr>
+                    <m:oMath xmlns:m="http://schemas.openxmlformats.org/officeDocument/2006/math">
+                      <m:r>
+                        <a:rPr lang="en-US" b="0" i="1" smtClean="0">
+                          <a:latin typeface="Cambria Math" panose="02040503050406030204" pitchFamily="18" charset="0"/>
+                        </a:rPr>
+                        <m:t>𝑃</m:t>
+                      </m:r>
+                      <m:d>
+                        <m:dPr>
+                          <m:ctrlPr>
+                            <a:rPr lang="en-US" b="0" i="1" smtClean="0">
+                              <a:latin typeface="Cambria Math" panose="02040503050406030204" pitchFamily="18" charset="0"/>
+                            </a:rPr>
+                          </m:ctrlPr>
+                        </m:dPr>
+                        <m:e>
+                          <m:r>
+                            <a:rPr lang="en-US" b="0" i="1" smtClean="0">
+                              <a:latin typeface="Cambria Math" panose="02040503050406030204" pitchFamily="18" charset="0"/>
+                            </a:rPr>
+                            <m:t>𝑋</m:t>
+                          </m:r>
+                          <m:r>
+                            <a:rPr lang="en-US" b="0" i="1" smtClean="0">
+                              <a:latin typeface="Cambria Math" panose="02040503050406030204" pitchFamily="18" charset="0"/>
+                            </a:rPr>
+                            <m:t>+</m:t>
+                          </m:r>
+                          <m:r>
+                            <a:rPr lang="en-US" b="0" i="1" smtClean="0">
+                              <a:latin typeface="Cambria Math" panose="02040503050406030204" pitchFamily="18" charset="0"/>
+                            </a:rPr>
+                            <m:t>𝑌</m:t>
+                          </m:r>
+                          <m:r>
+                            <a:rPr lang="en-US" b="0" i="1" smtClean="0">
+                              <a:latin typeface="Cambria Math" panose="02040503050406030204" pitchFamily="18" charset="0"/>
+                            </a:rPr>
+                            <m:t>=</m:t>
+                          </m:r>
+                          <m:r>
+                            <a:rPr lang="en-US" b="0" i="1" smtClean="0">
+                              <a:latin typeface="Cambria Math" panose="02040503050406030204" pitchFamily="18" charset="0"/>
+                            </a:rPr>
+                            <m:t>𝑛</m:t>
+                          </m:r>
+                        </m:e>
+                      </m:d>
+                      <m:r>
+                        <a:rPr lang="en-US" b="0" i="1" smtClean="0">
+                          <a:latin typeface="Cambria Math" panose="02040503050406030204" pitchFamily="18" charset="0"/>
+                        </a:rPr>
+                        <m:t>=</m:t>
+                      </m:r>
+                      <m:nary>
+                        <m:naryPr>
+                          <m:chr m:val="∑"/>
+                          <m:ctrlPr>
+                            <a:rPr lang="en-US" b="0" i="1" smtClean="0">
+                              <a:latin typeface="Cambria Math" panose="02040503050406030204" pitchFamily="18" charset="0"/>
+                            </a:rPr>
+                          </m:ctrlPr>
+                        </m:naryPr>
+                        <m:sub>
+                          <m:r>
+                            <a:rPr lang="en-US" b="0" i="1" smtClean="0">
+                              <a:latin typeface="Cambria Math" panose="02040503050406030204" pitchFamily="18" charset="0"/>
+                            </a:rPr>
+                            <m:t>𝑖</m:t>
+                          </m:r>
+                          <m:r>
+                            <a:rPr lang="en-US" b="0" i="1" smtClean="0">
+                              <a:latin typeface="Cambria Math" panose="02040503050406030204" pitchFamily="18" charset="0"/>
+                            </a:rPr>
+                            <m:t>=0</m:t>
+                          </m:r>
+                        </m:sub>
+                        <m:sup>
+                          <m:r>
+                            <a:rPr lang="en-US" b="0" i="1" smtClean="0">
+                              <a:latin typeface="Cambria Math" panose="02040503050406030204" pitchFamily="18" charset="0"/>
+                            </a:rPr>
+                            <m:t>𝑛</m:t>
+                          </m:r>
+                        </m:sup>
+                        <m:e>
+                          <m:r>
+                            <a:rPr lang="en-US" b="0" i="1" smtClean="0">
+                              <a:latin typeface="Cambria Math" panose="02040503050406030204" pitchFamily="18" charset="0"/>
+                            </a:rPr>
+                            <m:t>𝑃</m:t>
+                          </m:r>
+                          <m:d>
+                            <m:dPr>
+                              <m:ctrlPr>
+                                <a:rPr lang="en-US" b="0" i="1" smtClean="0">
+                                  <a:latin typeface="Cambria Math" panose="02040503050406030204" pitchFamily="18" charset="0"/>
+                                </a:rPr>
+                              </m:ctrlPr>
+                            </m:dPr>
+                            <m:e>
+                              <m:r>
+                                <a:rPr lang="en-US" b="0" i="1" smtClean="0">
+                                  <a:latin typeface="Cambria Math" panose="02040503050406030204" pitchFamily="18" charset="0"/>
+                                </a:rPr>
+                                <m:t>𝑋</m:t>
+                              </m:r>
+                              <m:r>
+                                <a:rPr lang="en-US" b="0" i="1" smtClean="0">
+                                  <a:latin typeface="Cambria Math" panose="02040503050406030204" pitchFamily="18" charset="0"/>
+                                </a:rPr>
+                                <m:t>=</m:t>
+                              </m:r>
+                              <m:r>
+                                <a:rPr lang="en-US" b="0" i="1" smtClean="0">
+                                  <a:latin typeface="Cambria Math" panose="02040503050406030204" pitchFamily="18" charset="0"/>
+                                </a:rPr>
+                                <m:t>𝑛</m:t>
+                              </m:r>
+                            </m:e>
+                          </m:d>
+                          <m:r>
+                            <a:rPr lang="en-US" b="0" i="1" smtClean="0">
+                              <a:latin typeface="Cambria Math" panose="02040503050406030204" pitchFamily="18" charset="0"/>
+                            </a:rPr>
+                            <m:t>⋅</m:t>
+                          </m:r>
+                          <m:r>
+                            <a:rPr lang="en-US" b="0" i="1" smtClean="0">
+                              <a:latin typeface="Cambria Math" panose="02040503050406030204" pitchFamily="18" charset="0"/>
+                            </a:rPr>
+                            <m:t>𝑃</m:t>
+                          </m:r>
+                          <m:r>
+                            <a:rPr lang="en-US" b="0" i="1" smtClean="0">
+                              <a:latin typeface="Cambria Math" panose="02040503050406030204" pitchFamily="18" charset="0"/>
+                            </a:rPr>
+                            <m:t>(</m:t>
+                          </m:r>
+                          <m:r>
+                            <a:rPr lang="en-US" b="0" i="1" smtClean="0">
+                              <a:latin typeface="Cambria Math" panose="02040503050406030204" pitchFamily="18" charset="0"/>
+                            </a:rPr>
+                            <m:t>𝑌</m:t>
+                          </m:r>
+                          <m:r>
+                            <a:rPr lang="en-US" b="0" i="1" smtClean="0">
+                              <a:latin typeface="Cambria Math" panose="02040503050406030204" pitchFamily="18" charset="0"/>
+                            </a:rPr>
+                            <m:t>=</m:t>
+                          </m:r>
+                          <m:r>
+                            <a:rPr lang="en-US" b="0" i="1" smtClean="0">
+                              <a:latin typeface="Cambria Math" panose="02040503050406030204" pitchFamily="18" charset="0"/>
+                            </a:rPr>
+                            <m:t>𝑛</m:t>
+                          </m:r>
+                          <m:r>
+                            <a:rPr lang="en-US" b="0" i="1" smtClean="0">
+                              <a:latin typeface="Cambria Math" panose="02040503050406030204" pitchFamily="18" charset="0"/>
+                            </a:rPr>
+                            <m:t>−</m:t>
+                          </m:r>
+                          <m:r>
+                            <a:rPr lang="en-US" b="0" i="1" smtClean="0">
+                              <a:latin typeface="Cambria Math" panose="02040503050406030204" pitchFamily="18" charset="0"/>
+                            </a:rPr>
+                            <m:t>𝑖</m:t>
+                          </m:r>
+                          <m:r>
+                            <a:rPr lang="en-US" b="0" i="1" smtClean="0">
+                              <a:latin typeface="Cambria Math" panose="02040503050406030204" pitchFamily="18" charset="0"/>
+                            </a:rPr>
+                            <m:t>)</m:t>
+                          </m:r>
+                        </m:e>
+                      </m:nary>
+                    </m:oMath>
+                  </m:oMathPara>
+                </a14:m>
+                <a:endParaRPr lang="en-US" b="0" dirty="0"/>
+              </a:p>
+              <a:p>
+                <a:pPr marL="0" indent="0">
+                  <a:buNone/>
+                </a:pPr>
+                <a:br>
+                  <a:rPr lang="en-GB" dirty="0"/>
+                </a:br>
+                <a:r>
+                  <a:rPr lang="en-GB" dirty="0" err="1"/>
+                  <a:t>Dit</a:t>
+                </a:r>
+                <a:r>
+                  <a:rPr lang="en-GB" dirty="0"/>
+                  <a:t> is </a:t>
+                </a:r>
+                <a:r>
+                  <a:rPr lang="en-GB" dirty="0" err="1"/>
+                  <a:t>een</a:t>
+                </a:r>
+                <a:r>
+                  <a:rPr lang="en-GB" dirty="0"/>
+                  <a:t> </a:t>
+                </a:r>
+                <a:r>
+                  <a:rPr lang="en-GB" dirty="0" err="1"/>
+                  <a:t>convolutie</a:t>
+                </a:r>
+                <a:r>
+                  <a:rPr lang="en-GB" dirty="0"/>
+                  <a:t> </a:t>
+                </a:r>
+                <a:r>
+                  <a:rPr lang="en-GB" dirty="0" err="1"/>
+                  <a:t>en</a:t>
+                </a:r>
+                <a:r>
+                  <a:rPr lang="en-GB" dirty="0"/>
+                  <a:t> </a:t>
+                </a:r>
+                <a:r>
+                  <a:rPr lang="en-GB" dirty="0" err="1"/>
+                  <a:t>dit</a:t>
+                </a:r>
+                <a:r>
+                  <a:rPr lang="en-GB" dirty="0"/>
+                  <a:t> </a:t>
+                </a:r>
+                <a:r>
+                  <a:rPr lang="en-GB" dirty="0" err="1"/>
+                  <a:t>spel</a:t>
+                </a:r>
+                <a:r>
+                  <a:rPr lang="en-GB" dirty="0"/>
+                  <a:t> </a:t>
+                </a:r>
+                <a:r>
+                  <a:rPr lang="en-GB" dirty="0" err="1"/>
+                  <a:t>kan</a:t>
+                </a:r>
+                <a:r>
+                  <a:rPr lang="en-GB" dirty="0"/>
+                  <a:t> je </a:t>
+                </a:r>
+                <a:r>
+                  <a:rPr lang="en-GB" dirty="0" err="1"/>
+                  <a:t>spelen</a:t>
+                </a:r>
+                <a:r>
+                  <a:rPr lang="en-GB" dirty="0"/>
+                  <a:t> met </a:t>
+                </a:r>
+                <a:r>
+                  <a:rPr lang="en-GB" dirty="0" err="1"/>
+                  <a:t>willekeurige</a:t>
+                </a:r>
+                <a:r>
+                  <a:rPr lang="en-GB" dirty="0"/>
+                  <a:t> </a:t>
+                </a:r>
+                <a:r>
+                  <a:rPr lang="en-GB" dirty="0" err="1"/>
+                  <a:t>variabelen</a:t>
+                </a:r>
+                <a:r>
+                  <a:rPr lang="en-GB" dirty="0"/>
+                  <a:t>.</a:t>
+                </a:r>
+              </a:p>
+            </p:txBody>
+          </p:sp>
+        </mc:Choice>
+        <mc:Fallback>
+          <p:sp>
+            <p:nvSpPr>
+              <p:cNvPr id="3" name="Content Placeholder 2">
+                <a:extLst>
+                  <a:ext uri="{FF2B5EF4-FFF2-40B4-BE49-F238E27FC236}">
+                    <a16:creationId xmlns:a16="http://schemas.microsoft.com/office/drawing/2014/main" id="{0F61854A-DBDC-BD81-5193-4AC2C9A2E897}"/>
+                  </a:ext>
+                </a:extLst>
+              </p:cNvPr>
+              <p:cNvSpPr>
+                <a:spLocks noGrp="1" noRot="1" noChangeAspect="1" noMove="1" noResize="1" noEditPoints="1" noAdjustHandles="1" noChangeArrowheads="1" noChangeShapeType="1" noTextEdit="1"/>
+              </p:cNvSpPr>
+              <p:nvPr>
+                <p:ph idx="1"/>
+              </p:nvPr>
+            </p:nvSpPr>
+            <p:spPr>
+              <a:xfrm>
+                <a:off x="360000" y="1685563"/>
+                <a:ext cx="11258084" cy="4242626"/>
+              </a:xfrm>
+              <a:blipFill>
+                <a:blip r:embed="rId2"/>
+                <a:stretch>
+                  <a:fillRect l="-975" t="-4173" b="-288"/>
+                </a:stretch>
+              </a:blipFill>
+            </p:spPr>
+            <p:txBody>
+              <a:bodyPr/>
+              <a:lstStyle/>
+              <a:p>
+                <a:r>
+                  <a:rPr lang="en-GB">
+                    <a:noFill/>
+                  </a:rPr>
+                  <a:t> </a:t>
+                </a:r>
+              </a:p>
+            </p:txBody>
+          </p:sp>
+        </mc:Fallback>
+      </mc:AlternateContent>
+    </p:spTree>
+    <p:extLst>
+      <p:ext uri="{BB962C8B-B14F-4D97-AF65-F5344CB8AC3E}">
+        <p14:creationId xmlns:p14="http://schemas.microsoft.com/office/powerpoint/2010/main" val="3664459638"/>
+      </p:ext>
+    </p:extLst>
+  </p:cSld>
+  <p:clrMapOvr>
+    <a:masterClrMapping/>
+  </p:clrMapOvr>
+  <p:transition spd="slow">
+    <p:push dir="u"/>
+  </p:transition>
+</p:sld>
+</file>
+
+<file path=ppt/slides/slide21.xml><?xml version="1.0" encoding="utf-8"?>
+<p:sld xmlns:a="http://schemas.openxmlformats.org/drawingml/2006/main" xmlns:r="http://schemas.openxmlformats.org/officeDocument/2006/relationships" xmlns:p="http://schemas.openxmlformats.org/presentationml/2006/main">
+  <p:cSld>
+    <p:spTree>
+      <p:nvGrpSpPr>
+        <p:cNvPr id="1" name=""/>
+        <p:cNvGrpSpPr/>
+        <p:nvPr/>
+      </p:nvGrpSpPr>
+      <p:grpSpPr>
+        <a:xfrm>
+          <a:off x="0" y="0"/>
+          <a:ext cx="0" cy="0"/>
+          <a:chOff x="0" y="0"/>
+          <a:chExt cx="0" cy="0"/>
+        </a:xfrm>
+      </p:grpSpPr>
+      <p:sp>
+        <p:nvSpPr>
+          <p:cNvPr id="2" name="Title 1">
+            <a:extLst>
+              <a:ext uri="{FF2B5EF4-FFF2-40B4-BE49-F238E27FC236}">
+                <a16:creationId xmlns:a16="http://schemas.microsoft.com/office/drawing/2014/main" id="{22151297-CF87-3B2D-5649-7DB95FB8954D}"/>
+              </a:ext>
+            </a:extLst>
+          </p:cNvPr>
+          <p:cNvSpPr>
+            <a:spLocks noGrp="1"/>
+          </p:cNvSpPr>
+          <p:nvPr>
+            <p:ph type="title"/>
+          </p:nvPr>
+        </p:nvSpPr>
+        <p:spPr/>
+        <p:txBody>
+          <a:bodyPr/>
+          <a:lstStyle/>
+          <a:p>
+            <a:r>
+              <a:rPr lang="en-GB" dirty="0"/>
+              <a:t>Law of Large numbers</a:t>
+            </a:r>
+          </a:p>
+        </p:txBody>
+      </p:sp>
+      <mc:AlternateContent xmlns:mc="http://schemas.openxmlformats.org/markup-compatibility/2006">
+        <mc:Choice xmlns:a14="http://schemas.microsoft.com/office/drawing/2010/main" Requires="a14">
+          <p:sp>
+            <p:nvSpPr>
+              <p:cNvPr id="3" name="Content Placeholder 2">
+                <a:extLst>
+                  <a:ext uri="{FF2B5EF4-FFF2-40B4-BE49-F238E27FC236}">
+                    <a16:creationId xmlns:a16="http://schemas.microsoft.com/office/drawing/2014/main" id="{8AC248BF-46DE-D591-8AA3-39F0CB8EC1CC}"/>
+                  </a:ext>
+                </a:extLst>
+              </p:cNvPr>
+              <p:cNvSpPr>
+                <a:spLocks noGrp="1"/>
+              </p:cNvSpPr>
+              <p:nvPr>
+                <p:ph idx="1"/>
+              </p:nvPr>
+            </p:nvSpPr>
+            <p:spPr/>
+            <p:txBody>
+              <a:bodyPr/>
+              <a:lstStyle/>
+              <a:p>
+                <a:pPr marL="0" indent="0">
+                  <a:buNone/>
+                </a:pPr>
+                <a:r>
+                  <a:rPr lang="en-GB" dirty="0"/>
+                  <a:t>Stel </a:t>
+                </a:r>
+                <a14:m>
+                  <m:oMath xmlns:m="http://schemas.openxmlformats.org/officeDocument/2006/math">
+                    <m:sSub>
+                      <m:sSubPr>
+                        <m:ctrlPr>
+                          <a:rPr lang="en-US" b="0" i="1" smtClean="0">
+                            <a:latin typeface="Cambria Math" panose="02040503050406030204" pitchFamily="18" charset="0"/>
+                          </a:rPr>
+                        </m:ctrlPr>
+                      </m:sSubPr>
+                      <m:e>
+                        <m:r>
+                          <a:rPr lang="en-US" b="0" i="1" smtClean="0">
+                            <a:latin typeface="Cambria Math" panose="02040503050406030204" pitchFamily="18" charset="0"/>
+                          </a:rPr>
+                          <m:t>𝑋</m:t>
+                        </m:r>
+                      </m:e>
+                      <m:sub>
+                        <m:r>
+                          <a:rPr lang="en-US" b="0" i="1" smtClean="0">
+                            <a:latin typeface="Cambria Math" panose="02040503050406030204" pitchFamily="18" charset="0"/>
+                          </a:rPr>
+                          <m:t>1</m:t>
+                        </m:r>
+                      </m:sub>
+                    </m:sSub>
+                    <m:r>
+                      <a:rPr lang="en-US" b="0" i="1" smtClean="0">
+                        <a:latin typeface="Cambria Math" panose="02040503050406030204" pitchFamily="18" charset="0"/>
+                      </a:rPr>
+                      <m:t>,…, </m:t>
+                    </m:r>
+                    <m:sSub>
+                      <m:sSubPr>
+                        <m:ctrlPr>
+                          <a:rPr lang="en-US" b="0" i="1" smtClean="0">
+                            <a:latin typeface="Cambria Math" panose="02040503050406030204" pitchFamily="18" charset="0"/>
+                          </a:rPr>
+                        </m:ctrlPr>
+                      </m:sSubPr>
+                      <m:e>
+                        <m:r>
+                          <a:rPr lang="en-US" b="0" i="1" smtClean="0">
+                            <a:latin typeface="Cambria Math" panose="02040503050406030204" pitchFamily="18" charset="0"/>
+                          </a:rPr>
+                          <m:t>𝑋</m:t>
+                        </m:r>
+                      </m:e>
+                      <m:sub>
+                        <m:r>
+                          <a:rPr lang="en-US" b="0" i="1" smtClean="0">
+                            <a:latin typeface="Cambria Math" panose="02040503050406030204" pitchFamily="18" charset="0"/>
+                          </a:rPr>
+                          <m:t>𝑛</m:t>
+                        </m:r>
+                      </m:sub>
+                    </m:sSub>
+                  </m:oMath>
+                </a14:m>
+                <a:r>
+                  <a:rPr lang="en-GB" dirty="0"/>
+                  <a:t> </a:t>
+                </a:r>
+                <a:r>
+                  <a:rPr lang="en-GB" dirty="0" err="1"/>
+                  <a:t>een</a:t>
+                </a:r>
+                <a:r>
+                  <a:rPr lang="en-GB" dirty="0"/>
+                  <a:t> reeks </a:t>
+                </a:r>
+                <a:r>
+                  <a:rPr lang="en-GB" b="1" dirty="0" err="1"/>
+                  <a:t>onafhankelijke</a:t>
+                </a:r>
+                <a:r>
+                  <a:rPr lang="en-GB" b="1" dirty="0"/>
+                  <a:t> </a:t>
+                </a:r>
+                <a:r>
+                  <a:rPr lang="en-GB" dirty="0" err="1"/>
+                  <a:t>variabelen</a:t>
+                </a:r>
+                <a:r>
+                  <a:rPr lang="en-GB" dirty="0"/>
+                  <a:t> met </a:t>
+                </a:r>
+                <a14:m>
+                  <m:oMath xmlns:m="http://schemas.openxmlformats.org/officeDocument/2006/math">
+                    <m:r>
+                      <a:rPr lang="en-US" b="0" i="1" smtClean="0">
+                        <a:latin typeface="Cambria Math" panose="02040503050406030204" pitchFamily="18" charset="0"/>
+                      </a:rPr>
+                      <m:t>𝜇</m:t>
+                    </m:r>
+                    <m:r>
+                      <a:rPr lang="en-US" b="0" i="1" smtClean="0">
+                        <a:latin typeface="Cambria Math" panose="02040503050406030204" pitchFamily="18" charset="0"/>
+                      </a:rPr>
+                      <m:t>=</m:t>
+                    </m:r>
+                    <m:r>
+                      <a:rPr lang="en-US" b="0" i="1" smtClean="0">
+                        <a:latin typeface="Cambria Math" panose="02040503050406030204" pitchFamily="18" charset="0"/>
+                      </a:rPr>
+                      <m:t>𝐸</m:t>
+                    </m:r>
+                    <m:r>
+                      <a:rPr lang="en-US" b="0" i="1" smtClean="0">
+                        <a:latin typeface="Cambria Math" panose="02040503050406030204" pitchFamily="18" charset="0"/>
+                      </a:rPr>
+                      <m:t>[</m:t>
+                    </m:r>
+                    <m:sSub>
+                      <m:sSubPr>
+                        <m:ctrlPr>
+                          <a:rPr lang="en-US" b="0" i="1" smtClean="0">
+                            <a:latin typeface="Cambria Math" panose="02040503050406030204" pitchFamily="18" charset="0"/>
+                          </a:rPr>
+                        </m:ctrlPr>
+                      </m:sSubPr>
+                      <m:e>
+                        <m:r>
+                          <a:rPr lang="en-US" b="0" i="1" smtClean="0">
+                            <a:latin typeface="Cambria Math" panose="02040503050406030204" pitchFamily="18" charset="0"/>
+                          </a:rPr>
+                          <m:t>𝑋</m:t>
+                        </m:r>
+                      </m:e>
+                      <m:sub>
+                        <m:r>
+                          <a:rPr lang="en-US" b="0" i="1" smtClean="0">
+                            <a:latin typeface="Cambria Math" panose="02040503050406030204" pitchFamily="18" charset="0"/>
+                          </a:rPr>
+                          <m:t>𝑖</m:t>
+                        </m:r>
+                      </m:sub>
+                    </m:sSub>
+                    <m:r>
+                      <a:rPr lang="en-US" b="0" i="1" smtClean="0">
+                        <a:latin typeface="Cambria Math" panose="02040503050406030204" pitchFamily="18" charset="0"/>
+                      </a:rPr>
+                      <m:t>]</m:t>
+                    </m:r>
+                  </m:oMath>
+                </a14:m>
+                <a:r>
+                  <a:rPr lang="en-GB" dirty="0"/>
+                  <a:t> </a:t>
+                </a:r>
+                <a:r>
+                  <a:rPr lang="en-GB" dirty="0" err="1"/>
+                  <a:t>en</a:t>
+                </a:r>
+                <a:r>
+                  <a:rPr lang="en-GB" dirty="0"/>
+                  <a:t> </a:t>
+                </a:r>
+                <a14:m>
+                  <m:oMath xmlns:m="http://schemas.openxmlformats.org/officeDocument/2006/math">
+                    <m:sSup>
+                      <m:sSupPr>
+                        <m:ctrlPr>
+                          <a:rPr lang="en-US" b="0" i="1" smtClean="0">
+                            <a:latin typeface="Cambria Math" panose="02040503050406030204" pitchFamily="18" charset="0"/>
+                          </a:rPr>
+                        </m:ctrlPr>
+                      </m:sSupPr>
+                      <m:e>
+                        <m:r>
+                          <a:rPr lang="en-US" b="0" i="1" smtClean="0">
+                            <a:latin typeface="Cambria Math" panose="02040503050406030204" pitchFamily="18" charset="0"/>
+                          </a:rPr>
+                          <m:t>𝜎</m:t>
+                        </m:r>
+                      </m:e>
+                      <m:sup>
+                        <m:r>
+                          <a:rPr lang="en-US" b="0" i="1" smtClean="0">
+                            <a:latin typeface="Cambria Math" panose="02040503050406030204" pitchFamily="18" charset="0"/>
+                          </a:rPr>
+                          <m:t>2</m:t>
+                        </m:r>
+                      </m:sup>
+                    </m:sSup>
+                    <m:r>
+                      <a:rPr lang="en-US" b="0" i="1" smtClean="0">
+                        <a:latin typeface="Cambria Math" panose="02040503050406030204" pitchFamily="18" charset="0"/>
+                      </a:rPr>
+                      <m:t>=</m:t>
+                    </m:r>
+                    <m:r>
+                      <a:rPr lang="en-US" b="0" i="1" smtClean="0">
+                        <a:latin typeface="Cambria Math" panose="02040503050406030204" pitchFamily="18" charset="0"/>
+                      </a:rPr>
+                      <m:t>𝑉𝑎𝑟</m:t>
+                    </m:r>
+                    <m:d>
+                      <m:dPr>
+                        <m:begChr m:val="["/>
+                        <m:endChr m:val="]"/>
+                        <m:ctrlPr>
+                          <a:rPr lang="en-US" b="0" i="1" smtClean="0">
+                            <a:latin typeface="Cambria Math" panose="02040503050406030204" pitchFamily="18" charset="0"/>
+                          </a:rPr>
+                        </m:ctrlPr>
+                      </m:dPr>
+                      <m:e>
+                        <m:sSub>
+                          <m:sSubPr>
+                            <m:ctrlPr>
+                              <a:rPr lang="en-US" b="0" i="1" smtClean="0">
+                                <a:latin typeface="Cambria Math" panose="02040503050406030204" pitchFamily="18" charset="0"/>
+                              </a:rPr>
+                            </m:ctrlPr>
+                          </m:sSubPr>
+                          <m:e>
+                            <m:r>
+                              <a:rPr lang="en-US" b="0" i="1" smtClean="0">
+                                <a:latin typeface="Cambria Math" panose="02040503050406030204" pitchFamily="18" charset="0"/>
+                              </a:rPr>
+                              <m:t>𝑋</m:t>
+                            </m:r>
+                          </m:e>
+                          <m:sub>
+                            <m:r>
+                              <a:rPr lang="en-US" b="0" i="1" smtClean="0">
+                                <a:latin typeface="Cambria Math" panose="02040503050406030204" pitchFamily="18" charset="0"/>
+                              </a:rPr>
+                              <m:t>𝑖</m:t>
+                            </m:r>
+                          </m:sub>
+                        </m:sSub>
+                      </m:e>
+                    </m:d>
+                    <m:r>
+                      <a:rPr lang="en-US" b="0" i="1" smtClean="0">
+                        <a:latin typeface="Cambria Math" panose="02040503050406030204" pitchFamily="18" charset="0"/>
+                      </a:rPr>
+                      <m:t>&lt;∞</m:t>
+                    </m:r>
+                  </m:oMath>
+                </a14:m>
+                <a:r>
+                  <a:rPr lang="en-GB" dirty="0"/>
+                  <a:t>. Dan </a:t>
+                </a:r>
+                <a:r>
+                  <a:rPr lang="en-GB" dirty="0" err="1"/>
+                  <a:t>vinden</a:t>
+                </a:r>
+                <a:r>
+                  <a:rPr lang="en-GB" dirty="0"/>
+                  <a:t> we </a:t>
+                </a:r>
+                <a:r>
+                  <a:rPr lang="en-GB" dirty="0" err="1"/>
+                  <a:t>dat</a:t>
+                </a:r>
+                <a:r>
+                  <a:rPr lang="en-GB" dirty="0"/>
+                  <a:t>:</a:t>
+                </a:r>
+              </a:p>
+              <a:p>
+                <a:pPr marL="0" indent="0">
+                  <a:buNone/>
+                </a:pPr>
+                <a:endParaRPr lang="en-GB" dirty="0"/>
+              </a:p>
+              <a:p>
+                <a:pPr marL="0" indent="0">
+                  <a:buNone/>
+                </a:pPr>
+                <a14:m>
+                  <m:oMathPara xmlns:m="http://schemas.openxmlformats.org/officeDocument/2006/math">
+                    <m:oMathParaPr>
+                      <m:jc m:val="centerGroup"/>
+                    </m:oMathParaPr>
+                    <m:oMath xmlns:m="http://schemas.openxmlformats.org/officeDocument/2006/math">
+                      <m:acc>
+                        <m:accPr>
+                          <m:chr m:val="̅"/>
+                          <m:ctrlPr>
+                            <a:rPr lang="en-US" b="0" i="1" smtClean="0">
+                              <a:latin typeface="Cambria Math" panose="02040503050406030204" pitchFamily="18" charset="0"/>
+                            </a:rPr>
+                          </m:ctrlPr>
+                        </m:accPr>
+                        <m:e>
+                          <m:r>
+                            <a:rPr lang="en-US" b="0" i="1" smtClean="0">
+                              <a:latin typeface="Cambria Math" panose="02040503050406030204" pitchFamily="18" charset="0"/>
+                            </a:rPr>
+                            <m:t>𝑥</m:t>
+                          </m:r>
+                        </m:e>
+                      </m:acc>
+                      <m:r>
+                        <a:rPr lang="en-US" b="0" i="1" dirty="0" smtClean="0">
+                          <a:latin typeface="Cambria Math" panose="02040503050406030204" pitchFamily="18" charset="0"/>
+                        </a:rPr>
+                        <m:t>=</m:t>
+                      </m:r>
+                      <m:f>
+                        <m:fPr>
+                          <m:ctrlPr>
+                            <a:rPr lang="en-US" b="0" i="1" smtClean="0">
+                              <a:latin typeface="Cambria Math" panose="02040503050406030204" pitchFamily="18" charset="0"/>
+                            </a:rPr>
+                          </m:ctrlPr>
+                        </m:fPr>
+                        <m:num>
+                          <m:sSub>
+                            <m:sSubPr>
+                              <m:ctrlPr>
+                                <a:rPr lang="en-US" b="0" i="1" smtClean="0">
+                                  <a:latin typeface="Cambria Math" panose="02040503050406030204" pitchFamily="18" charset="0"/>
+                                </a:rPr>
+                              </m:ctrlPr>
+                            </m:sSubPr>
+                            <m:e>
+                              <m:acc>
+                                <m:accPr>
+                                  <m:chr m:val="̅"/>
+                                  <m:ctrlPr>
+                                    <a:rPr lang="en-US" b="0" i="1" smtClean="0">
+                                      <a:latin typeface="Cambria Math" panose="02040503050406030204" pitchFamily="18" charset="0"/>
+                                    </a:rPr>
+                                  </m:ctrlPr>
+                                </m:accPr>
+                                <m:e>
+                                  <m:r>
+                                    <a:rPr lang="en-US" b="0" i="1" smtClean="0">
+                                      <a:latin typeface="Cambria Math" panose="02040503050406030204" pitchFamily="18" charset="0"/>
+                                    </a:rPr>
+                                    <m:t>𝑋</m:t>
+                                  </m:r>
+                                </m:e>
+                              </m:acc>
+                            </m:e>
+                            <m:sub>
+                              <m:r>
+                                <a:rPr lang="en-US" b="0" i="1" smtClean="0">
+                                  <a:latin typeface="Cambria Math" panose="02040503050406030204" pitchFamily="18" charset="0"/>
+                                </a:rPr>
+                                <m:t>𝑛</m:t>
+                              </m:r>
+                            </m:sub>
+                          </m:sSub>
+                        </m:num>
+                        <m:den>
+                          <m:r>
+                            <a:rPr lang="en-US" b="0" i="1" smtClean="0">
+                              <a:latin typeface="Cambria Math" panose="02040503050406030204" pitchFamily="18" charset="0"/>
+                            </a:rPr>
+                            <m:t>𝑛</m:t>
+                          </m:r>
+                        </m:den>
+                      </m:f>
+                      <m:r>
+                        <a:rPr lang="en-US" b="0" i="1" smtClean="0">
+                          <a:latin typeface="Cambria Math" panose="02040503050406030204" pitchFamily="18" charset="0"/>
+                        </a:rPr>
+                        <m:t>→</m:t>
+                      </m:r>
+                      <m:r>
+                        <a:rPr lang="en-US" b="0" i="1" smtClean="0">
+                          <a:latin typeface="Cambria Math" panose="02040503050406030204" pitchFamily="18" charset="0"/>
+                        </a:rPr>
+                        <m:t>𝜇</m:t>
+                      </m:r>
+                    </m:oMath>
+                  </m:oMathPara>
+                </a14:m>
+                <a:endParaRPr lang="en-GB" dirty="0"/>
+              </a:p>
+              <a:p>
+                <a:pPr marL="0" indent="0">
+                  <a:buNone/>
+                </a:pPr>
+                <a:endParaRPr lang="en-GB" dirty="0"/>
+              </a:p>
+            </p:txBody>
+          </p:sp>
+        </mc:Choice>
+        <mc:Fallback>
+          <p:sp>
+            <p:nvSpPr>
+              <p:cNvPr id="3" name="Content Placeholder 2">
+                <a:extLst>
+                  <a:ext uri="{FF2B5EF4-FFF2-40B4-BE49-F238E27FC236}">
+                    <a16:creationId xmlns:a16="http://schemas.microsoft.com/office/drawing/2014/main" id="{8AC248BF-46DE-D591-8AA3-39F0CB8EC1CC}"/>
+                  </a:ext>
+                </a:extLst>
+              </p:cNvPr>
+              <p:cNvSpPr>
+                <a:spLocks noGrp="1" noRot="1" noChangeAspect="1" noMove="1" noResize="1" noEditPoints="1" noAdjustHandles="1" noChangeArrowheads="1" noChangeShapeType="1" noTextEdit="1"/>
+              </p:cNvSpPr>
+              <p:nvPr>
+                <p:ph idx="1"/>
+              </p:nvPr>
+            </p:nvSpPr>
+            <p:spPr>
+              <a:blipFill>
+                <a:blip r:embed="rId2"/>
+                <a:stretch>
+                  <a:fillRect l="-1083" t="-3006"/>
+                </a:stretch>
+              </a:blipFill>
+            </p:spPr>
+            <p:txBody>
+              <a:bodyPr/>
+              <a:lstStyle/>
+              <a:p>
+                <a:r>
+                  <a:rPr lang="en-GB">
+                    <a:noFill/>
+                  </a:rPr>
+                  <a:t> </a:t>
+                </a:r>
+              </a:p>
+            </p:txBody>
+          </p:sp>
+        </mc:Fallback>
+      </mc:AlternateContent>
+      <p:sp>
+        <p:nvSpPr>
+          <p:cNvPr id="4" name="TextBox 3">
+            <a:extLst>
+              <a:ext uri="{FF2B5EF4-FFF2-40B4-BE49-F238E27FC236}">
+                <a16:creationId xmlns:a16="http://schemas.microsoft.com/office/drawing/2014/main" id="{F0CC40B0-6978-E54B-5516-7B2CB3A85AFC}"/>
+              </a:ext>
+            </a:extLst>
+          </p:cNvPr>
+          <p:cNvSpPr txBox="1"/>
+          <p:nvPr/>
+        </p:nvSpPr>
+        <p:spPr>
+          <a:xfrm>
+            <a:off x="452063" y="5354077"/>
+            <a:ext cx="10572108" cy="369332"/>
+          </a:xfrm>
+          <a:prstGeom prst="rect">
+            <a:avLst/>
+          </a:prstGeom>
+          <a:noFill/>
+        </p:spPr>
+        <p:txBody>
+          <a:bodyPr wrap="square" rtlCol="0">
+            <a:spAutoFit/>
+          </a:bodyPr>
+          <a:lstStyle/>
+          <a:p>
+            <a:r>
+              <a:rPr lang="en-GB" b="1" dirty="0" err="1"/>
+              <a:t>Opmerking</a:t>
+            </a:r>
+            <a:r>
+              <a:rPr lang="en-GB" dirty="0"/>
+              <a:t>: Als je </a:t>
+            </a:r>
+            <a:r>
+              <a:rPr lang="en-GB" dirty="0" err="1"/>
+              <a:t>echt</a:t>
+            </a:r>
+            <a:r>
+              <a:rPr lang="en-GB" dirty="0"/>
+              <a:t> math-heavy </a:t>
+            </a:r>
+            <a:r>
+              <a:rPr lang="en-GB" dirty="0" err="1"/>
+              <a:t>wil</a:t>
+            </a:r>
+            <a:r>
+              <a:rPr lang="en-GB" dirty="0"/>
+              <a:t> </a:t>
+            </a:r>
+            <a:r>
+              <a:rPr lang="en-GB" dirty="0" err="1"/>
+              <a:t>gaan</a:t>
+            </a:r>
+            <a:r>
+              <a:rPr lang="en-GB" dirty="0"/>
+              <a:t> </a:t>
+            </a:r>
+            <a:r>
+              <a:rPr lang="en-GB" dirty="0" err="1"/>
+              <a:t>kan</a:t>
+            </a:r>
+            <a:r>
+              <a:rPr lang="en-GB" dirty="0"/>
+              <a:t> je </a:t>
+            </a:r>
+            <a:r>
+              <a:rPr lang="en-GB" dirty="0" err="1"/>
+              <a:t>je</a:t>
+            </a:r>
+            <a:r>
+              <a:rPr lang="en-GB" dirty="0"/>
+              <a:t> </a:t>
+            </a:r>
+            <a:r>
+              <a:rPr lang="en-GB" dirty="0" err="1"/>
+              <a:t>afvragen</a:t>
+            </a:r>
+            <a:r>
+              <a:rPr lang="en-GB" dirty="0"/>
+              <a:t> wat </a:t>
+            </a:r>
+            <a:r>
+              <a:rPr lang="en-GB" dirty="0" err="1"/>
+              <a:t>deze</a:t>
+            </a:r>
+            <a:r>
+              <a:rPr lang="en-GB" dirty="0"/>
+              <a:t> </a:t>
+            </a:r>
+            <a:r>
+              <a:rPr lang="en-GB" dirty="0" err="1"/>
+              <a:t>convergentie</a:t>
+            </a:r>
+            <a:r>
+              <a:rPr lang="en-GB" dirty="0"/>
+              <a:t> </a:t>
+            </a:r>
+            <a:r>
+              <a:rPr lang="en-GB" dirty="0" err="1"/>
+              <a:t>betekent</a:t>
+            </a:r>
+            <a:r>
+              <a:rPr lang="en-GB" dirty="0"/>
+              <a:t>.</a:t>
+            </a:r>
+          </a:p>
+        </p:txBody>
+      </p:sp>
+    </p:spTree>
+    <p:extLst>
+      <p:ext uri="{BB962C8B-B14F-4D97-AF65-F5344CB8AC3E}">
+        <p14:creationId xmlns:p14="http://schemas.microsoft.com/office/powerpoint/2010/main" val="2218739921"/>
+      </p:ext>
+    </p:extLst>
+  </p:cSld>
+  <p:clrMapOvr>
+    <a:masterClrMapping/>
+  </p:clrMapOvr>
+  <p:transition spd="slow">
+    <p:push dir="u"/>
+  </p:transition>
+</p:sld>
+</file>
+
+<file path=ppt/slides/slide22.xml><?xml version="1.0" encoding="utf-8"?>
+<p:sld xmlns:a="http://schemas.openxmlformats.org/drawingml/2006/main" xmlns:r="http://schemas.openxmlformats.org/officeDocument/2006/relationships" xmlns:p="http://schemas.openxmlformats.org/presentationml/2006/main">
+  <p:cSld>
+    <p:spTree>
+      <p:nvGrpSpPr>
+        <p:cNvPr id="1" name=""/>
+        <p:cNvGrpSpPr/>
+        <p:nvPr/>
+      </p:nvGrpSpPr>
+      <p:grpSpPr>
+        <a:xfrm>
+          <a:off x="0" y="0"/>
+          <a:ext cx="0" cy="0"/>
+          <a:chOff x="0" y="0"/>
+          <a:chExt cx="0" cy="0"/>
+        </a:xfrm>
+      </p:grpSpPr>
+      <p:sp>
+        <p:nvSpPr>
+          <p:cNvPr id="2" name="Title 1">
+            <a:extLst>
+              <a:ext uri="{FF2B5EF4-FFF2-40B4-BE49-F238E27FC236}">
+                <a16:creationId xmlns:a16="http://schemas.microsoft.com/office/drawing/2014/main" id="{ECE18D77-5B82-0309-7CD7-B49C36A4F0B2}"/>
+              </a:ext>
+            </a:extLst>
+          </p:cNvPr>
+          <p:cNvSpPr>
+            <a:spLocks noGrp="1"/>
+          </p:cNvSpPr>
+          <p:nvPr>
+            <p:ph type="title"/>
+          </p:nvPr>
+        </p:nvSpPr>
+        <p:spPr/>
+        <p:txBody>
+          <a:bodyPr/>
+          <a:lstStyle/>
+          <a:p>
+            <a:r>
+              <a:rPr lang="en-GB" dirty="0"/>
+              <a:t>Heel </a:t>
+            </a:r>
+            <a:r>
+              <a:rPr lang="en-GB" dirty="0" err="1"/>
+              <a:t>kort</a:t>
+            </a:r>
+            <a:r>
+              <a:rPr lang="en-GB" dirty="0"/>
+              <a:t> </a:t>
+            </a:r>
+            <a:r>
+              <a:rPr lang="en-GB" dirty="0" err="1"/>
+              <a:t>samengevat</a:t>
+            </a:r>
+            <a:endParaRPr lang="en-GB" dirty="0"/>
           </a:p>
         </p:txBody>
       </p:sp>
@@ -16648,7 +20024,7 @@
           <p:cNvPr id="3" name="Content Placeholder 2">
             <a:extLst>
               <a:ext uri="{FF2B5EF4-FFF2-40B4-BE49-F238E27FC236}">
-                <a16:creationId xmlns:a16="http://schemas.microsoft.com/office/drawing/2014/main" id="{D3C2DCCC-BBD5-4FCF-6DD8-7E8D97582F2F}"/>
+                <a16:creationId xmlns:a16="http://schemas.microsoft.com/office/drawing/2014/main" id="{AE1BFCB3-0750-7DE4-0255-97CB17A55D7D}"/>
               </a:ext>
             </a:extLst>
           </p:cNvPr>
@@ -16665,74 +20041,21 @@
           <a:lstStyle/>
           <a:p>
             <a:r>
-              <a:rPr lang="en-GB" dirty="0" err="1"/>
-              <a:t>Implementeer</a:t>
-            </a:r>
-            <a:r>
-              <a:rPr lang="en-GB" dirty="0"/>
-              <a:t> </a:t>
-            </a:r>
-            <a:r>
-              <a:rPr lang="en-GB" dirty="0" err="1"/>
-              <a:t>een</a:t>
-            </a:r>
-            <a:r>
-              <a:rPr lang="en-GB" dirty="0"/>
-              <a:t> </a:t>
-            </a:r>
-            <a:r>
-              <a:rPr lang="en-GB" dirty="0" err="1"/>
-              <a:t>methode</a:t>
-            </a:r>
-            <a:r>
-              <a:rPr lang="en-GB" dirty="0"/>
-              <a:t> om </a:t>
-            </a:r>
-            <a:r>
-              <a:rPr lang="en-GB" i="1" dirty="0"/>
-              <a:t>n</a:t>
-            </a:r>
-            <a:r>
-              <a:rPr lang="en-GB" dirty="0"/>
-              <a:t> </a:t>
-            </a:r>
-            <a:r>
-              <a:rPr lang="en-GB" dirty="0" err="1"/>
-              <a:t>dobbelsteenworpen</a:t>
-            </a:r>
-            <a:r>
-              <a:rPr lang="en-GB" dirty="0"/>
-              <a:t> </a:t>
-            </a:r>
-            <a:r>
-              <a:rPr lang="en-GB" dirty="0" err="1"/>
-              <a:t>te</a:t>
-            </a:r>
-            <a:r>
-              <a:rPr lang="en-GB" dirty="0"/>
-              <a:t> </a:t>
-            </a:r>
-            <a:r>
-              <a:rPr lang="en-GB" dirty="0" err="1"/>
-              <a:t>simuleren</a:t>
-            </a:r>
-            <a:r>
-              <a:rPr lang="en-GB" dirty="0"/>
-              <a:t>.</a:t>
+              <a:rPr lang="en-GB" dirty="0"/>
+              <a:t>Law of Large Numbers:</a:t>
             </a:r>
           </a:p>
           <a:p>
-            <a:r>
-              <a:rPr lang="en-GB" dirty="0" err="1"/>
-              <a:t>Bereken</a:t>
-            </a:r>
-            <a:r>
-              <a:rPr lang="en-GB" dirty="0"/>
-              <a:t> de </a:t>
-            </a:r>
-            <a:r>
-              <a:rPr lang="en-GB" dirty="0" err="1"/>
-              <a:t>totale</a:t>
+            <a:pPr marL="0" indent="0">
+              <a:buNone/>
+            </a:pPr>
+            <a:r>
+              <a:rPr lang="en-GB" dirty="0"/>
+              <a:t>De sample mean </a:t>
+            </a:r>
+            <a:r>
+              <a:rPr lang="en-GB" dirty="0" err="1"/>
+              <a:t>convergeert</a:t>
             </a:r>
             <a:r>
               <a:rPr lang="en-GB" dirty="0"/>
@@ -16740,15 +20063,26 @@
             </a:r>
             <a:r>
               <a:rPr lang="en-GB" dirty="0" err="1"/>
-              <a:t>som</a:t>
-            </a:r>
-            <a:r>
-              <a:rPr lang="en-GB" dirty="0"/>
-              <a:t> van het </a:t>
-            </a:r>
-            <a:r>
-              <a:rPr lang="en-GB" dirty="0" err="1"/>
-              <a:t>aantal</a:t>
+              <a:t>naar</a:t>
+            </a:r>
+            <a:br>
+              <a:rPr lang="en-GB" dirty="0"/>
+            </a:br>
+            <a:r>
+              <a:rPr lang="en-GB" dirty="0"/>
+              <a:t>de </a:t>
+            </a:r>
+            <a:r>
+              <a:rPr lang="en-GB" dirty="0" err="1"/>
+              <a:t>echte</a:t>
+            </a:r>
+            <a:r>
+              <a:rPr lang="en-GB" dirty="0"/>
+              <a:t> mean </a:t>
+            </a:r>
+            <a:r>
+              <a:rPr lang="en-GB" dirty="0" err="1"/>
+              <a:t>voor</a:t>
             </a:r>
             <a:r>
               <a:rPr lang="en-GB" dirty="0"/>
@@ -16756,99 +20090,64 @@
             </a:r>
             <a:r>
               <a:rPr lang="en-GB" dirty="0" err="1"/>
-              <a:t>geworpen</a:t>
-            </a:r>
-            <a:r>
-              <a:rPr lang="en-GB" dirty="0"/>
-              <a:t> </a:t>
-            </a:r>
-            <a:r>
-              <a:rPr lang="en-GB" dirty="0" err="1"/>
-              <a:t>ogen</a:t>
-            </a:r>
-            <a:r>
-              <a:rPr lang="en-GB" dirty="0"/>
-              <a:t>.</a:t>
-            </a:r>
+              <a:t>voldoende</a:t>
+            </a:r>
+            <a:r>
+              <a:rPr lang="en-GB" dirty="0"/>
+              <a:t> samples.</a:t>
+            </a:r>
+            <a:br>
+              <a:rPr lang="en-GB" dirty="0"/>
+            </a:br>
+            <a:endParaRPr lang="en-GB" dirty="0"/>
           </a:p>
           <a:p>
-            <a:r>
-              <a:rPr lang="en-GB" dirty="0" err="1"/>
-              <a:t>Bekijk</a:t>
-            </a:r>
-            <a:r>
-              <a:rPr lang="en-GB" dirty="0"/>
-              <a:t> hoe de </a:t>
-            </a:r>
-            <a:r>
-              <a:rPr lang="en-GB" dirty="0" err="1"/>
-              <a:t>verdeling</a:t>
-            </a:r>
-            <a:r>
-              <a:rPr lang="en-GB" dirty="0"/>
-              <a:t> van </a:t>
-            </a:r>
-            <a:r>
-              <a:rPr lang="en-GB" dirty="0" err="1"/>
-              <a:t>dit</a:t>
-            </a:r>
-            <a:r>
-              <a:rPr lang="en-GB" dirty="0"/>
-              <a:t> </a:t>
-            </a:r>
-            <a:r>
-              <a:rPr lang="en-GB" dirty="0" err="1"/>
-              <a:t>totaal</a:t>
-            </a:r>
-            <a:r>
-              <a:rPr lang="en-GB" dirty="0"/>
-              <a:t> </a:t>
-            </a:r>
-            <a:r>
-              <a:rPr lang="en-GB" dirty="0" err="1"/>
-              <a:t>aantal</a:t>
-            </a:r>
-            <a:r>
-              <a:rPr lang="en-GB" dirty="0"/>
-              <a:t> </a:t>
-            </a:r>
-            <a:r>
-              <a:rPr lang="en-GB" dirty="0" err="1"/>
-              <a:t>geworpen</a:t>
-            </a:r>
-            <a:r>
-              <a:rPr lang="en-GB" dirty="0"/>
-              <a:t> </a:t>
-            </a:r>
-            <a:r>
-              <a:rPr lang="en-GB" dirty="0" err="1"/>
-              <a:t>ogen</a:t>
-            </a:r>
-            <a:r>
-              <a:rPr lang="en-GB" dirty="0"/>
-              <a:t> </a:t>
-            </a:r>
-            <a:r>
-              <a:rPr lang="en-GB" dirty="0" err="1"/>
-              <a:t>evolueert</a:t>
-            </a:r>
-            <a:r>
-              <a:rPr lang="en-GB" dirty="0"/>
-              <a:t>.</a:t>
-            </a:r>
+            <a:pPr marL="0" indent="0">
+              <a:buNone/>
+            </a:pPr>
+            <a:endParaRPr lang="en-GB" dirty="0"/>
           </a:p>
           <a:p>
             <a:r>
-              <a:rPr lang="en-GB" dirty="0" err="1"/>
-              <a:t>Bekijk</a:t>
-            </a:r>
-            <a:r>
-              <a:rPr lang="en-GB" dirty="0"/>
-              <a:t> nu hoe de CLS </a:t>
-            </a:r>
-            <a:r>
-              <a:rPr lang="en-GB" dirty="0" err="1"/>
-              <a:t>ook</a:t>
+              <a:rPr lang="en-GB" dirty="0"/>
+              <a:t>Centrale </a:t>
+            </a:r>
+            <a:r>
+              <a:rPr lang="en-GB" dirty="0" err="1"/>
+              <a:t>limietstelling</a:t>
+            </a:r>
+            <a:r>
+              <a:rPr lang="en-GB" dirty="0"/>
+              <a:t>:</a:t>
+            </a:r>
+          </a:p>
+          <a:p>
+            <a:pPr marL="0" indent="0">
+              <a:buNone/>
+            </a:pPr>
+            <a:r>
+              <a:rPr lang="en-GB" dirty="0"/>
+              <a:t>De </a:t>
+            </a:r>
+            <a:r>
+              <a:rPr lang="en-GB" i="1" dirty="0" err="1"/>
+              <a:t>verdeling</a:t>
+            </a:r>
+            <a:r>
+              <a:rPr lang="en-GB" dirty="0"/>
+              <a:t> van de </a:t>
+            </a:r>
+            <a:r>
+              <a:rPr lang="en-GB" dirty="0" err="1"/>
+              <a:t>berekende</a:t>
+            </a:r>
+            <a:r>
+              <a:rPr lang="en-GB" dirty="0"/>
+              <a:t> sample means </a:t>
+            </a:r>
+            <a:r>
+              <a:rPr lang="en-GB" dirty="0" err="1"/>
+              <a:t>convergeert</a:t>
             </a:r>
             <a:r>
               <a:rPr lang="en-GB" dirty="0"/>
@@ -16856,27 +20155,321 @@
             </a:r>
             <a:r>
               <a:rPr lang="en-GB" dirty="0" err="1"/>
-              <a:t>hier</a:t>
-            </a:r>
-            <a:r>
-              <a:rPr lang="en-GB" dirty="0"/>
-              <a:t> van </a:t>
-            </a:r>
-            <a:r>
-              <a:rPr lang="en-GB" dirty="0" err="1"/>
-              <a:t>toepassing</a:t>
-            </a:r>
-            <a:r>
-              <a:rPr lang="en-GB" dirty="0"/>
-              <a:t> is.</a:t>
+              <a:t>naar</a:t>
+            </a:r>
+            <a:r>
+              <a:rPr lang="en-GB" dirty="0"/>
+              <a:t> de </a:t>
+            </a:r>
+            <a:r>
+              <a:rPr lang="en-GB" dirty="0" err="1"/>
+              <a:t>normale</a:t>
+            </a:r>
+            <a:r>
+              <a:rPr lang="en-GB" dirty="0"/>
+              <a:t> </a:t>
+            </a:r>
+            <a:r>
+              <a:rPr lang="en-GB" dirty="0" err="1"/>
+              <a:t>verdeling</a:t>
+            </a:r>
+            <a:r>
+              <a:rPr lang="en-GB" dirty="0"/>
+              <a:t>.</a:t>
             </a:r>
           </a:p>
         </p:txBody>
       </p:sp>
+      <p:pic>
+        <p:nvPicPr>
+          <p:cNvPr id="4" name="Content Placeholder 3">
+            <a:extLst>
+              <a:ext uri="{FF2B5EF4-FFF2-40B4-BE49-F238E27FC236}">
+                <a16:creationId xmlns:a16="http://schemas.microsoft.com/office/drawing/2014/main" id="{481FB7EE-D87F-2999-0544-ABF52268A867}"/>
+              </a:ext>
+            </a:extLst>
+          </p:cNvPr>
+          <p:cNvPicPr>
+            <a:picLocks noChangeAspect="1"/>
+          </p:cNvPicPr>
+          <p:nvPr/>
+        </p:nvPicPr>
+        <p:blipFill>
+          <a:blip r:embed="rId2"/>
+          <a:stretch>
+            <a:fillRect/>
+          </a:stretch>
+        </p:blipFill>
+        <p:spPr>
+          <a:xfrm>
+            <a:off x="7054318" y="155433"/>
+            <a:ext cx="4896578" cy="3852863"/>
+          </a:xfrm>
+          <a:prstGeom prst="rect">
+            <a:avLst/>
+          </a:prstGeom>
+        </p:spPr>
+      </p:pic>
+      <mc:AlternateContent xmlns:mc="http://schemas.openxmlformats.org/markup-compatibility/2006">
+        <mc:Choice xmlns:a14="http://schemas.microsoft.com/office/drawing/2010/main" Requires="a14">
+          <p:sp>
+            <p:nvSpPr>
+              <p:cNvPr id="5" name="TextBox 4">
+                <a:extLst>
+                  <a:ext uri="{FF2B5EF4-FFF2-40B4-BE49-F238E27FC236}">
+                    <a16:creationId xmlns:a16="http://schemas.microsoft.com/office/drawing/2014/main" id="{67093AA9-A960-E578-B4BF-4133AF4E1C8C}"/>
+                  </a:ext>
+                </a:extLst>
+              </p:cNvPr>
+              <p:cNvSpPr txBox="1"/>
+              <p:nvPr/>
+            </p:nvSpPr>
+            <p:spPr>
+              <a:xfrm>
+                <a:off x="7412805" y="2522662"/>
+                <a:ext cx="2361287" cy="276999"/>
+              </a:xfrm>
+              <a:prstGeom prst="rect">
+                <a:avLst/>
+              </a:prstGeom>
+              <a:noFill/>
+            </p:spPr>
+            <p:txBody>
+              <a:bodyPr wrap="none" lIns="0" tIns="0" rIns="0" bIns="0" rtlCol="0">
+                <a:spAutoFit/>
+              </a:bodyPr>
+              <a:lstStyle/>
+              <a:p>
+                <a14:m>
+                  <m:oMath xmlns:m="http://schemas.openxmlformats.org/officeDocument/2006/math">
+                    <m:r>
+                      <a:rPr lang="en-US" b="0" i="1" smtClean="0">
+                        <a:latin typeface="Cambria Math" panose="02040503050406030204" pitchFamily="18" charset="0"/>
+                      </a:rPr>
+                      <m:t>𝜇</m:t>
+                    </m:r>
+                    <m:r>
+                      <a:rPr lang="en-US" b="0" i="0" smtClean="0">
+                        <a:latin typeface="Cambria Math" panose="02040503050406030204" pitchFamily="18" charset="0"/>
+                      </a:rPr>
+                      <m:t>, </m:t>
+                    </m:r>
+                    <m:r>
+                      <m:rPr>
+                        <m:sty m:val="p"/>
+                      </m:rPr>
+                      <a:rPr lang="en-US" b="0" i="0" smtClean="0">
+                        <a:latin typeface="Cambria Math" panose="02040503050406030204" pitchFamily="18" charset="0"/>
+                      </a:rPr>
+                      <m:t>h</m:t>
+                    </m:r>
+                  </m:oMath>
+                </a14:m>
+                <a:r>
+                  <a:rPr lang="en-GB" dirty="0"/>
+                  <a:t>et </a:t>
+                </a:r>
+                <a:r>
+                  <a:rPr lang="en-GB" dirty="0" err="1"/>
+                  <a:t>echte</a:t>
+                </a:r>
+                <a:r>
+                  <a:rPr lang="en-GB" dirty="0"/>
+                  <a:t> </a:t>
+                </a:r>
+                <a:r>
+                  <a:rPr lang="en-GB" dirty="0" err="1"/>
+                  <a:t>gemiddelde</a:t>
+                </a:r>
+                <a:endParaRPr lang="en-GB" dirty="0"/>
+              </a:p>
+            </p:txBody>
+          </p:sp>
+        </mc:Choice>
+        <mc:Fallback>
+          <p:sp>
+            <p:nvSpPr>
+              <p:cNvPr id="5" name="TextBox 4">
+                <a:extLst>
+                  <a:ext uri="{FF2B5EF4-FFF2-40B4-BE49-F238E27FC236}">
+                    <a16:creationId xmlns:a16="http://schemas.microsoft.com/office/drawing/2014/main" id="{67093AA9-A960-E578-B4BF-4133AF4E1C8C}"/>
+                  </a:ext>
+                </a:extLst>
+              </p:cNvPr>
+              <p:cNvSpPr txBox="1">
+                <a:spLocks noRot="1" noChangeAspect="1" noMove="1" noResize="1" noEditPoints="1" noAdjustHandles="1" noChangeArrowheads="1" noChangeShapeType="1" noTextEdit="1"/>
+              </p:cNvSpPr>
+              <p:nvPr/>
+            </p:nvSpPr>
+            <p:spPr>
+              <a:xfrm>
+                <a:off x="7412805" y="2522662"/>
+                <a:ext cx="2361287" cy="276999"/>
+              </a:xfrm>
+              <a:prstGeom prst="rect">
+                <a:avLst/>
+              </a:prstGeom>
+              <a:blipFill>
+                <a:blip r:embed="rId3"/>
+                <a:stretch>
+                  <a:fillRect l="-3359" t="-28889" r="-2326" b="-51111"/>
+                </a:stretch>
+              </a:blipFill>
+            </p:spPr>
+            <p:txBody>
+              <a:bodyPr/>
+              <a:lstStyle/>
+              <a:p>
+                <a:r>
+                  <a:rPr lang="en-GB">
+                    <a:noFill/>
+                  </a:rPr>
+                  <a:t> </a:t>
+                </a:r>
+              </a:p>
+            </p:txBody>
+          </p:sp>
+        </mc:Fallback>
+      </mc:AlternateContent>
+      <mc:AlternateContent xmlns:mc="http://schemas.openxmlformats.org/markup-compatibility/2006">
+        <mc:Choice xmlns:a14="http://schemas.microsoft.com/office/drawing/2010/main" Requires="a14">
+          <p:sp>
+            <p:nvSpPr>
+              <p:cNvPr id="6" name="TextBox 5">
+                <a:extLst>
+                  <a:ext uri="{FF2B5EF4-FFF2-40B4-BE49-F238E27FC236}">
+                    <a16:creationId xmlns:a16="http://schemas.microsoft.com/office/drawing/2014/main" id="{CECE9829-01DC-7533-E2C9-B95B33BF97EB}"/>
+                  </a:ext>
+                </a:extLst>
+              </p:cNvPr>
+              <p:cNvSpPr txBox="1"/>
+              <p:nvPr/>
+            </p:nvSpPr>
+            <p:spPr>
+              <a:xfrm>
+                <a:off x="10431695" y="2107163"/>
+                <a:ext cx="4423262" cy="553998"/>
+              </a:xfrm>
+              <a:prstGeom prst="rect">
+                <a:avLst/>
+              </a:prstGeom>
+              <a:noFill/>
+            </p:spPr>
+            <p:txBody>
+              <a:bodyPr wrap="square" lIns="0" tIns="0" rIns="0" bIns="0" rtlCol="0">
+                <a:spAutoFit/>
+              </a:bodyPr>
+              <a:lstStyle/>
+              <a:p>
+                <a14:m>
+                  <m:oMath xmlns:m="http://schemas.openxmlformats.org/officeDocument/2006/math">
+                    <m:acc>
+                      <m:accPr>
+                        <m:chr m:val="̅"/>
+                        <m:ctrlPr>
+                          <a:rPr lang="en-US" b="0" i="1" smtClean="0">
+                            <a:latin typeface="Cambria Math" panose="02040503050406030204" pitchFamily="18" charset="0"/>
+                          </a:rPr>
+                        </m:ctrlPr>
+                      </m:accPr>
+                      <m:e>
+                        <m:r>
+                          <a:rPr lang="en-US" b="0" i="1" smtClean="0">
+                            <a:latin typeface="Cambria Math" panose="02040503050406030204" pitchFamily="18" charset="0"/>
+                          </a:rPr>
+                          <m:t>𝑥</m:t>
+                        </m:r>
+                      </m:e>
+                    </m:acc>
+                    <m:r>
+                      <a:rPr lang="en-US" b="0" i="0" smtClean="0">
+                        <a:latin typeface="Cambria Math" panose="02040503050406030204" pitchFamily="18" charset="0"/>
+                      </a:rPr>
+                      <m:t>, </m:t>
+                    </m:r>
+                    <m:r>
+                      <m:rPr>
+                        <m:sty m:val="p"/>
+                      </m:rPr>
+                      <a:rPr lang="en-US" b="0" i="0" smtClean="0">
+                        <a:latin typeface="Cambria Math" panose="02040503050406030204" pitchFamily="18" charset="0"/>
+                      </a:rPr>
+                      <m:t>h</m:t>
+                    </m:r>
+                  </m:oMath>
+                </a14:m>
+                <a:r>
+                  <a:rPr lang="en-GB" dirty="0"/>
+                  <a:t>et </a:t>
+                </a:r>
+                <a:r>
+                  <a:rPr lang="en-GB" dirty="0" err="1"/>
+                  <a:t>gemiddelde</a:t>
+                </a:r>
+                <a:r>
+                  <a:rPr lang="en-GB" dirty="0"/>
+                  <a:t> </a:t>
+                </a:r>
+                <a:br>
+                  <a:rPr lang="en-GB" dirty="0"/>
+                </a:br>
+                <a:r>
+                  <a:rPr lang="en-GB" dirty="0"/>
+                  <a:t>van de sample</a:t>
+                </a:r>
+              </a:p>
+            </p:txBody>
+          </p:sp>
+        </mc:Choice>
+        <mc:Fallback>
+          <p:sp>
+            <p:nvSpPr>
+              <p:cNvPr id="6" name="TextBox 5">
+                <a:extLst>
+                  <a:ext uri="{FF2B5EF4-FFF2-40B4-BE49-F238E27FC236}">
+                    <a16:creationId xmlns:a16="http://schemas.microsoft.com/office/drawing/2014/main" id="{CECE9829-01DC-7533-E2C9-B95B33BF97EB}"/>
+                  </a:ext>
+                </a:extLst>
+              </p:cNvPr>
+              <p:cNvSpPr txBox="1">
+                <a:spLocks noRot="1" noChangeAspect="1" noMove="1" noResize="1" noEditPoints="1" noAdjustHandles="1" noChangeArrowheads="1" noChangeShapeType="1" noTextEdit="1"/>
+              </p:cNvSpPr>
+              <p:nvPr/>
+            </p:nvSpPr>
+            <p:spPr>
+              <a:xfrm>
+                <a:off x="10431695" y="2107163"/>
+                <a:ext cx="4423262" cy="553998"/>
+              </a:xfrm>
+              <a:prstGeom prst="rect">
+                <a:avLst/>
+              </a:prstGeom>
+              <a:blipFill>
+                <a:blip r:embed="rId4"/>
+                <a:stretch>
+                  <a:fillRect l="-3168" t="-14286" b="-24176"/>
+                </a:stretch>
+              </a:blipFill>
+            </p:spPr>
+            <p:txBody>
+              <a:bodyPr/>
+              <a:lstStyle/>
+              <a:p>
+                <a:r>
+                  <a:rPr lang="en-GB">
+                    <a:noFill/>
+                  </a:rPr>
+                  <a:t> </a:t>
+                </a:r>
+              </a:p>
+            </p:txBody>
+          </p:sp>
+        </mc:Fallback>
+      </mc:AlternateContent>
     </p:spTree>
     <p:extLst>
       <p:ext uri="{BB962C8B-B14F-4D97-AF65-F5344CB8AC3E}">
-        <p14:creationId xmlns:p14="http://schemas.microsoft.com/office/powerpoint/2010/main" val="4288119596"/>
+        <p14:creationId xmlns:p14="http://schemas.microsoft.com/office/powerpoint/2010/main" val="2696556981"/>
       </p:ext>
     </p:extLst>
   </p:cSld>
@@ -16889,7 +20482,7 @@
 </p:sld>
 </file>
 
-<file path=ppt/slides/slide18.xml><?xml version="1.0" encoding="utf-8"?>
+<file path=ppt/slides/slide23.xml><?xml version="1.0" encoding="utf-8"?>
 <p:sld xmlns:a="http://schemas.openxmlformats.org/drawingml/2006/main" xmlns:r="http://schemas.openxmlformats.org/officeDocument/2006/relationships" xmlns:p="http://schemas.openxmlformats.org/presentationml/2006/main">
   <p:cSld>
     <p:spTree>
@@ -16957,7 +20550,7 @@
 </p:sld>
 </file>
 
-<file path=ppt/slides/slide19.xml><?xml version="1.0" encoding="utf-8"?>
+<file path=ppt/slides/slide24.xml><?xml version="1.0" encoding="utf-8"?>
 <p:sld xmlns:a="http://schemas.openxmlformats.org/drawingml/2006/main" xmlns:r="http://schemas.openxmlformats.org/officeDocument/2006/relationships" xmlns:p="http://schemas.openxmlformats.org/presentationml/2006/main">
   <p:cSld>
     <p:spTree>
@@ -17181,75 +20774,7 @@
 </p:sld>
 </file>
 
-<file path=ppt/slides/slide2.xml><?xml version="1.0" encoding="utf-8"?>
-<p:sld xmlns:a="http://schemas.openxmlformats.org/drawingml/2006/main" xmlns:r="http://schemas.openxmlformats.org/officeDocument/2006/relationships" xmlns:p="http://schemas.openxmlformats.org/presentationml/2006/main">
-  <p:cSld>
-    <p:spTree>
-      <p:nvGrpSpPr>
-        <p:cNvPr id="1" name=""/>
-        <p:cNvGrpSpPr/>
-        <p:nvPr/>
-      </p:nvGrpSpPr>
-      <p:grpSpPr>
-        <a:xfrm>
-          <a:off x="0" y="0"/>
-          <a:ext cx="0" cy="0"/>
-          <a:chOff x="0" y="0"/>
-          <a:chExt cx="0" cy="0"/>
-        </a:xfrm>
-      </p:grpSpPr>
-      <p:sp>
-        <p:nvSpPr>
-          <p:cNvPr id="5" name="Title 2">
-            <a:extLst>
-              <a:ext uri="{FF2B5EF4-FFF2-40B4-BE49-F238E27FC236}">
-                <a16:creationId xmlns:a16="http://schemas.microsoft.com/office/drawing/2014/main" id="{064A51AF-D729-194D-8079-0110ED3A4EA6}"/>
-              </a:ext>
-            </a:extLst>
-          </p:cNvPr>
-          <p:cNvSpPr>
-            <a:spLocks noGrp="1"/>
-          </p:cNvSpPr>
-          <p:nvPr>
-            <p:ph type="title"/>
-          </p:nvPr>
-        </p:nvSpPr>
-        <p:spPr>
-          <a:xfrm>
-            <a:off x="360000" y="360000"/>
-            <a:ext cx="11225885" cy="598970"/>
-          </a:xfrm>
-        </p:spPr>
-        <p:txBody>
-          <a:bodyPr>
-            <a:noAutofit/>
-          </a:bodyPr>
-          <a:lstStyle/>
-          <a:p>
-            <a:r>
-              <a:rPr lang="en-US" dirty="0"/>
-              <a:t>Sampling choices</a:t>
-            </a:r>
-          </a:p>
-        </p:txBody>
-      </p:sp>
-    </p:spTree>
-    <p:extLst>
-      <p:ext uri="{BB962C8B-B14F-4D97-AF65-F5344CB8AC3E}">
-        <p14:creationId xmlns:p14="http://schemas.microsoft.com/office/powerpoint/2010/main" val="1466952878"/>
-      </p:ext>
-    </p:extLst>
-  </p:cSld>
-  <p:clrMapOvr>
-    <a:masterClrMapping/>
-  </p:clrMapOvr>
-  <p:transition spd="slow">
-    <p:push dir="u"/>
-  </p:transition>
-</p:sld>
-</file>
-
-<file path=ppt/slides/slide20.xml><?xml version="1.0" encoding="utf-8"?>
+<file path=ppt/slides/slide25.xml><?xml version="1.0" encoding="utf-8"?>
 <p:sld xmlns:a="http://schemas.openxmlformats.org/drawingml/2006/main" xmlns:r="http://schemas.openxmlformats.org/officeDocument/2006/relationships" xmlns:p="http://schemas.openxmlformats.org/presentationml/2006/main">
   <p:cSld>
     <p:spTree>
@@ -17889,7 +21414,7 @@
 </p:sld>
 </file>
 
-<file path=ppt/slides/slide21.xml><?xml version="1.0" encoding="utf-8"?>
+<file path=ppt/slides/slide26.xml><?xml version="1.0" encoding="utf-8"?>
 <p:sld xmlns:a="http://schemas.openxmlformats.org/drawingml/2006/main" xmlns:r="http://schemas.openxmlformats.org/officeDocument/2006/relationships" xmlns:p="http://schemas.openxmlformats.org/presentationml/2006/main">
   <p:cSld>
     <p:spTree>
@@ -18279,7 +21804,13 @@
                       <a:rPr lang="en-GB" i="1" dirty="0" smtClean="0">
                         <a:latin typeface="Cambria Math" panose="02040503050406030204" pitchFamily="18" charset="0"/>
                       </a:rPr>
-                      <m:t>95%</m:t>
+                      <m:t>95</m:t>
+                    </m:r>
+                    <m:r>
+                      <a:rPr lang="en-GB" i="1" dirty="0" smtClean="0">
+                        <a:latin typeface="Cambria Math" panose="02040503050406030204" pitchFamily="18" charset="0"/>
+                      </a:rPr>
+                      <m:t>%</m:t>
                     </m:r>
                   </m:oMath>
                 </a14:m>
@@ -18332,7 +21863,55 @@
                         <a:rPr lang="en-US" b="0" i="1" smtClean="0">
                           <a:latin typeface="Cambria Math" panose="02040503050406030204" pitchFamily="18" charset="0"/>
                         </a:rPr>
-                        <m:t>[9.4, 10.6]</m:t>
+                        <m:t>[</m:t>
+                      </m:r>
+                      <m:r>
+                        <a:rPr lang="en-US" b="0" i="1" smtClean="0">
+                          <a:latin typeface="Cambria Math" panose="02040503050406030204" pitchFamily="18" charset="0"/>
+                        </a:rPr>
+                        <m:t>9</m:t>
+                      </m:r>
+                      <m:r>
+                        <a:rPr lang="en-US" b="0" i="1" smtClean="0">
+                          <a:latin typeface="Cambria Math" panose="02040503050406030204" pitchFamily="18" charset="0"/>
+                        </a:rPr>
+                        <m:t>.</m:t>
+                      </m:r>
+                      <m:r>
+                        <a:rPr lang="en-US" b="0" i="1" smtClean="0">
+                          <a:latin typeface="Cambria Math" panose="02040503050406030204" pitchFamily="18" charset="0"/>
+                        </a:rPr>
+                        <m:t>4</m:t>
+                      </m:r>
+                      <m:r>
+                        <a:rPr lang="en-US" b="0" i="1" smtClean="0">
+                          <a:latin typeface="Cambria Math" panose="02040503050406030204" pitchFamily="18" charset="0"/>
+                        </a:rPr>
+                        <m:t>, </m:t>
+                      </m:r>
+                      <m:r>
+                        <a:rPr lang="en-US" b="0" i="1" smtClean="0">
+                          <a:latin typeface="Cambria Math" panose="02040503050406030204" pitchFamily="18" charset="0"/>
+                        </a:rPr>
+                        <m:t>10</m:t>
+                      </m:r>
+                      <m:r>
+                        <a:rPr lang="en-US" b="0" i="1" smtClean="0">
+                          <a:latin typeface="Cambria Math" panose="02040503050406030204" pitchFamily="18" charset="0"/>
+                        </a:rPr>
+                        <m:t>.</m:t>
+                      </m:r>
+                      <m:r>
+                        <a:rPr lang="en-US" b="0" i="1" smtClean="0">
+                          <a:latin typeface="Cambria Math" panose="02040503050406030204" pitchFamily="18" charset="0"/>
+                        </a:rPr>
+                        <m:t>6</m:t>
+                      </m:r>
+                      <m:r>
+                        <a:rPr lang="en-US" b="0" i="1" smtClean="0">
+                          <a:latin typeface="Cambria Math" panose="02040503050406030204" pitchFamily="18" charset="0"/>
+                        </a:rPr>
+                        <m:t>]</m:t>
                       </m:r>
                     </m:oMath>
                   </m:oMathPara>
@@ -18664,7 +22243,7 @@
 </p:sld>
 </file>
 
-<file path=ppt/slides/slide22.xml><?xml version="1.0" encoding="utf-8"?>
+<file path=ppt/slides/slide27.xml><?xml version="1.0" encoding="utf-8"?>
 <p:sld xmlns:a="http://schemas.openxmlformats.org/drawingml/2006/main" xmlns:r="http://schemas.openxmlformats.org/officeDocument/2006/relationships" xmlns:p="http://schemas.openxmlformats.org/presentationml/2006/main">
   <p:cSld>
     <p:spTree>
@@ -19620,7 +23199,7 @@
 </p:sld>
 </file>
 
-<file path=ppt/slides/slide23.xml><?xml version="1.0" encoding="utf-8"?>
+<file path=ppt/slides/slide28.xml><?xml version="1.0" encoding="utf-8"?>
 <p:sld xmlns:a="http://schemas.openxmlformats.org/drawingml/2006/main" xmlns:r="http://schemas.openxmlformats.org/officeDocument/2006/relationships" xmlns:p="http://schemas.openxmlformats.org/presentationml/2006/main">
   <p:cSld>
     <p:spTree>
@@ -19710,7 +23289,7 @@
 </p:sld>
 </file>
 
-<file path=ppt/slides/slide24.xml><?xml version="1.0" encoding="utf-8"?>
+<file path=ppt/slides/slide29.xml><?xml version="1.0" encoding="utf-8"?>
 <p:sld xmlns:a="http://schemas.openxmlformats.org/drawingml/2006/main" xmlns:r="http://schemas.openxmlformats.org/officeDocument/2006/relationships" xmlns:p="http://schemas.openxmlformats.org/presentationml/2006/main">
   <p:cSld>
     <p:spTree>
@@ -19919,7 +23498,159 @@
 </p:sld>
 </file>
 
-<file path=ppt/slides/slide25.xml><?xml version="1.0" encoding="utf-8"?>
+<file path=ppt/slides/slide3.xml><?xml version="1.0" encoding="utf-8"?>
+<p:sld xmlns:a="http://schemas.openxmlformats.org/drawingml/2006/main" xmlns:r="http://schemas.openxmlformats.org/officeDocument/2006/relationships" xmlns:p="http://schemas.openxmlformats.org/presentationml/2006/main">
+  <p:cSld>
+    <p:spTree>
+      <p:nvGrpSpPr>
+        <p:cNvPr id="1" name=""/>
+        <p:cNvGrpSpPr/>
+        <p:nvPr/>
+      </p:nvGrpSpPr>
+      <p:grpSpPr>
+        <a:xfrm>
+          <a:off x="0" y="0"/>
+          <a:ext cx="0" cy="0"/>
+          <a:chOff x="0" y="0"/>
+          <a:chExt cx="0" cy="0"/>
+        </a:xfrm>
+      </p:grpSpPr>
+      <p:sp>
+        <p:nvSpPr>
+          <p:cNvPr id="2" name="Title 1">
+            <a:extLst>
+              <a:ext uri="{FF2B5EF4-FFF2-40B4-BE49-F238E27FC236}">
+                <a16:creationId xmlns:a16="http://schemas.microsoft.com/office/drawing/2014/main" id="{12D25AD4-A6AC-4A9D-F665-60E6AB2E47F3}"/>
+              </a:ext>
+            </a:extLst>
+          </p:cNvPr>
+          <p:cNvSpPr>
+            <a:spLocks noGrp="1"/>
+          </p:cNvSpPr>
+          <p:nvPr>
+            <p:ph type="title"/>
+          </p:nvPr>
+        </p:nvSpPr>
+        <p:spPr/>
+        <p:txBody>
+          <a:bodyPr/>
+          <a:lstStyle/>
+          <a:p>
+            <a:r>
+              <a:rPr lang="en-GB" dirty="0"/>
+              <a:t>With vs without replacement</a:t>
+            </a:r>
+          </a:p>
+        </p:txBody>
+      </p:sp>
+      <p:sp>
+        <p:nvSpPr>
+          <p:cNvPr id="4" name="Content Placeholder 3">
+            <a:extLst>
+              <a:ext uri="{FF2B5EF4-FFF2-40B4-BE49-F238E27FC236}">
+                <a16:creationId xmlns:a16="http://schemas.microsoft.com/office/drawing/2014/main" id="{B07DCF8E-A00B-5839-035C-78D97740B9B3}"/>
+              </a:ext>
+            </a:extLst>
+          </p:cNvPr>
+          <p:cNvSpPr>
+            <a:spLocks noGrp="1"/>
+          </p:cNvSpPr>
+          <p:nvPr>
+            <p:ph idx="1"/>
+          </p:nvPr>
+        </p:nvSpPr>
+        <p:spPr/>
+        <p:txBody>
+          <a:bodyPr/>
+          <a:lstStyle/>
+          <a:p>
+            <a:r>
+              <a:rPr lang="en-GB" dirty="0"/>
+              <a:t>With replacement: every chosen element is put back into the dataset directly and can be chosen again.</a:t>
+            </a:r>
+            <a:br>
+              <a:rPr lang="en-GB" dirty="0"/>
+            </a:br>
+            <a:r>
+              <a:rPr lang="en-GB" dirty="0" err="1"/>
+              <a:t>Vb</a:t>
+            </a:r>
+            <a:r>
+              <a:rPr lang="en-GB" dirty="0"/>
+              <a:t>: </a:t>
+            </a:r>
+            <a:r>
+              <a:rPr lang="en-GB" dirty="0" err="1"/>
+              <a:t>roulettetafel</a:t>
+            </a:r>
+            <a:r>
+              <a:rPr lang="en-GB" dirty="0"/>
+              <a:t>, </a:t>
+            </a:r>
+            <a:r>
+              <a:rPr lang="en-GB" dirty="0" err="1"/>
+              <a:t>dobbelsteen</a:t>
+            </a:r>
+            <a:r>
+              <a:rPr lang="en-GB" dirty="0"/>
+              <a:t> </a:t>
+            </a:r>
+            <a:r>
+              <a:rPr lang="en-GB" dirty="0" err="1"/>
+              <a:t>gooien</a:t>
+            </a:r>
+            <a:r>
+              <a:rPr lang="en-GB" dirty="0"/>
+              <a:t>, …</a:t>
+            </a:r>
+          </a:p>
+          <a:p>
+            <a:endParaRPr lang="en-GB" dirty="0"/>
+          </a:p>
+          <a:p>
+            <a:r>
+              <a:rPr lang="en-GB" dirty="0"/>
+              <a:t>Without replacement: every chosen element is removed from the dataset such that it can not be selected again.</a:t>
+            </a:r>
+            <a:br>
+              <a:rPr lang="en-GB" dirty="0"/>
+            </a:br>
+            <a:r>
+              <a:rPr lang="en-GB" dirty="0" err="1"/>
+              <a:t>Vb</a:t>
+            </a:r>
+            <a:r>
+              <a:rPr lang="en-GB" dirty="0"/>
+              <a:t>: </a:t>
+            </a:r>
+            <a:r>
+              <a:rPr lang="en-GB" dirty="0" err="1"/>
+              <a:t>lottogetallen</a:t>
+            </a:r>
+            <a:r>
+              <a:rPr lang="en-GB" dirty="0"/>
+              <a:t>, bingo,…</a:t>
+            </a:r>
+          </a:p>
+        </p:txBody>
+      </p:sp>
+    </p:spTree>
+    <p:extLst>
+      <p:ext uri="{BB962C8B-B14F-4D97-AF65-F5344CB8AC3E}">
+        <p14:creationId xmlns:p14="http://schemas.microsoft.com/office/powerpoint/2010/main" val="1941473771"/>
+      </p:ext>
+    </p:extLst>
+  </p:cSld>
+  <p:clrMapOvr>
+    <a:masterClrMapping/>
+  </p:clrMapOvr>
+  <p:transition spd="slow">
+    <p:push dir="u"/>
+  </p:transition>
+</p:sld>
+</file>
+
+<file path=ppt/slides/slide30.xml><?xml version="1.0" encoding="utf-8"?>
 <p:sld xmlns:a="http://schemas.openxmlformats.org/drawingml/2006/main" xmlns:r="http://schemas.openxmlformats.org/officeDocument/2006/relationships" xmlns:p="http://schemas.openxmlformats.org/presentationml/2006/main">
   <p:cSld>
     <p:spTree>
@@ -20007,7 +23738,7 @@
 </p:sld>
 </file>
 
-<file path=ppt/slides/slide26.xml><?xml version="1.0" encoding="utf-8"?>
+<file path=ppt/slides/slide31.xml><?xml version="1.0" encoding="utf-8"?>
 <p:sld xmlns:a="http://schemas.openxmlformats.org/drawingml/2006/main" xmlns:r="http://schemas.openxmlformats.org/officeDocument/2006/relationships" xmlns:p="http://schemas.openxmlformats.org/presentationml/2006/main">
   <p:cSld>
     <p:spTree>
@@ -20663,7 +24394,7 @@
 </p:sld>
 </file>
 
-<file path=ppt/slides/slide27.xml><?xml version="1.0" encoding="utf-8"?>
+<file path=ppt/slides/slide32.xml><?xml version="1.0" encoding="utf-8"?>
 <p:sld xmlns:a="http://schemas.openxmlformats.org/drawingml/2006/main" xmlns:r="http://schemas.openxmlformats.org/officeDocument/2006/relationships" xmlns:p="http://schemas.openxmlformats.org/presentationml/2006/main">
   <p:cSld>
     <p:spTree>
@@ -21631,7 +25362,7 @@
 </p:sld>
 </file>
 
-<file path=ppt/slides/slide28.xml><?xml version="1.0" encoding="utf-8"?>
+<file path=ppt/slides/slide33.xml><?xml version="1.0" encoding="utf-8"?>
 <p:sld xmlns:a="http://schemas.openxmlformats.org/drawingml/2006/main" xmlns:r="http://schemas.openxmlformats.org/officeDocument/2006/relationships" xmlns:p="http://schemas.openxmlformats.org/presentationml/2006/main">
   <p:cSld>
     <p:spTree>
@@ -21695,7 +25426,7 @@
 </p:sld>
 </file>
 
-<file path=ppt/slides/slide29.xml><?xml version="1.0" encoding="utf-8"?>
+<file path=ppt/slides/slide34.xml><?xml version="1.0" encoding="utf-8"?>
 <p:sld xmlns:a="http://schemas.openxmlformats.org/drawingml/2006/main" xmlns:r="http://schemas.openxmlformats.org/officeDocument/2006/relationships" xmlns:p="http://schemas.openxmlformats.org/presentationml/2006/main">
   <p:cSld>
     <p:spTree>
@@ -22204,105 +25935,7 @@
 </p:sld>
 </file>
 
-<file path=ppt/slides/slide3.xml><?xml version="1.0" encoding="utf-8"?>
-<p:sld xmlns:a="http://schemas.openxmlformats.org/drawingml/2006/main" xmlns:r="http://schemas.openxmlformats.org/officeDocument/2006/relationships" xmlns:p="http://schemas.openxmlformats.org/presentationml/2006/main">
-  <p:cSld>
-    <p:spTree>
-      <p:nvGrpSpPr>
-        <p:cNvPr id="1" name=""/>
-        <p:cNvGrpSpPr/>
-        <p:nvPr/>
-      </p:nvGrpSpPr>
-      <p:grpSpPr>
-        <a:xfrm>
-          <a:off x="0" y="0"/>
-          <a:ext cx="0" cy="0"/>
-          <a:chOff x="0" y="0"/>
-          <a:chExt cx="0" cy="0"/>
-        </a:xfrm>
-      </p:grpSpPr>
-      <p:sp>
-        <p:nvSpPr>
-          <p:cNvPr id="2" name="Title 1">
-            <a:extLst>
-              <a:ext uri="{FF2B5EF4-FFF2-40B4-BE49-F238E27FC236}">
-                <a16:creationId xmlns:a16="http://schemas.microsoft.com/office/drawing/2014/main" id="{12D25AD4-A6AC-4A9D-F665-60E6AB2E47F3}"/>
-              </a:ext>
-            </a:extLst>
-          </p:cNvPr>
-          <p:cNvSpPr>
-            <a:spLocks noGrp="1"/>
-          </p:cNvSpPr>
-          <p:nvPr>
-            <p:ph type="title"/>
-          </p:nvPr>
-        </p:nvSpPr>
-        <p:spPr/>
-        <p:txBody>
-          <a:bodyPr/>
-          <a:lstStyle/>
-          <a:p>
-            <a:r>
-              <a:rPr lang="en-GB" dirty="0"/>
-              <a:t>With vs without replacement</a:t>
-            </a:r>
-          </a:p>
-        </p:txBody>
-      </p:sp>
-      <p:sp>
-        <p:nvSpPr>
-          <p:cNvPr id="4" name="Content Placeholder 3">
-            <a:extLst>
-              <a:ext uri="{FF2B5EF4-FFF2-40B4-BE49-F238E27FC236}">
-                <a16:creationId xmlns:a16="http://schemas.microsoft.com/office/drawing/2014/main" id="{B07DCF8E-A00B-5839-035C-78D97740B9B3}"/>
-              </a:ext>
-            </a:extLst>
-          </p:cNvPr>
-          <p:cNvSpPr>
-            <a:spLocks noGrp="1"/>
-          </p:cNvSpPr>
-          <p:nvPr>
-            <p:ph idx="1"/>
-          </p:nvPr>
-        </p:nvSpPr>
-        <p:spPr/>
-        <p:txBody>
-          <a:bodyPr/>
-          <a:lstStyle/>
-          <a:p>
-            <a:r>
-              <a:rPr lang="en-GB" dirty="0"/>
-              <a:t>With replacement: every chosen element is put back into the dataset directly and can be chosen again.</a:t>
-            </a:r>
-          </a:p>
-          <a:p>
-            <a:endParaRPr lang="en-GB" dirty="0"/>
-          </a:p>
-          <a:p>
-            <a:r>
-              <a:rPr lang="en-GB" dirty="0"/>
-              <a:t>Without replacement: every chosen element is removed from the dataset such that it can not be selected again.</a:t>
-            </a:r>
-          </a:p>
-        </p:txBody>
-      </p:sp>
-    </p:spTree>
-    <p:extLst>
-      <p:ext uri="{BB962C8B-B14F-4D97-AF65-F5344CB8AC3E}">
-        <p14:creationId xmlns:p14="http://schemas.microsoft.com/office/powerpoint/2010/main" val="1941473771"/>
-      </p:ext>
-    </p:extLst>
-  </p:cSld>
-  <p:clrMapOvr>
-    <a:masterClrMapping/>
-  </p:clrMapOvr>
-  <p:transition spd="slow">
-    <p:push dir="u"/>
-  </p:transition>
-</p:sld>
-</file>
-
-<file path=ppt/slides/slide30.xml><?xml version="1.0" encoding="utf-8"?>
+<file path=ppt/slides/slide35.xml><?xml version="1.0" encoding="utf-8"?>
 <p:sld xmlns:a="http://schemas.openxmlformats.org/drawingml/2006/main" xmlns:r="http://schemas.openxmlformats.org/officeDocument/2006/relationships" xmlns:p="http://schemas.openxmlformats.org/presentationml/2006/main">
   <p:cSld>
     <p:spTree>
@@ -22420,7 +26053,7 @@
 </p:sld>
 </file>
 
-<file path=ppt/slides/slide31.xml><?xml version="1.0" encoding="utf-8"?>
+<file path=ppt/slides/slide36.xml><?xml version="1.0" encoding="utf-8"?>
 <p:sld xmlns:a="http://schemas.openxmlformats.org/drawingml/2006/main" xmlns:r="http://schemas.openxmlformats.org/officeDocument/2006/relationships" xmlns:p="http://schemas.openxmlformats.org/presentationml/2006/main">
   <p:cSld>
     <p:spTree>
@@ -22547,7 +26180,7 @@
         <p:spPr/>
         <p:txBody>
           <a:bodyPr>
-            <a:normAutofit lnSpcReduction="10000"/>
+            <a:normAutofit/>
           </a:bodyPr>
           <a:lstStyle/>
           <a:p>
@@ -22595,12 +26228,14 @@
             </a:r>
           </a:p>
           <a:p>
+            <a:pPr lvl="1"/>
             <a:r>
               <a:rPr lang="nl-NL" dirty="0"/>
               <a:t>Ze stuurden enquêtes naar miljoenen mensen, waaronder hun eigen abonnees, telefoonboeken en autoregistraties.</a:t>
             </a:r>
           </a:p>
           <a:p>
+            <a:pPr lvl="1"/>
             <a:r>
               <a:rPr lang="nl-NL" dirty="0"/>
               <a:t>De peiling gaf duidelijk aan dat Alf </a:t>
@@ -23339,7 +26974,7 @@
         </p:spPr>
         <p:txBody>
           <a:bodyPr>
-            <a:normAutofit/>
+            <a:normAutofit lnSpcReduction="10000"/>
           </a:bodyPr>
           <a:lstStyle/>
           <a:p>
@@ -23368,7 +27003,23 @@
             </a:r>
             <a:r>
               <a:rPr lang="en-GB" dirty="0"/>
-              <a:t> optimizer.</a:t>
+              <a:t> optimizer op basis van </a:t>
+            </a:r>
+            <a:r>
+              <a:rPr lang="en-GB" dirty="0" err="1"/>
+              <a:t>een</a:t>
+            </a:r>
+            <a:r>
+              <a:rPr lang="en-GB" dirty="0"/>
+              <a:t> </a:t>
+            </a:r>
+            <a:r>
+              <a:rPr lang="en-GB" dirty="0" err="1"/>
+              <a:t>aantal</a:t>
+            </a:r>
+            <a:r>
+              <a:rPr lang="en-GB" dirty="0"/>
+              <a:t> features.</a:t>
             </a:r>
           </a:p>
           <a:p>
@@ -23588,6 +27239,328 @@
   <p:transition spd="slow">
     <p:push dir="u"/>
   </p:transition>
+  <p:timing>
+    <p:tnLst>
+      <p:par>
+        <p:cTn id="1" dur="indefinite" restart="never" nodeType="tmRoot">
+          <p:childTnLst>
+            <p:seq concurrent="1" nextAc="seek">
+              <p:cTn id="2" dur="indefinite" nodeType="mainSeq">
+                <p:childTnLst>
+                  <p:par>
+                    <p:cTn id="3" fill="hold">
+                      <p:stCondLst>
+                        <p:cond delay="indefinite"/>
+                      </p:stCondLst>
+                      <p:childTnLst>
+                        <p:par>
+                          <p:cTn id="4" fill="hold">
+                            <p:stCondLst>
+                              <p:cond delay="0"/>
+                            </p:stCondLst>
+                            <p:childTnLst>
+                              <p:par>
+                                <p:cTn id="5" presetID="10" presetClass="entr" presetSubtype="0" fill="hold" nodeType="clickEffect">
+                                  <p:stCondLst>
+                                    <p:cond delay="0"/>
+                                  </p:stCondLst>
+                                  <p:childTnLst>
+                                    <p:set>
+                                      <p:cBhvr>
+                                        <p:cTn id="6" dur="1" fill="hold">
+                                          <p:stCondLst>
+                                            <p:cond delay="0"/>
+                                          </p:stCondLst>
+                                        </p:cTn>
+                                        <p:tgtEl>
+                                          <p:spTgt spid="3">
+                                            <p:txEl>
+                                              <p:pRg st="3" end="3"/>
+                                            </p:txEl>
+                                          </p:spTgt>
+                                        </p:tgtEl>
+                                        <p:attrNameLst>
+                                          <p:attrName>style.visibility</p:attrName>
+                                        </p:attrNameLst>
+                                      </p:cBhvr>
+                                      <p:to>
+                                        <p:strVal val="visible"/>
+                                      </p:to>
+                                    </p:set>
+                                    <p:animEffect transition="in" filter="fade">
+                                      <p:cBhvr>
+                                        <p:cTn id="7" dur="500"/>
+                                        <p:tgtEl>
+                                          <p:spTgt spid="3">
+                                            <p:txEl>
+                                              <p:pRg st="3" end="3"/>
+                                            </p:txEl>
+                                          </p:spTgt>
+                                        </p:tgtEl>
+                                      </p:cBhvr>
+                                    </p:animEffect>
+                                  </p:childTnLst>
+                                </p:cTn>
+                              </p:par>
+                              <p:par>
+                                <p:cTn id="8" presetID="10" presetClass="entr" presetSubtype="0" fill="hold" nodeType="withEffect">
+                                  <p:stCondLst>
+                                    <p:cond delay="0"/>
+                                  </p:stCondLst>
+                                  <p:childTnLst>
+                                    <p:set>
+                                      <p:cBhvr>
+                                        <p:cTn id="9" dur="1" fill="hold">
+                                          <p:stCondLst>
+                                            <p:cond delay="0"/>
+                                          </p:stCondLst>
+                                        </p:cTn>
+                                        <p:tgtEl>
+                                          <p:spTgt spid="3">
+                                            <p:txEl>
+                                              <p:pRg st="4" end="4"/>
+                                            </p:txEl>
+                                          </p:spTgt>
+                                        </p:tgtEl>
+                                        <p:attrNameLst>
+                                          <p:attrName>style.visibility</p:attrName>
+                                        </p:attrNameLst>
+                                      </p:cBhvr>
+                                      <p:to>
+                                        <p:strVal val="visible"/>
+                                      </p:to>
+                                    </p:set>
+                                    <p:animEffect transition="in" filter="fade">
+                                      <p:cBhvr>
+                                        <p:cTn id="10" dur="500"/>
+                                        <p:tgtEl>
+                                          <p:spTgt spid="3">
+                                            <p:txEl>
+                                              <p:pRg st="4" end="4"/>
+                                            </p:txEl>
+                                          </p:spTgt>
+                                        </p:tgtEl>
+                                      </p:cBhvr>
+                                    </p:animEffect>
+                                  </p:childTnLst>
+                                </p:cTn>
+                              </p:par>
+                            </p:childTnLst>
+                          </p:cTn>
+                        </p:par>
+                      </p:childTnLst>
+                    </p:cTn>
+                  </p:par>
+                  <p:par>
+                    <p:cTn id="11" fill="hold">
+                      <p:stCondLst>
+                        <p:cond delay="indefinite"/>
+                      </p:stCondLst>
+                      <p:childTnLst>
+                        <p:par>
+                          <p:cTn id="12" fill="hold">
+                            <p:stCondLst>
+                              <p:cond delay="0"/>
+                            </p:stCondLst>
+                            <p:childTnLst>
+                              <p:par>
+                                <p:cTn id="13" presetID="2" presetClass="entr" presetSubtype="4" fill="hold" nodeType="clickEffect">
+                                  <p:stCondLst>
+                                    <p:cond delay="0"/>
+                                  </p:stCondLst>
+                                  <p:childTnLst>
+                                    <p:set>
+                                      <p:cBhvr>
+                                        <p:cTn id="14" dur="1" fill="hold">
+                                          <p:stCondLst>
+                                            <p:cond delay="0"/>
+                                          </p:stCondLst>
+                                        </p:cTn>
+                                        <p:tgtEl>
+                                          <p:spTgt spid="3">
+                                            <p:txEl>
+                                              <p:pRg st="5" end="5"/>
+                                            </p:txEl>
+                                          </p:spTgt>
+                                        </p:tgtEl>
+                                        <p:attrNameLst>
+                                          <p:attrName>style.visibility</p:attrName>
+                                        </p:attrNameLst>
+                                      </p:cBhvr>
+                                      <p:to>
+                                        <p:strVal val="visible"/>
+                                      </p:to>
+                                    </p:set>
+                                    <p:anim calcmode="lin" valueType="num">
+                                      <p:cBhvr additive="base">
+                                        <p:cTn id="15" dur="500" fill="hold"/>
+                                        <p:tgtEl>
+                                          <p:spTgt spid="3">
+                                            <p:txEl>
+                                              <p:pRg st="5" end="5"/>
+                                            </p:txEl>
+                                          </p:spTgt>
+                                        </p:tgtEl>
+                                        <p:attrNameLst>
+                                          <p:attrName>ppt_x</p:attrName>
+                                        </p:attrNameLst>
+                                      </p:cBhvr>
+                                      <p:tavLst>
+                                        <p:tav tm="0">
+                                          <p:val>
+                                            <p:strVal val="#ppt_x"/>
+                                          </p:val>
+                                        </p:tav>
+                                        <p:tav tm="100000">
+                                          <p:val>
+                                            <p:strVal val="#ppt_x"/>
+                                          </p:val>
+                                        </p:tav>
+                                      </p:tavLst>
+                                    </p:anim>
+                                    <p:anim calcmode="lin" valueType="num">
+                                      <p:cBhvr additive="base">
+                                        <p:cTn id="16" dur="500" fill="hold"/>
+                                        <p:tgtEl>
+                                          <p:spTgt spid="3">
+                                            <p:txEl>
+                                              <p:pRg st="5" end="5"/>
+                                            </p:txEl>
+                                          </p:spTgt>
+                                        </p:tgtEl>
+                                        <p:attrNameLst>
+                                          <p:attrName>ppt_y</p:attrName>
+                                        </p:attrNameLst>
+                                      </p:cBhvr>
+                                      <p:tavLst>
+                                        <p:tav tm="0">
+                                          <p:val>
+                                            <p:strVal val="1+#ppt_h/2"/>
+                                          </p:val>
+                                        </p:tav>
+                                        <p:tav tm="100000">
+                                          <p:val>
+                                            <p:strVal val="#ppt_y"/>
+                                          </p:val>
+                                        </p:tav>
+                                      </p:tavLst>
+                                    </p:anim>
+                                  </p:childTnLst>
+                                </p:cTn>
+                              </p:par>
+                              <p:par>
+                                <p:cTn id="17" presetID="2" presetClass="entr" presetSubtype="4" fill="hold" nodeType="withEffect">
+                                  <p:stCondLst>
+                                    <p:cond delay="0"/>
+                                  </p:stCondLst>
+                                  <p:childTnLst>
+                                    <p:set>
+                                      <p:cBhvr>
+                                        <p:cTn id="18" dur="1" fill="hold">
+                                          <p:stCondLst>
+                                            <p:cond delay="0"/>
+                                          </p:stCondLst>
+                                        </p:cTn>
+                                        <p:tgtEl>
+                                          <p:spTgt spid="3">
+                                            <p:txEl>
+                                              <p:pRg st="6" end="6"/>
+                                            </p:txEl>
+                                          </p:spTgt>
+                                        </p:tgtEl>
+                                        <p:attrNameLst>
+                                          <p:attrName>style.visibility</p:attrName>
+                                        </p:attrNameLst>
+                                      </p:cBhvr>
+                                      <p:to>
+                                        <p:strVal val="visible"/>
+                                      </p:to>
+                                    </p:set>
+                                    <p:anim calcmode="lin" valueType="num">
+                                      <p:cBhvr additive="base">
+                                        <p:cTn id="19" dur="500" fill="hold"/>
+                                        <p:tgtEl>
+                                          <p:spTgt spid="3">
+                                            <p:txEl>
+                                              <p:pRg st="6" end="6"/>
+                                            </p:txEl>
+                                          </p:spTgt>
+                                        </p:tgtEl>
+                                        <p:attrNameLst>
+                                          <p:attrName>ppt_x</p:attrName>
+                                        </p:attrNameLst>
+                                      </p:cBhvr>
+                                      <p:tavLst>
+                                        <p:tav tm="0">
+                                          <p:val>
+                                            <p:strVal val="#ppt_x"/>
+                                          </p:val>
+                                        </p:tav>
+                                        <p:tav tm="100000">
+                                          <p:val>
+                                            <p:strVal val="#ppt_x"/>
+                                          </p:val>
+                                        </p:tav>
+                                      </p:tavLst>
+                                    </p:anim>
+                                    <p:anim calcmode="lin" valueType="num">
+                                      <p:cBhvr additive="base">
+                                        <p:cTn id="20" dur="500" fill="hold"/>
+                                        <p:tgtEl>
+                                          <p:spTgt spid="3">
+                                            <p:txEl>
+                                              <p:pRg st="6" end="6"/>
+                                            </p:txEl>
+                                          </p:spTgt>
+                                        </p:tgtEl>
+                                        <p:attrNameLst>
+                                          <p:attrName>ppt_y</p:attrName>
+                                        </p:attrNameLst>
+                                      </p:cBhvr>
+                                      <p:tavLst>
+                                        <p:tav tm="0">
+                                          <p:val>
+                                            <p:strVal val="1+#ppt_h/2"/>
+                                          </p:val>
+                                        </p:tav>
+                                        <p:tav tm="100000">
+                                          <p:val>
+                                            <p:strVal val="#ppt_y"/>
+                                          </p:val>
+                                        </p:tav>
+                                      </p:tavLst>
+                                    </p:anim>
+                                  </p:childTnLst>
+                                </p:cTn>
+                              </p:par>
+                            </p:childTnLst>
+                          </p:cTn>
+                        </p:par>
+                      </p:childTnLst>
+                    </p:cTn>
+                  </p:par>
+                </p:childTnLst>
+              </p:cTn>
+              <p:prevCondLst>
+                <p:cond evt="onPrev" delay="0">
+                  <p:tgtEl>
+                    <p:sldTgt/>
+                  </p:tgtEl>
+                </p:cond>
+              </p:prevCondLst>
+              <p:nextCondLst>
+                <p:cond evt="onNext" delay="0">
+                  <p:tgtEl>
+                    <p:sldTgt/>
+                  </p:tgtEl>
+                </p:cond>
+              </p:nextCondLst>
+            </p:seq>
+          </p:childTnLst>
+        </p:cTn>
+      </p:par>
+    </p:tnLst>
+  </p:timing>
 </p:sld>
 </file>
 
@@ -24035,12 +28008,59 @@
           <a:chExt cx="0" cy="0"/>
         </a:xfrm>
       </p:grpSpPr>
+      <p:pic>
+        <p:nvPicPr>
+          <p:cNvPr id="1026" name="Picture 2">
+            <a:extLst>
+              <a:ext uri="{FF2B5EF4-FFF2-40B4-BE49-F238E27FC236}">
+                <a16:creationId xmlns:a16="http://schemas.microsoft.com/office/drawing/2014/main" id="{6A3A51E2-9102-8D54-CC63-BA274DF4368D}"/>
+              </a:ext>
+            </a:extLst>
+          </p:cNvPr>
+          <p:cNvPicPr>
+            <a:picLocks noChangeAspect="1" noChangeArrowheads="1"/>
+          </p:cNvPicPr>
+          <p:nvPr/>
+        </p:nvPicPr>
+        <p:blipFill>
+          <a:blip r:embed="rId2">
+            <a:extLst>
+              <a:ext uri="{28A0092B-C50C-407E-A947-70E740481C1C}">
+                <a14:useLocalDpi xmlns:a14="http://schemas.microsoft.com/office/drawing/2010/main" val="0"/>
+              </a:ext>
+            </a:extLst>
+          </a:blip>
+          <a:srcRect/>
+          <a:stretch>
+            <a:fillRect/>
+          </a:stretch>
+        </p:blipFill>
+        <p:spPr bwMode="auto">
+          <a:xfrm>
+            <a:off x="5337109" y="165456"/>
+            <a:ext cx="6762678" cy="4143483"/>
+          </a:xfrm>
+          <a:prstGeom prst="rect">
+            <a:avLst/>
+          </a:prstGeom>
+          <a:noFill/>
+          <a:extLst>
+            <a:ext uri="{909E8E84-426E-40DD-AFC4-6F175D3DCCD1}">
+              <a14:hiddenFill xmlns:a14="http://schemas.microsoft.com/office/drawing/2010/main">
+                <a:solidFill>
+                  <a:srgbClr val="FFFFFF"/>
+                </a:solidFill>
+              </a14:hiddenFill>
+            </a:ext>
+          </a:extLst>
+        </p:spPr>
+      </p:pic>
       <p:sp>
         <p:nvSpPr>
           <p:cNvPr id="2" name="Title 1">
             <a:extLst>
               <a:ext uri="{FF2B5EF4-FFF2-40B4-BE49-F238E27FC236}">
-                <a16:creationId xmlns:a16="http://schemas.microsoft.com/office/drawing/2014/main" id="{3B8766C9-5374-70D8-7301-0ABDE9E8747B}"/>
+                <a16:creationId xmlns:a16="http://schemas.microsoft.com/office/drawing/2014/main" id="{71AEFE60-D2B3-D2A4-5FDE-191D727B5338}"/>
               </a:ext>
             </a:extLst>
           </p:cNvPr>
@@ -24058,507 +28078,486 @@
           <a:p>
             <a:r>
               <a:rPr lang="en-GB" dirty="0"/>
-              <a:t>Sample mean vs population mean</a:t>
+              <a:t>Recommender systems</a:t>
+            </a:r>
+          </a:p>
+        </p:txBody>
+      </p:sp>
+      <p:sp>
+        <p:nvSpPr>
+          <p:cNvPr id="3" name="Content Placeholder 2">
+            <a:extLst>
+              <a:ext uri="{FF2B5EF4-FFF2-40B4-BE49-F238E27FC236}">
+                <a16:creationId xmlns:a16="http://schemas.microsoft.com/office/drawing/2014/main" id="{0F25BA14-512F-27EE-2FDC-1B88BAD9C730}"/>
+              </a:ext>
+            </a:extLst>
+          </p:cNvPr>
+          <p:cNvSpPr>
+            <a:spLocks noGrp="1"/>
+          </p:cNvSpPr>
+          <p:nvPr>
+            <p:ph idx="1"/>
+          </p:nvPr>
+        </p:nvSpPr>
+        <p:spPr>
+          <a:xfrm>
+            <a:off x="360000" y="1685562"/>
+            <a:ext cx="11258084" cy="4222077"/>
+          </a:xfrm>
+        </p:spPr>
+        <p:txBody>
+          <a:bodyPr/>
+          <a:lstStyle/>
+          <a:p>
+            <a:pPr marL="0" indent="0">
+              <a:buNone/>
+            </a:pPr>
+            <a:endParaRPr lang="en-GB" dirty="0"/>
+          </a:p>
+          <a:p>
+            <a:pPr marL="0" indent="0">
+              <a:buNone/>
+            </a:pPr>
+            <a:endParaRPr lang="en-GB" dirty="0"/>
+          </a:p>
+          <a:p>
+            <a:pPr marL="0" indent="0">
+              <a:buNone/>
+            </a:pPr>
+            <a:endParaRPr lang="en-GB" dirty="0"/>
+          </a:p>
+          <a:p>
+            <a:pPr marL="0" indent="0">
+              <a:buNone/>
+            </a:pPr>
+            <a:endParaRPr lang="en-GB" dirty="0"/>
+          </a:p>
+          <a:p>
+            <a:pPr marL="0" indent="0">
+              <a:buNone/>
+            </a:pPr>
+            <a:endParaRPr lang="en-GB" dirty="0"/>
+          </a:p>
+          <a:p>
+            <a:pPr marL="0" indent="0">
+              <a:buNone/>
+            </a:pPr>
+            <a:br>
+              <a:rPr lang="en-GB" dirty="0"/>
+            </a:br>
+            <a:r>
+              <a:rPr lang="en-GB" dirty="0" err="1"/>
+              <a:t>Zie</a:t>
+            </a:r>
+            <a:r>
+              <a:rPr lang="en-GB" dirty="0"/>
+              <a:t> </a:t>
+            </a:r>
+            <a:r>
+              <a:rPr lang="en-GB" dirty="0" err="1"/>
+              <a:t>hier</a:t>
+            </a:r>
+            <a:r>
+              <a:rPr lang="en-GB" dirty="0"/>
+              <a:t> </a:t>
+            </a:r>
+            <a:r>
+              <a:rPr lang="en-GB" dirty="0" err="1"/>
+              <a:t>voor</a:t>
+            </a:r>
+            <a:r>
+              <a:rPr lang="en-GB" dirty="0"/>
+              <a:t> </a:t>
+            </a:r>
+            <a:r>
+              <a:rPr lang="en-GB" dirty="0" err="1"/>
+              <a:t>meer</a:t>
+            </a:r>
+            <a:r>
+              <a:rPr lang="en-GB" dirty="0"/>
+              <a:t> details:</a:t>
+            </a:r>
+            <a:br>
+              <a:rPr lang="en-GB" dirty="0"/>
+            </a:br>
+            <a:r>
+              <a:rPr lang="en-US" dirty="0">
+                <a:hlinkClick r:id="rId3"/>
+              </a:rPr>
+              <a:t>Brief on Recommender Systems. Different types of recommendation… | by </a:t>
+            </a:r>
+            <a:r>
+              <a:rPr lang="en-US" dirty="0" err="1">
+                <a:hlinkClick r:id="rId3"/>
+              </a:rPr>
+              <a:t>Sanket</a:t>
+            </a:r>
+            <a:r>
+              <a:rPr lang="en-US" dirty="0">
+                <a:hlinkClick r:id="rId3"/>
+              </a:rPr>
+              <a:t> Doshi | Towards Data Science</a:t>
+            </a:r>
+            <a:endParaRPr lang="en-GB" dirty="0"/>
+          </a:p>
+        </p:txBody>
+      </p:sp>
+      <p:sp>
+        <p:nvSpPr>
+          <p:cNvPr id="4" name="Rectangle: Rounded Corners 3">
+            <a:extLst>
+              <a:ext uri="{FF2B5EF4-FFF2-40B4-BE49-F238E27FC236}">
+                <a16:creationId xmlns:a16="http://schemas.microsoft.com/office/drawing/2014/main" id="{6280A6B4-8544-7A5B-3A7B-FA02892734EB}"/>
+              </a:ext>
+            </a:extLst>
+          </p:cNvPr>
+          <p:cNvSpPr/>
+          <p:nvPr/>
+        </p:nvSpPr>
+        <p:spPr>
+          <a:xfrm>
+            <a:off x="6289337" y="1962364"/>
+            <a:ext cx="1191803" cy="390418"/>
+          </a:xfrm>
+          <a:prstGeom prst="roundRect">
+            <a:avLst/>
+          </a:prstGeom>
+          <a:noFill/>
+          <a:ln w="57150">
+            <a:solidFill>
+              <a:schemeClr val="accent1"/>
+            </a:solidFill>
+          </a:ln>
+        </p:spPr>
+        <p:style>
+          <a:lnRef idx="2">
+            <a:schemeClr val="accent1">
+              <a:shade val="50000"/>
+            </a:schemeClr>
+          </a:lnRef>
+          <a:fillRef idx="1">
+            <a:schemeClr val="accent1"/>
+          </a:fillRef>
+          <a:effectRef idx="0">
+            <a:schemeClr val="accent1"/>
+          </a:effectRef>
+          <a:fontRef idx="minor">
+            <a:schemeClr val="lt1"/>
+          </a:fontRef>
+        </p:style>
+        <p:txBody>
+          <a:bodyPr rtlCol="0" anchor="ctr"/>
+          <a:lstStyle/>
+          <a:p>
+            <a:pPr algn="ctr"/>
+            <a:endParaRPr lang="en-GB"/>
+          </a:p>
+        </p:txBody>
+      </p:sp>
+      <p:sp>
+        <p:nvSpPr>
+          <p:cNvPr id="5" name="Rectangle: Rounded Corners 4">
+            <a:extLst>
+              <a:ext uri="{FF2B5EF4-FFF2-40B4-BE49-F238E27FC236}">
+                <a16:creationId xmlns:a16="http://schemas.microsoft.com/office/drawing/2014/main" id="{E0FEBD3C-343D-F8BC-8A8C-840AFCB030EF}"/>
+              </a:ext>
+            </a:extLst>
+          </p:cNvPr>
+          <p:cNvSpPr/>
+          <p:nvPr/>
+        </p:nvSpPr>
+        <p:spPr>
+          <a:xfrm>
+            <a:off x="10816974" y="2225210"/>
+            <a:ext cx="1191803" cy="390418"/>
+          </a:xfrm>
+          <a:prstGeom prst="roundRect">
+            <a:avLst/>
+          </a:prstGeom>
+          <a:noFill/>
+          <a:ln w="57150">
+            <a:solidFill>
+              <a:schemeClr val="accent1"/>
+            </a:solidFill>
+          </a:ln>
+        </p:spPr>
+        <p:style>
+          <a:lnRef idx="2">
+            <a:schemeClr val="accent1">
+              <a:shade val="50000"/>
+            </a:schemeClr>
+          </a:lnRef>
+          <a:fillRef idx="1">
+            <a:schemeClr val="accent1"/>
+          </a:fillRef>
+          <a:effectRef idx="0">
+            <a:schemeClr val="accent1"/>
+          </a:effectRef>
+          <a:fontRef idx="minor">
+            <a:schemeClr val="lt1"/>
+          </a:fontRef>
+        </p:style>
+        <p:txBody>
+          <a:bodyPr rtlCol="0" anchor="ctr"/>
+          <a:lstStyle/>
+          <a:p>
+            <a:pPr algn="ctr"/>
+            <a:endParaRPr lang="en-GB"/>
+          </a:p>
+        </p:txBody>
+      </p:sp>
+      <p:sp>
+        <p:nvSpPr>
+          <p:cNvPr id="6" name="Rectangle: Rounded Corners 5">
+            <a:extLst>
+              <a:ext uri="{FF2B5EF4-FFF2-40B4-BE49-F238E27FC236}">
+                <a16:creationId xmlns:a16="http://schemas.microsoft.com/office/drawing/2014/main" id="{B461F6AB-EE2D-1AE6-6DAD-896A5E76E8F8}"/>
+              </a:ext>
+            </a:extLst>
+          </p:cNvPr>
+          <p:cNvSpPr/>
+          <p:nvPr/>
+        </p:nvSpPr>
+        <p:spPr>
+          <a:xfrm>
+            <a:off x="1017597" y="1217326"/>
+            <a:ext cx="3547412" cy="1325562"/>
+          </a:xfrm>
+          <a:prstGeom prst="roundRect">
+            <a:avLst/>
+          </a:prstGeom>
+          <a:solidFill>
+            <a:schemeClr val="accent1"/>
+          </a:solidFill>
+          <a:ln w="57150">
+            <a:solidFill>
+              <a:schemeClr val="accent1"/>
+            </a:solidFill>
+          </a:ln>
+        </p:spPr>
+        <p:style>
+          <a:lnRef idx="2">
+            <a:schemeClr val="accent1">
+              <a:shade val="50000"/>
+            </a:schemeClr>
+          </a:lnRef>
+          <a:fillRef idx="1">
+            <a:schemeClr val="accent1"/>
+          </a:fillRef>
+          <a:effectRef idx="0">
+            <a:schemeClr val="accent1"/>
+          </a:effectRef>
+          <a:fontRef idx="minor">
+            <a:schemeClr val="lt1"/>
+          </a:fontRef>
+        </p:style>
+        <p:txBody>
+          <a:bodyPr rtlCol="0" anchor="ctr"/>
+          <a:lstStyle/>
+          <a:p>
+            <a:pPr algn="ctr"/>
+            <a:r>
+              <a:rPr lang="en-GB" dirty="0" err="1"/>
+              <a:t>Gemeten</a:t>
+            </a:r>
+            <a:r>
+              <a:rPr lang="en-GB" dirty="0"/>
+              <a:t> via </a:t>
+            </a:r>
+            <a:r>
+              <a:rPr lang="en-GB" dirty="0" err="1"/>
+              <a:t>iets</a:t>
+            </a:r>
+            <a:r>
+              <a:rPr lang="en-GB" dirty="0"/>
+              <a:t> </a:t>
+            </a:r>
+            <a:r>
+              <a:rPr lang="en-GB" dirty="0" err="1"/>
+              <a:t>genaamd</a:t>
+            </a:r>
+            <a:r>
+              <a:rPr lang="en-GB" dirty="0"/>
+              <a:t> </a:t>
+            </a:r>
+            <a:r>
+              <a:rPr lang="en-GB" dirty="0" err="1"/>
+              <a:t>een</a:t>
+            </a:r>
+            <a:r>
+              <a:rPr lang="en-GB" dirty="0"/>
+              <a:t> “cosine similarity”</a:t>
             </a:r>
           </a:p>
         </p:txBody>
       </p:sp>
       <p:pic>
         <p:nvPicPr>
-          <p:cNvPr id="4" name="Content Placeholder 3">
+          <p:cNvPr id="1028" name="Picture 4" descr="Cosine Similarity – LearnDataSci">
             <a:extLst>
               <a:ext uri="{FF2B5EF4-FFF2-40B4-BE49-F238E27FC236}">
-                <a16:creationId xmlns:a16="http://schemas.microsoft.com/office/drawing/2014/main" id="{326F7E33-8382-B5E9-E857-3912A6B04464}"/>
+                <a16:creationId xmlns:a16="http://schemas.microsoft.com/office/drawing/2014/main" id="{82966475-EF4F-9854-0230-7E65F815F902}"/>
               </a:ext>
             </a:extLst>
           </p:cNvPr>
           <p:cNvPicPr>
-            <a:picLocks noGrp="1" noChangeAspect="1"/>
+            <a:picLocks noChangeAspect="1" noChangeArrowheads="1"/>
           </p:cNvPicPr>
-          <p:nvPr>
-            <p:ph idx="1"/>
-          </p:nvPr>
+          <p:nvPr/>
         </p:nvPicPr>
         <p:blipFill>
-          <a:blip r:embed="rId2"/>
+          <a:blip r:embed="rId4">
+            <a:extLst>
+              <a:ext uri="{28A0092B-C50C-407E-A947-70E740481C1C}">
+                <a14:useLocalDpi xmlns:a14="http://schemas.microsoft.com/office/drawing/2010/main" val="0"/>
+              </a:ext>
+            </a:extLst>
+          </a:blip>
+          <a:srcRect/>
           <a:stretch>
             <a:fillRect/>
           </a:stretch>
         </p:blipFill>
-        <p:spPr>
+        <p:spPr bwMode="auto">
           <a:xfrm>
-            <a:off x="3540555" y="1685925"/>
-            <a:ext cx="4896578" cy="3852863"/>
-          </a:xfrm>
-          <a:prstGeom prst="rect">
-            <a:avLst/>
-          </a:prstGeom>
-        </p:spPr>
-      </p:pic>
-      <mc:AlternateContent xmlns:mc="http://schemas.openxmlformats.org/markup-compatibility/2006" xmlns:a14="http://schemas.microsoft.com/office/drawing/2010/main">
-        <mc:Choice Requires="a14">
-          <p:sp>
-            <p:nvSpPr>
-              <p:cNvPr id="5" name="TextBox 4">
-                <a:extLst>
-                  <a:ext uri="{FF2B5EF4-FFF2-40B4-BE49-F238E27FC236}">
-                    <a16:creationId xmlns:a16="http://schemas.microsoft.com/office/drawing/2014/main" id="{2EF328FD-4153-542A-6727-BF86F3427A1E}"/>
-                  </a:ext>
-                </a:extLst>
-              </p:cNvPr>
-              <p:cNvSpPr txBox="1"/>
-              <p:nvPr/>
-            </p:nvSpPr>
-            <p:spPr>
-              <a:xfrm>
-                <a:off x="3899042" y="4053154"/>
-                <a:ext cx="2361287" cy="276999"/>
-              </a:xfrm>
-              <a:prstGeom prst="rect">
-                <a:avLst/>
-              </a:prstGeom>
-              <a:noFill/>
-            </p:spPr>
-            <p:txBody>
-              <a:bodyPr wrap="none" lIns="0" tIns="0" rIns="0" bIns="0" rtlCol="0">
-                <a:spAutoFit/>
-              </a:bodyPr>
-              <a:lstStyle/>
-              <a:p>
-                <a14:m>
-                  <m:oMath xmlns:m="http://schemas.openxmlformats.org/officeDocument/2006/math">
-                    <m:r>
-                      <a:rPr lang="en-US" b="0" i="1" smtClean="0">
-                        <a:latin typeface="Cambria Math" panose="02040503050406030204" pitchFamily="18" charset="0"/>
-                      </a:rPr>
-                      <m:t>𝜇</m:t>
-                    </m:r>
-                    <m:r>
-                      <a:rPr lang="en-US" b="0" i="0" smtClean="0">
-                        <a:latin typeface="Cambria Math" panose="02040503050406030204" pitchFamily="18" charset="0"/>
-                      </a:rPr>
-                      <m:t>, </m:t>
-                    </m:r>
-                    <m:r>
-                      <m:rPr>
-                        <m:sty m:val="p"/>
-                      </m:rPr>
-                      <a:rPr lang="en-US" b="0" i="0" smtClean="0">
-                        <a:latin typeface="Cambria Math" panose="02040503050406030204" pitchFamily="18" charset="0"/>
-                      </a:rPr>
-                      <m:t>h</m:t>
-                    </m:r>
-                  </m:oMath>
-                </a14:m>
-                <a:r>
-                  <a:rPr lang="en-GB" dirty="0"/>
-                  <a:t>et </a:t>
-                </a:r>
-                <a:r>
-                  <a:rPr lang="en-GB" dirty="0" err="1"/>
-                  <a:t>echte</a:t>
-                </a:r>
-                <a:r>
-                  <a:rPr lang="en-GB" dirty="0"/>
-                  <a:t> </a:t>
-                </a:r>
-                <a:r>
-                  <a:rPr lang="en-GB" dirty="0" err="1"/>
-                  <a:t>gemiddelde</a:t>
-                </a:r>
-                <a:endParaRPr lang="en-GB" dirty="0"/>
-              </a:p>
-            </p:txBody>
-          </p:sp>
-        </mc:Choice>
-        <mc:Fallback xmlns="">
-          <p:sp>
-            <p:nvSpPr>
-              <p:cNvPr id="5" name="TextBox 4">
-                <a:extLst>
-                  <a:ext uri="{FF2B5EF4-FFF2-40B4-BE49-F238E27FC236}">
-                    <a16:creationId xmlns:a16="http://schemas.microsoft.com/office/drawing/2014/main" id="{2EF328FD-4153-542A-6727-BF86F3427A1E}"/>
-                  </a:ext>
-                </a:extLst>
-              </p:cNvPr>
-              <p:cNvSpPr txBox="1">
-                <a:spLocks noRot="1" noChangeAspect="1" noMove="1" noResize="1" noEditPoints="1" noAdjustHandles="1" noChangeArrowheads="1" noChangeShapeType="1" noTextEdit="1"/>
-              </p:cNvSpPr>
-              <p:nvPr/>
-            </p:nvSpPr>
-            <p:spPr>
-              <a:xfrm>
-                <a:off x="3899042" y="4053154"/>
-                <a:ext cx="2361287" cy="276999"/>
-              </a:xfrm>
-              <a:prstGeom prst="rect">
-                <a:avLst/>
-              </a:prstGeom>
-              <a:blipFill>
-                <a:blip r:embed="rId3"/>
-                <a:stretch>
-                  <a:fillRect l="-3618" t="-28889" r="-2067" b="-51111"/>
-                </a:stretch>
-              </a:blipFill>
-            </p:spPr>
-            <p:txBody>
-              <a:bodyPr/>
-              <a:lstStyle/>
-              <a:p>
-                <a:r>
-                  <a:rPr lang="en-GB">
-                    <a:noFill/>
-                  </a:rPr>
-                  <a:t> </a:t>
-                </a:r>
-              </a:p>
-            </p:txBody>
-          </p:sp>
-        </mc:Fallback>
-      </mc:AlternateContent>
-      <mc:AlternateContent xmlns:mc="http://schemas.openxmlformats.org/markup-compatibility/2006" xmlns:a14="http://schemas.microsoft.com/office/drawing/2010/main">
-        <mc:Choice Requires="a14">
-          <p:sp>
-            <p:nvSpPr>
-              <p:cNvPr id="6" name="TextBox 5">
-                <a:extLst>
-                  <a:ext uri="{FF2B5EF4-FFF2-40B4-BE49-F238E27FC236}">
-                    <a16:creationId xmlns:a16="http://schemas.microsoft.com/office/drawing/2014/main" id="{3279D816-F3B0-EB92-0C96-DB134BD2EDE1}"/>
-                  </a:ext>
-                </a:extLst>
-              </p:cNvPr>
-              <p:cNvSpPr txBox="1"/>
-              <p:nvPr/>
-            </p:nvSpPr>
-            <p:spPr>
-              <a:xfrm>
-                <a:off x="6917932" y="3637655"/>
-                <a:ext cx="4423262" cy="553998"/>
-              </a:xfrm>
-              <a:prstGeom prst="rect">
-                <a:avLst/>
-              </a:prstGeom>
-              <a:noFill/>
-            </p:spPr>
-            <p:txBody>
-              <a:bodyPr wrap="none" lIns="0" tIns="0" rIns="0" bIns="0" rtlCol="0">
-                <a:spAutoFit/>
-              </a:bodyPr>
-              <a:lstStyle/>
-              <a:p>
-                <a14:m>
-                  <m:oMath xmlns:m="http://schemas.openxmlformats.org/officeDocument/2006/math">
-                    <m:acc>
-                      <m:accPr>
-                        <m:chr m:val="̅"/>
-                        <m:ctrlPr>
-                          <a:rPr lang="en-US" b="0" i="1" smtClean="0">
-                            <a:latin typeface="Cambria Math" panose="02040503050406030204" pitchFamily="18" charset="0"/>
-                          </a:rPr>
-                        </m:ctrlPr>
-                      </m:accPr>
-                      <m:e>
-                        <m:r>
-                          <a:rPr lang="en-US" b="0" i="1" smtClean="0">
-                            <a:latin typeface="Cambria Math" panose="02040503050406030204" pitchFamily="18" charset="0"/>
-                          </a:rPr>
-                          <m:t>𝑥</m:t>
-                        </m:r>
-                      </m:e>
-                    </m:acc>
-                    <m:r>
-                      <a:rPr lang="en-US" b="0" i="0" smtClean="0">
-                        <a:latin typeface="Cambria Math" panose="02040503050406030204" pitchFamily="18" charset="0"/>
-                      </a:rPr>
-                      <m:t>, </m:t>
-                    </m:r>
-                    <m:r>
-                      <m:rPr>
-                        <m:sty m:val="p"/>
-                      </m:rPr>
-                      <a:rPr lang="en-US" b="0" i="0" smtClean="0">
-                        <a:latin typeface="Cambria Math" panose="02040503050406030204" pitchFamily="18" charset="0"/>
-                      </a:rPr>
-                      <m:t>h</m:t>
-                    </m:r>
-                  </m:oMath>
-                </a14:m>
-                <a:r>
-                  <a:rPr lang="en-GB" dirty="0"/>
-                  <a:t>et </a:t>
-                </a:r>
-                <a:r>
-                  <a:rPr lang="en-GB" dirty="0" err="1"/>
-                  <a:t>gemiddelde</a:t>
-                </a:r>
-                <a:r>
-                  <a:rPr lang="en-GB" dirty="0"/>
-                  <a:t> van de sample </a:t>
-                </a:r>
-                <a:r>
-                  <a:rPr lang="en-GB" dirty="0" err="1"/>
-                  <a:t>gebruikt</a:t>
-                </a:r>
-                <a:r>
-                  <a:rPr lang="en-GB" dirty="0"/>
-                  <a:t> </a:t>
-                </a:r>
-                <a:r>
-                  <a:rPr lang="en-GB" dirty="0" err="1"/>
-                  <a:t>voor</a:t>
-                </a:r>
-                <a:br>
-                  <a:rPr lang="en-GB" dirty="0"/>
-                </a:br>
-                <a:r>
-                  <a:rPr lang="en-GB" dirty="0"/>
-                  <a:t>het </a:t>
-                </a:r>
-                <a:r>
-                  <a:rPr lang="en-GB" dirty="0" err="1"/>
-                  <a:t>echte</a:t>
-                </a:r>
-                <a:r>
-                  <a:rPr lang="en-GB" dirty="0"/>
-                  <a:t> </a:t>
-                </a:r>
-                <a:r>
-                  <a:rPr lang="en-GB" dirty="0" err="1"/>
-                  <a:t>gemiddelde</a:t>
-                </a:r>
-                <a:r>
-                  <a:rPr lang="en-GB" dirty="0"/>
-                  <a:t> </a:t>
-                </a:r>
-                <a:r>
-                  <a:rPr lang="en-GB" dirty="0" err="1"/>
-                  <a:t>te</a:t>
-                </a:r>
-                <a:r>
-                  <a:rPr lang="en-GB" dirty="0"/>
-                  <a:t> </a:t>
-                </a:r>
-                <a:r>
-                  <a:rPr lang="en-GB" dirty="0" err="1"/>
-                  <a:t>schatten</a:t>
-                </a:r>
-                <a:r>
-                  <a:rPr lang="en-GB" dirty="0"/>
-                  <a:t>.</a:t>
-                </a:r>
-              </a:p>
-            </p:txBody>
-          </p:sp>
-        </mc:Choice>
-        <mc:Fallback xmlns="">
-          <p:sp>
-            <p:nvSpPr>
-              <p:cNvPr id="6" name="TextBox 5">
-                <a:extLst>
-                  <a:ext uri="{FF2B5EF4-FFF2-40B4-BE49-F238E27FC236}">
-                    <a16:creationId xmlns:a16="http://schemas.microsoft.com/office/drawing/2014/main" id="{3279D816-F3B0-EB92-0C96-DB134BD2EDE1}"/>
-                  </a:ext>
-                </a:extLst>
-              </p:cNvPr>
-              <p:cNvSpPr txBox="1">
-                <a:spLocks noRot="1" noChangeAspect="1" noMove="1" noResize="1" noEditPoints="1" noAdjustHandles="1" noChangeArrowheads="1" noChangeShapeType="1" noTextEdit="1"/>
-              </p:cNvSpPr>
-              <p:nvPr/>
-            </p:nvSpPr>
-            <p:spPr>
-              <a:xfrm>
-                <a:off x="6917932" y="3637655"/>
-                <a:ext cx="4423262" cy="553998"/>
-              </a:xfrm>
-              <a:prstGeom prst="rect">
-                <a:avLst/>
-              </a:prstGeom>
-              <a:blipFill>
-                <a:blip r:embed="rId4"/>
-                <a:stretch>
-                  <a:fillRect l="-3310" t="-14286" r="-2207" b="-24176"/>
-                </a:stretch>
-              </a:blipFill>
-            </p:spPr>
-            <p:txBody>
-              <a:bodyPr/>
-              <a:lstStyle/>
-              <a:p>
-                <a:r>
-                  <a:rPr lang="en-GB">
-                    <a:noFill/>
-                  </a:rPr>
-                  <a:t> </a:t>
-                </a:r>
-              </a:p>
-            </p:txBody>
-          </p:sp>
-        </mc:Fallback>
-      </mc:AlternateContent>
-      <p:sp>
-        <p:nvSpPr>
-          <p:cNvPr id="7" name="TextBox 6">
-            <a:extLst>
-              <a:ext uri="{FF2B5EF4-FFF2-40B4-BE49-F238E27FC236}">
-                <a16:creationId xmlns:a16="http://schemas.microsoft.com/office/drawing/2014/main" id="{63335CEE-75DB-E355-BC10-5987A89E2E29}"/>
-              </a:ext>
-            </a:extLst>
-          </p:cNvPr>
-          <p:cNvSpPr txBox="1"/>
-          <p:nvPr/>
-        </p:nvSpPr>
-        <p:spPr>
-          <a:xfrm>
-            <a:off x="226031" y="1613043"/>
-            <a:ext cx="3314524" cy="2031325"/>
+            <a:off x="471532" y="2786510"/>
+            <a:ext cx="5170598" cy="1300728"/>
           </a:xfrm>
           <a:prstGeom prst="rect">
             <a:avLst/>
           </a:prstGeom>
           <a:noFill/>
+          <a:extLst>
+            <a:ext uri="{909E8E84-426E-40DD-AFC4-6F175D3DCCD1}">
+              <a14:hiddenFill xmlns:a14="http://schemas.microsoft.com/office/drawing/2010/main">
+                <a:solidFill>
+                  <a:srgbClr val="FFFFFF"/>
+                </a:solidFill>
+              </a14:hiddenFill>
+            </a:ext>
+          </a:extLst>
         </p:spPr>
-        <p:txBody>
-          <a:bodyPr wrap="square" rtlCol="0">
-            <a:spAutoFit/>
-          </a:bodyPr>
-          <a:lstStyle/>
-          <a:p>
-            <a:r>
-              <a:rPr lang="en-GB" dirty="0"/>
-              <a:t>Population mean is nooit </a:t>
-            </a:r>
-            <a:r>
-              <a:rPr lang="en-GB" dirty="0" err="1"/>
-              <a:t>gekend</a:t>
-            </a:r>
-            <a:r>
-              <a:rPr lang="en-GB" dirty="0"/>
-              <a:t> </a:t>
-            </a:r>
-            <a:r>
-              <a:rPr lang="en-GB" dirty="0" err="1"/>
-              <a:t>voor</a:t>
-            </a:r>
-            <a:r>
-              <a:rPr lang="en-GB" dirty="0"/>
-              <a:t> </a:t>
-            </a:r>
-            <a:r>
-              <a:rPr lang="en-GB" i="1" dirty="0" err="1"/>
-              <a:t>echte</a:t>
-            </a:r>
-            <a:r>
-              <a:rPr lang="en-GB" dirty="0"/>
-              <a:t> </a:t>
-            </a:r>
-            <a:r>
-              <a:rPr lang="en-GB" dirty="0" err="1"/>
-              <a:t>problemen</a:t>
-            </a:r>
-            <a:r>
-              <a:rPr lang="en-GB" dirty="0"/>
-              <a:t>. We </a:t>
-            </a:r>
-            <a:r>
-              <a:rPr lang="en-GB" dirty="0" err="1"/>
-              <a:t>gebruiken</a:t>
-            </a:r>
-            <a:r>
-              <a:rPr lang="en-GB" dirty="0"/>
-              <a:t> </a:t>
-            </a:r>
-            <a:r>
-              <a:rPr lang="en-GB" dirty="0" err="1"/>
-              <a:t>daarom</a:t>
-            </a:r>
-            <a:r>
-              <a:rPr lang="en-GB" dirty="0"/>
-              <a:t> </a:t>
-            </a:r>
-            <a:r>
-              <a:rPr lang="en-GB" dirty="0" err="1"/>
-              <a:t>altijd</a:t>
-            </a:r>
-            <a:r>
-              <a:rPr lang="en-GB" dirty="0"/>
-              <a:t> </a:t>
-            </a:r>
-            <a:r>
-              <a:rPr lang="en-GB" dirty="0" err="1"/>
-              <a:t>een</a:t>
-            </a:r>
-            <a:r>
-              <a:rPr lang="en-GB" dirty="0"/>
-              <a:t> </a:t>
-            </a:r>
-            <a:r>
-              <a:rPr lang="en-GB" dirty="0" err="1"/>
-              <a:t>schatting</a:t>
-            </a:r>
-            <a:r>
-              <a:rPr lang="en-GB" dirty="0"/>
-              <a:t>.</a:t>
-            </a:r>
-          </a:p>
-          <a:p>
-            <a:endParaRPr lang="en-GB" dirty="0"/>
-          </a:p>
-          <a:p>
-            <a:r>
-              <a:rPr lang="en-GB" dirty="0" err="1"/>
-              <a:t>Dit</a:t>
-            </a:r>
-            <a:r>
-              <a:rPr lang="en-GB" dirty="0"/>
-              <a:t> </a:t>
-            </a:r>
-            <a:r>
-              <a:rPr lang="en-GB" dirty="0" err="1"/>
-              <a:t>geldt</a:t>
-            </a:r>
-            <a:r>
-              <a:rPr lang="en-GB" dirty="0"/>
-              <a:t> </a:t>
-            </a:r>
-            <a:r>
-              <a:rPr lang="en-GB" dirty="0" err="1"/>
-              <a:t>natuurlijk</a:t>
-            </a:r>
-            <a:r>
-              <a:rPr lang="en-GB" dirty="0"/>
-              <a:t> </a:t>
-            </a:r>
-            <a:r>
-              <a:rPr lang="en-GB" dirty="0" err="1"/>
-              <a:t>voor</a:t>
-            </a:r>
-            <a:r>
-              <a:rPr lang="en-GB" dirty="0"/>
-              <a:t> alle centrum-</a:t>
-            </a:r>
-            <a:r>
-              <a:rPr lang="en-GB" dirty="0" err="1"/>
-              <a:t>en</a:t>
-            </a:r>
-            <a:r>
-              <a:rPr lang="en-GB" dirty="0"/>
-              <a:t> </a:t>
-            </a:r>
-            <a:r>
-              <a:rPr lang="en-GB" dirty="0" err="1"/>
-              <a:t>spreidingsmaten</a:t>
-            </a:r>
-            <a:r>
-              <a:rPr lang="en-GB" dirty="0"/>
-              <a:t>!</a:t>
-            </a:r>
-          </a:p>
-        </p:txBody>
-      </p:sp>
+      </p:pic>
+      <p:cxnSp>
+        <p:nvCxnSpPr>
+          <p:cNvPr id="8" name="Straight Arrow Connector 7">
+            <a:extLst>
+              <a:ext uri="{FF2B5EF4-FFF2-40B4-BE49-F238E27FC236}">
+                <a16:creationId xmlns:a16="http://schemas.microsoft.com/office/drawing/2014/main" id="{0F87A526-A466-E3F6-403C-E09BA0D7CA19}"/>
+              </a:ext>
+            </a:extLst>
+          </p:cNvPr>
+          <p:cNvCxnSpPr/>
+          <p:nvPr/>
+        </p:nvCxnSpPr>
+        <p:spPr>
+          <a:xfrm flipH="1">
+            <a:off x="4565009" y="1387011"/>
+            <a:ext cx="6829031" cy="0"/>
+          </a:xfrm>
+          <a:prstGeom prst="straightConnector1">
+            <a:avLst/>
+          </a:prstGeom>
+          <a:ln w="76200">
+            <a:tailEnd type="triangle"/>
+          </a:ln>
+        </p:spPr>
+        <p:style>
+          <a:lnRef idx="1">
+            <a:schemeClr val="accent1"/>
+          </a:lnRef>
+          <a:fillRef idx="0">
+            <a:schemeClr val="accent1"/>
+          </a:fillRef>
+          <a:effectRef idx="0">
+            <a:schemeClr val="accent1"/>
+          </a:effectRef>
+          <a:fontRef idx="minor">
+            <a:schemeClr val="tx1"/>
+          </a:fontRef>
+        </p:style>
+      </p:cxnSp>
+      <p:cxnSp>
+        <p:nvCxnSpPr>
+          <p:cNvPr id="10" name="Straight Connector 9">
+            <a:extLst>
+              <a:ext uri="{FF2B5EF4-FFF2-40B4-BE49-F238E27FC236}">
+                <a16:creationId xmlns:a16="http://schemas.microsoft.com/office/drawing/2014/main" id="{B520A716-D3B4-2855-3508-941EF07940D1}"/>
+              </a:ext>
+            </a:extLst>
+          </p:cNvPr>
+          <p:cNvCxnSpPr/>
+          <p:nvPr/>
+        </p:nvCxnSpPr>
+        <p:spPr>
+          <a:xfrm>
+            <a:off x="11352944" y="1397887"/>
+            <a:ext cx="0" cy="838199"/>
+          </a:xfrm>
+          <a:prstGeom prst="line">
+            <a:avLst/>
+          </a:prstGeom>
+          <a:ln w="57150"/>
+        </p:spPr>
+        <p:style>
+          <a:lnRef idx="1">
+            <a:schemeClr val="accent1"/>
+          </a:lnRef>
+          <a:fillRef idx="0">
+            <a:schemeClr val="accent1"/>
+          </a:fillRef>
+          <a:effectRef idx="0">
+            <a:schemeClr val="accent1"/>
+          </a:effectRef>
+          <a:fontRef idx="minor">
+            <a:schemeClr val="tx1"/>
+          </a:fontRef>
+        </p:style>
+      </p:cxnSp>
+      <p:cxnSp>
+        <p:nvCxnSpPr>
+          <p:cNvPr id="11" name="Straight Connector 10">
+            <a:extLst>
+              <a:ext uri="{FF2B5EF4-FFF2-40B4-BE49-F238E27FC236}">
+                <a16:creationId xmlns:a16="http://schemas.microsoft.com/office/drawing/2014/main" id="{2693F3E3-9151-8405-2F4F-560F8A57661F}"/>
+              </a:ext>
+            </a:extLst>
+          </p:cNvPr>
+          <p:cNvCxnSpPr>
+            <a:cxnSpLocks/>
+            <a:endCxn id="4" idx="0"/>
+          </p:cNvCxnSpPr>
+          <p:nvPr/>
+        </p:nvCxnSpPr>
+        <p:spPr>
+          <a:xfrm>
+            <a:off x="6885239" y="1397887"/>
+            <a:ext cx="0" cy="564477"/>
+          </a:xfrm>
+          <a:prstGeom prst="line">
+            <a:avLst/>
+          </a:prstGeom>
+          <a:ln w="57150"/>
+        </p:spPr>
+        <p:style>
+          <a:lnRef idx="1">
+            <a:schemeClr val="accent1"/>
+          </a:lnRef>
+          <a:fillRef idx="0">
+            <a:schemeClr val="accent1"/>
+          </a:fillRef>
+          <a:effectRef idx="0">
+            <a:schemeClr val="accent1"/>
+          </a:effectRef>
+          <a:fontRef idx="minor">
+            <a:schemeClr val="tx1"/>
+          </a:fontRef>
+        </p:style>
+      </p:cxnSp>
     </p:spTree>
     <p:extLst>
       <p:ext uri="{BB962C8B-B14F-4D97-AF65-F5344CB8AC3E}">
-        <p14:creationId xmlns:p14="http://schemas.microsoft.com/office/powerpoint/2010/main" val="1845125683"/>
+        <p14:creationId xmlns:p14="http://schemas.microsoft.com/office/powerpoint/2010/main" val="2920983428"/>
       </p:ext>
     </p:extLst>
   </p:cSld>
@@ -24568,6 +28567,366 @@
   <p:transition spd="slow">
     <p:push dir="u"/>
   </p:transition>
+  <p:timing>
+    <p:tnLst>
+      <p:par>
+        <p:cTn id="1" dur="indefinite" restart="never" nodeType="tmRoot">
+          <p:childTnLst>
+            <p:seq concurrent="1" nextAc="seek">
+              <p:cTn id="2" dur="indefinite" nodeType="mainSeq">
+                <p:childTnLst>
+                  <p:par>
+                    <p:cTn id="3" fill="hold">
+                      <p:stCondLst>
+                        <p:cond delay="indefinite"/>
+                      </p:stCondLst>
+                      <p:childTnLst>
+                        <p:par>
+                          <p:cTn id="4" fill="hold">
+                            <p:stCondLst>
+                              <p:cond delay="0"/>
+                            </p:stCondLst>
+                            <p:childTnLst>
+                              <p:par>
+                                <p:cTn id="5" presetID="10" presetClass="entr" presetSubtype="0" fill="hold" nodeType="clickEffect">
+                                  <p:stCondLst>
+                                    <p:cond delay="0"/>
+                                  </p:stCondLst>
+                                  <p:childTnLst>
+                                    <p:set>
+                                      <p:cBhvr>
+                                        <p:cTn id="6" dur="1" fill="hold">
+                                          <p:stCondLst>
+                                            <p:cond delay="0"/>
+                                          </p:stCondLst>
+                                        </p:cTn>
+                                        <p:tgtEl>
+                                          <p:spTgt spid="1028"/>
+                                        </p:tgtEl>
+                                        <p:attrNameLst>
+                                          <p:attrName>style.visibility</p:attrName>
+                                        </p:attrNameLst>
+                                      </p:cBhvr>
+                                      <p:to>
+                                        <p:strVal val="visible"/>
+                                      </p:to>
+                                    </p:set>
+                                    <p:animEffect transition="in" filter="fade">
+                                      <p:cBhvr>
+                                        <p:cTn id="7" dur="500"/>
+                                        <p:tgtEl>
+                                          <p:spTgt spid="1028"/>
+                                        </p:tgtEl>
+                                      </p:cBhvr>
+                                    </p:animEffect>
+                                  </p:childTnLst>
+                                </p:cTn>
+                              </p:par>
+                              <p:par>
+                                <p:cTn id="8" presetID="10" presetClass="entr" presetSubtype="0" fill="hold" grpId="0" nodeType="withEffect">
+                                  <p:stCondLst>
+                                    <p:cond delay="0"/>
+                                  </p:stCondLst>
+                                  <p:childTnLst>
+                                    <p:set>
+                                      <p:cBhvr>
+                                        <p:cTn id="9" dur="1" fill="hold">
+                                          <p:stCondLst>
+                                            <p:cond delay="0"/>
+                                          </p:stCondLst>
+                                        </p:cTn>
+                                        <p:tgtEl>
+                                          <p:spTgt spid="6"/>
+                                        </p:tgtEl>
+                                        <p:attrNameLst>
+                                          <p:attrName>style.visibility</p:attrName>
+                                        </p:attrNameLst>
+                                      </p:cBhvr>
+                                      <p:to>
+                                        <p:strVal val="visible"/>
+                                      </p:to>
+                                    </p:set>
+                                    <p:animEffect transition="in" filter="fade">
+                                      <p:cBhvr>
+                                        <p:cTn id="10" dur="500"/>
+                                        <p:tgtEl>
+                                          <p:spTgt spid="6"/>
+                                        </p:tgtEl>
+                                      </p:cBhvr>
+                                    </p:animEffect>
+                                  </p:childTnLst>
+                                </p:cTn>
+                              </p:par>
+                              <p:par>
+                                <p:cTn id="11" presetID="10" presetClass="entr" presetSubtype="0" fill="hold" nodeType="withEffect">
+                                  <p:stCondLst>
+                                    <p:cond delay="0"/>
+                                  </p:stCondLst>
+                                  <p:childTnLst>
+                                    <p:set>
+                                      <p:cBhvr>
+                                        <p:cTn id="12" dur="1" fill="hold">
+                                          <p:stCondLst>
+                                            <p:cond delay="0"/>
+                                          </p:stCondLst>
+                                        </p:cTn>
+                                        <p:tgtEl>
+                                          <p:spTgt spid="8"/>
+                                        </p:tgtEl>
+                                        <p:attrNameLst>
+                                          <p:attrName>style.visibility</p:attrName>
+                                        </p:attrNameLst>
+                                      </p:cBhvr>
+                                      <p:to>
+                                        <p:strVal val="visible"/>
+                                      </p:to>
+                                    </p:set>
+                                    <p:animEffect transition="in" filter="fade">
+                                      <p:cBhvr>
+                                        <p:cTn id="13" dur="500"/>
+                                        <p:tgtEl>
+                                          <p:spTgt spid="8"/>
+                                        </p:tgtEl>
+                                      </p:cBhvr>
+                                    </p:animEffect>
+                                  </p:childTnLst>
+                                </p:cTn>
+                              </p:par>
+                              <p:par>
+                                <p:cTn id="14" presetID="10" presetClass="entr" presetSubtype="0" fill="hold" nodeType="withEffect">
+                                  <p:stCondLst>
+                                    <p:cond delay="0"/>
+                                  </p:stCondLst>
+                                  <p:childTnLst>
+                                    <p:set>
+                                      <p:cBhvr>
+                                        <p:cTn id="15" dur="1" fill="hold">
+                                          <p:stCondLst>
+                                            <p:cond delay="0"/>
+                                          </p:stCondLst>
+                                        </p:cTn>
+                                        <p:tgtEl>
+                                          <p:spTgt spid="11"/>
+                                        </p:tgtEl>
+                                        <p:attrNameLst>
+                                          <p:attrName>style.visibility</p:attrName>
+                                        </p:attrNameLst>
+                                      </p:cBhvr>
+                                      <p:to>
+                                        <p:strVal val="visible"/>
+                                      </p:to>
+                                    </p:set>
+                                    <p:animEffect transition="in" filter="fade">
+                                      <p:cBhvr>
+                                        <p:cTn id="16" dur="500"/>
+                                        <p:tgtEl>
+                                          <p:spTgt spid="11"/>
+                                        </p:tgtEl>
+                                      </p:cBhvr>
+                                    </p:animEffect>
+                                  </p:childTnLst>
+                                </p:cTn>
+                              </p:par>
+                              <p:par>
+                                <p:cTn id="17" presetID="10" presetClass="entr" presetSubtype="0" fill="hold" grpId="0" nodeType="withEffect">
+                                  <p:stCondLst>
+                                    <p:cond delay="0"/>
+                                  </p:stCondLst>
+                                  <p:childTnLst>
+                                    <p:set>
+                                      <p:cBhvr>
+                                        <p:cTn id="18" dur="1" fill="hold">
+                                          <p:stCondLst>
+                                            <p:cond delay="0"/>
+                                          </p:stCondLst>
+                                        </p:cTn>
+                                        <p:tgtEl>
+                                          <p:spTgt spid="4"/>
+                                        </p:tgtEl>
+                                        <p:attrNameLst>
+                                          <p:attrName>style.visibility</p:attrName>
+                                        </p:attrNameLst>
+                                      </p:cBhvr>
+                                      <p:to>
+                                        <p:strVal val="visible"/>
+                                      </p:to>
+                                    </p:set>
+                                    <p:animEffect transition="in" filter="fade">
+                                      <p:cBhvr>
+                                        <p:cTn id="19" dur="500"/>
+                                        <p:tgtEl>
+                                          <p:spTgt spid="4"/>
+                                        </p:tgtEl>
+                                      </p:cBhvr>
+                                    </p:animEffect>
+                                  </p:childTnLst>
+                                </p:cTn>
+                              </p:par>
+                              <p:par>
+                                <p:cTn id="20" presetID="10" presetClass="entr" presetSubtype="0" fill="hold" nodeType="withEffect">
+                                  <p:stCondLst>
+                                    <p:cond delay="0"/>
+                                  </p:stCondLst>
+                                  <p:childTnLst>
+                                    <p:set>
+                                      <p:cBhvr>
+                                        <p:cTn id="21" dur="1" fill="hold">
+                                          <p:stCondLst>
+                                            <p:cond delay="0"/>
+                                          </p:stCondLst>
+                                        </p:cTn>
+                                        <p:tgtEl>
+                                          <p:spTgt spid="10"/>
+                                        </p:tgtEl>
+                                        <p:attrNameLst>
+                                          <p:attrName>style.visibility</p:attrName>
+                                        </p:attrNameLst>
+                                      </p:cBhvr>
+                                      <p:to>
+                                        <p:strVal val="visible"/>
+                                      </p:to>
+                                    </p:set>
+                                    <p:animEffect transition="in" filter="fade">
+                                      <p:cBhvr>
+                                        <p:cTn id="22" dur="500"/>
+                                        <p:tgtEl>
+                                          <p:spTgt spid="10"/>
+                                        </p:tgtEl>
+                                      </p:cBhvr>
+                                    </p:animEffect>
+                                  </p:childTnLst>
+                                </p:cTn>
+                              </p:par>
+                              <p:par>
+                                <p:cTn id="23" presetID="10" presetClass="entr" presetSubtype="0" fill="hold" grpId="0" nodeType="withEffect">
+                                  <p:stCondLst>
+                                    <p:cond delay="0"/>
+                                  </p:stCondLst>
+                                  <p:childTnLst>
+                                    <p:set>
+                                      <p:cBhvr>
+                                        <p:cTn id="24" dur="1" fill="hold">
+                                          <p:stCondLst>
+                                            <p:cond delay="0"/>
+                                          </p:stCondLst>
+                                        </p:cTn>
+                                        <p:tgtEl>
+                                          <p:spTgt spid="5"/>
+                                        </p:tgtEl>
+                                        <p:attrNameLst>
+                                          <p:attrName>style.visibility</p:attrName>
+                                        </p:attrNameLst>
+                                      </p:cBhvr>
+                                      <p:to>
+                                        <p:strVal val="visible"/>
+                                      </p:to>
+                                    </p:set>
+                                    <p:animEffect transition="in" filter="fade">
+                                      <p:cBhvr>
+                                        <p:cTn id="25" dur="500"/>
+                                        <p:tgtEl>
+                                          <p:spTgt spid="5"/>
+                                        </p:tgtEl>
+                                      </p:cBhvr>
+                                    </p:animEffect>
+                                  </p:childTnLst>
+                                </p:cTn>
+                              </p:par>
+                            </p:childTnLst>
+                          </p:cTn>
+                        </p:par>
+                      </p:childTnLst>
+                    </p:cTn>
+                  </p:par>
+                  <p:par>
+                    <p:cTn id="26" fill="hold">
+                      <p:stCondLst>
+                        <p:cond delay="indefinite"/>
+                      </p:stCondLst>
+                      <p:childTnLst>
+                        <p:par>
+                          <p:cTn id="27" fill="hold">
+                            <p:stCondLst>
+                              <p:cond delay="0"/>
+                            </p:stCondLst>
+                            <p:childTnLst>
+                              <p:par>
+                                <p:cTn id="28" presetID="10" presetClass="entr" presetSubtype="0" fill="hold" grpId="0" nodeType="clickEffect">
+                                  <p:stCondLst>
+                                    <p:cond delay="0"/>
+                                  </p:stCondLst>
+                                  <p:childTnLst>
+                                    <p:set>
+                                      <p:cBhvr>
+                                        <p:cTn id="29" dur="1" fill="hold">
+                                          <p:stCondLst>
+                                            <p:cond delay="0"/>
+                                          </p:stCondLst>
+                                        </p:cTn>
+                                        <p:tgtEl>
+                                          <p:spTgt spid="3">
+                                            <p:txEl>
+                                              <p:pRg st="5" end="5"/>
+                                            </p:txEl>
+                                          </p:spTgt>
+                                        </p:tgtEl>
+                                        <p:attrNameLst>
+                                          <p:attrName>style.visibility</p:attrName>
+                                        </p:attrNameLst>
+                                      </p:cBhvr>
+                                      <p:to>
+                                        <p:strVal val="visible"/>
+                                      </p:to>
+                                    </p:set>
+                                    <p:animEffect transition="in" filter="fade">
+                                      <p:cBhvr>
+                                        <p:cTn id="30" dur="500"/>
+                                        <p:tgtEl>
+                                          <p:spTgt spid="3">
+                                            <p:txEl>
+                                              <p:pRg st="5" end="5"/>
+                                            </p:txEl>
+                                          </p:spTgt>
+                                        </p:tgtEl>
+                                      </p:cBhvr>
+                                    </p:animEffect>
+                                  </p:childTnLst>
+                                </p:cTn>
+                              </p:par>
+                            </p:childTnLst>
+                          </p:cTn>
+                        </p:par>
+                      </p:childTnLst>
+                    </p:cTn>
+                  </p:par>
+                </p:childTnLst>
+              </p:cTn>
+              <p:prevCondLst>
+                <p:cond evt="onPrev" delay="0">
+                  <p:tgtEl>
+                    <p:sldTgt/>
+                  </p:tgtEl>
+                </p:cond>
+              </p:prevCondLst>
+              <p:nextCondLst>
+                <p:cond evt="onNext" delay="0">
+                  <p:tgtEl>
+                    <p:sldTgt/>
+                  </p:tgtEl>
+                </p:cond>
+              </p:nextCondLst>
+            </p:seq>
+          </p:childTnLst>
+        </p:cTn>
+      </p:par>
+    </p:tnLst>
+    <p:bldLst>
+      <p:bldP spid="3" grpId="0" build="p"/>
+      <p:bldP spid="4" grpId="0" animBg="1"/>
+      <p:bldP spid="5" grpId="0" animBg="1"/>
+      <p:bldP spid="6" grpId="0" animBg="1"/>
+    </p:bldLst>
+  </p:timing>
 </p:sld>
 </file>
 
@@ -25798,21 +30157,6 @@
 </file>
 
 <file path=customXml/item1.xml><?xml version="1.0" encoding="utf-8"?>
-<?mso-contentType ?>
-<FormTemplates xmlns="http://schemas.microsoft.com/sharepoint/v3/contenttype/forms">
-  <Display>DocumentLibraryForm</Display>
-  <Edit>DocumentLibraryForm</Edit>
-  <New>DocumentLibraryForm</New>
-</FormTemplates>
-</file>
-
-<file path=customXml/item2.xml><?xml version="1.0" encoding="utf-8"?>
-<p:properties xmlns:p="http://schemas.microsoft.com/office/2006/metadata/properties" xmlns:xsi="http://www.w3.org/2001/XMLSchema-instance" xmlns:pc="http://schemas.microsoft.com/office/infopath/2007/PartnerControls">
-  <documentManagement/>
-</p:properties>
-</file>
-
-<file path=customXml/item3.xml><?xml version="1.0" encoding="utf-8"?>
 <ct:contentTypeSchema xmlns:ct="http://schemas.microsoft.com/office/2006/metadata/contentType" xmlns:ma="http://schemas.microsoft.com/office/2006/metadata/properties/metaAttributes" ct:_="" ma:_="" ma:contentTypeName="Document" ma:contentTypeID="0x0101000198679BBEF31544BF1C5E94380D134B" ma:contentTypeVersion="11" ma:contentTypeDescription="Een nieuw document maken." ma:contentTypeScope="" ma:versionID="928c7503a392f8c19ded68dda1121e60">
   <xsd:schema xmlns:xsd="http://www.w3.org/2001/XMLSchema" xmlns:xs="http://www.w3.org/2001/XMLSchema" xmlns:p="http://schemas.microsoft.com/office/2006/metadata/properties" xmlns:ns2="e60f335d-e4bd-4666-890a-892f5e8cff2d" xmlns:ns3="d5f8be41-0169-49b5-b686-d4287d5aac73" targetNamespace="http://schemas.microsoft.com/office/2006/metadata/properties" ma:root="true" ma:fieldsID="8f91e335dd6c64b6d30237bdd58663b1" ns2:_="" ns3:_="">
     <xsd:import namespace="e60f335d-e4bd-4666-890a-892f5e8cff2d"/>
@@ -26023,10 +30367,36 @@
 </ct:contentTypeSchema>
 </file>
 
+<file path=customXml/item2.xml><?xml version="1.0" encoding="utf-8"?>
+<p:properties xmlns:p="http://schemas.microsoft.com/office/2006/metadata/properties" xmlns:xsi="http://www.w3.org/2001/XMLSchema-instance" xmlns:pc="http://schemas.microsoft.com/office/infopath/2007/PartnerControls">
+  <documentManagement/>
+</p:properties>
+</file>
+
+<file path=customXml/item3.xml><?xml version="1.0" encoding="utf-8"?>
+<?mso-contentType ?>
+<FormTemplates xmlns="http://schemas.microsoft.com/sharepoint/v3/contenttype/forms">
+  <Display>DocumentLibraryForm</Display>
+  <Edit>DocumentLibraryForm</Edit>
+  <New>DocumentLibraryForm</New>
+</FormTemplates>
+</file>
+
 <file path=customXml/itemProps1.xml><?xml version="1.0" encoding="utf-8"?>
-<ds:datastoreItem xmlns:ds="http://schemas.openxmlformats.org/officeDocument/2006/customXml" ds:itemID="{2EBDE53D-6E78-4709-828D-56940832F243}">
+<ds:datastoreItem xmlns:ds="http://schemas.openxmlformats.org/officeDocument/2006/customXml" ds:itemID="{D95D00C5-A255-4B17-B283-B46EAB3061C5}">
   <ds:schemaRefs>
-    <ds:schemaRef ds:uri="http://schemas.microsoft.com/sharepoint/v3/contenttype/forms"/>
+    <ds:schemaRef ds:uri="http://schemas.microsoft.com/office/2006/metadata/contentType"/>
+    <ds:schemaRef ds:uri="http://schemas.microsoft.com/office/2006/metadata/properties/metaAttributes"/>
+    <ds:schemaRef ds:uri="http://www.w3.org/2001/XMLSchema"/>
+    <ds:schemaRef ds:uri="http://schemas.microsoft.com/office/2006/metadata/properties"/>
+    <ds:schemaRef ds:uri="e60f335d-e4bd-4666-890a-892f5e8cff2d"/>
+    <ds:schemaRef ds:uri="d5f8be41-0169-49b5-b686-d4287d5aac73"/>
+    <ds:schemaRef ds:uri="http://schemas.microsoft.com/office/2006/documentManagement/types"/>
+    <ds:schemaRef ds:uri="http://schemas.microsoft.com/office/infopath/2007/PartnerControls"/>
+    <ds:schemaRef ds:uri="http://schemas.openxmlformats.org/package/2006/metadata/core-properties"/>
+    <ds:schemaRef ds:uri="http://purl.org/dc/elements/1.1/"/>
+    <ds:schemaRef ds:uri="http://purl.org/dc/terms/"/>
+    <ds:schemaRef ds:uri="http://schemas.microsoft.com/internal/obd"/>
   </ds:schemaRefs>
 </ds:datastoreItem>
 </file>
@@ -26049,20 +30419,9 @@
 </file>
 
 <file path=customXml/itemProps3.xml><?xml version="1.0" encoding="utf-8"?>
-<ds:datastoreItem xmlns:ds="http://schemas.openxmlformats.org/officeDocument/2006/customXml" ds:itemID="{D95D00C5-A255-4B17-B283-B46EAB3061C5}">
+<ds:datastoreItem xmlns:ds="http://schemas.openxmlformats.org/officeDocument/2006/customXml" ds:itemID="{2EBDE53D-6E78-4709-828D-56940832F243}">
   <ds:schemaRefs>
-    <ds:schemaRef ds:uri="http://schemas.microsoft.com/office/2006/metadata/contentType"/>
-    <ds:schemaRef ds:uri="http://schemas.microsoft.com/office/2006/metadata/properties/metaAttributes"/>
-    <ds:schemaRef ds:uri="http://www.w3.org/2001/XMLSchema"/>
-    <ds:schemaRef ds:uri="http://schemas.microsoft.com/office/2006/metadata/properties"/>
-    <ds:schemaRef ds:uri="e60f335d-e4bd-4666-890a-892f5e8cff2d"/>
-    <ds:schemaRef ds:uri="d5f8be41-0169-49b5-b686-d4287d5aac73"/>
-    <ds:schemaRef ds:uri="http://schemas.microsoft.com/office/2006/documentManagement/types"/>
-    <ds:schemaRef ds:uri="http://schemas.microsoft.com/office/infopath/2007/PartnerControls"/>
-    <ds:schemaRef ds:uri="http://schemas.openxmlformats.org/package/2006/metadata/core-properties"/>
-    <ds:schemaRef ds:uri="http://purl.org/dc/elements/1.1/"/>
-    <ds:schemaRef ds:uri="http://purl.org/dc/terms/"/>
-    <ds:schemaRef ds:uri="http://schemas.microsoft.com/internal/obd"/>
+    <ds:schemaRef ds:uri="http://schemas.microsoft.com/sharepoint/v3/contenttype/forms"/>
   </ds:schemaRefs>
 </ds:datastoreItem>
 </file>